--- a/SQL basics.pptx
+++ b/SQL basics.pptx
@@ -6,19 +6,20 @@
   </p:sldMasterIdLst>
   <p:sldIdLst>
     <p:sldId id="256" r:id="rId2"/>
-    <p:sldId id="257" r:id="rId3"/>
-    <p:sldId id="267" r:id="rId4"/>
-    <p:sldId id="258" r:id="rId5"/>
-    <p:sldId id="259" r:id="rId6"/>
-    <p:sldId id="260" r:id="rId7"/>
-    <p:sldId id="261" r:id="rId8"/>
-    <p:sldId id="262" r:id="rId9"/>
-    <p:sldId id="263" r:id="rId10"/>
-    <p:sldId id="264" r:id="rId11"/>
-    <p:sldId id="265" r:id="rId12"/>
-    <p:sldId id="266" r:id="rId13"/>
-    <p:sldId id="268" r:id="rId14"/>
-    <p:sldId id="269" r:id="rId15"/>
+    <p:sldId id="270" r:id="rId3"/>
+    <p:sldId id="257" r:id="rId4"/>
+    <p:sldId id="267" r:id="rId5"/>
+    <p:sldId id="258" r:id="rId6"/>
+    <p:sldId id="259" r:id="rId7"/>
+    <p:sldId id="260" r:id="rId8"/>
+    <p:sldId id="261" r:id="rId9"/>
+    <p:sldId id="262" r:id="rId10"/>
+    <p:sldId id="263" r:id="rId11"/>
+    <p:sldId id="264" r:id="rId12"/>
+    <p:sldId id="265" r:id="rId13"/>
+    <p:sldId id="266" r:id="rId14"/>
+    <p:sldId id="268" r:id="rId15"/>
+    <p:sldId id="269" r:id="rId16"/>
   </p:sldIdLst>
   <p:sldSz cx="12192000" cy="6858000"/>
   <p:notesSz cx="6858000" cy="9144000"/>
@@ -117,6 +118,11 @@
       </a:defRPr>
     </a:lvl9pPr>
   </p:defaultTextStyle>
+  <p:extLst>
+    <p:ext uri="{EFAFB233-063F-42B5-8137-9DF3F51BA10A}">
+      <p15:sldGuideLst xmlns:p15="http://schemas.microsoft.com/office/powerpoint/2012/main"/>
+    </p:ext>
+  </p:extLst>
 </p:presentation>
 </file>
 
@@ -5927,7 +5933,7 @@
           <a:p>
             <a:r>
               <a:rPr lang="hu-HU" dirty="0" err="1" smtClean="0"/>
-              <a:t>Count</a:t>
+              <a:t>Distinct</a:t>
             </a:r>
             <a:endParaRPr lang="hu-HU" dirty="0"/>
           </a:p>
@@ -5954,23 +5960,23 @@
             </a:r>
             <a:r>
               <a:rPr lang="hu-HU" dirty="0" err="1" smtClean="0"/>
-              <a:t>counts</a:t>
-            </a:r>
-            <a:r>
-              <a:rPr lang="hu-HU" dirty="0" smtClean="0"/>
-              <a:t> </a:t>
-            </a:r>
-            <a:r>
-              <a:rPr lang="hu-HU" dirty="0" err="1" smtClean="0"/>
-              <a:t>how</a:t>
-            </a:r>
-            <a:r>
-              <a:rPr lang="hu-HU" dirty="0" smtClean="0"/>
-              <a:t> </a:t>
-            </a:r>
-            <a:r>
-              <a:rPr lang="hu-HU" dirty="0" err="1" smtClean="0"/>
-              <a:t>many</a:t>
+              <a:t>only</a:t>
+            </a:r>
+            <a:r>
+              <a:rPr lang="hu-HU" dirty="0" smtClean="0"/>
+              <a:t> </a:t>
+            </a:r>
+            <a:r>
+              <a:rPr lang="hu-HU" dirty="0" err="1" smtClean="0"/>
+              <a:t>returns</a:t>
+            </a:r>
+            <a:r>
+              <a:rPr lang="hu-HU" dirty="0" smtClean="0"/>
+              <a:t> </a:t>
+            </a:r>
+            <a:r>
+              <a:rPr lang="hu-HU" dirty="0" err="1" smtClean="0"/>
+              <a:t>the</a:t>
             </a:r>
             <a:r>
               <a:rPr lang="hu-HU" dirty="0" smtClean="0"/>
@@ -5982,11 +5988,35 @@
             </a:r>
             <a:r>
               <a:rPr lang="hu-HU" dirty="0" smtClean="0"/>
-              <a:t> is in a </a:t>
-            </a:r>
-            <a:r>
-              <a:rPr lang="hu-HU" dirty="0" err="1" smtClean="0"/>
-              <a:t>collum</a:t>
+              <a:t> </a:t>
+            </a:r>
+            <a:r>
+              <a:rPr lang="hu-HU" dirty="0" err="1" smtClean="0"/>
+              <a:t>once</a:t>
+            </a:r>
+            <a:r>
+              <a:rPr lang="hu-HU" dirty="0" smtClean="0"/>
+              <a:t>, </a:t>
+            </a:r>
+            <a:r>
+              <a:rPr lang="hu-HU" dirty="0" err="1" smtClean="0"/>
+              <a:t>doesn’t</a:t>
+            </a:r>
+            <a:r>
+              <a:rPr lang="hu-HU" dirty="0" smtClean="0"/>
+              <a:t> show </a:t>
+            </a:r>
+            <a:r>
+              <a:rPr lang="hu-HU" dirty="0" err="1" smtClean="0"/>
+              <a:t>the</a:t>
+            </a:r>
+            <a:r>
+              <a:rPr lang="hu-HU" dirty="0" smtClean="0"/>
+              <a:t> </a:t>
+            </a:r>
+            <a:r>
+              <a:rPr lang="hu-HU" dirty="0" err="1" smtClean="0"/>
+              <a:t>duplicates</a:t>
             </a:r>
             <a:endParaRPr lang="hu-HU" dirty="0" smtClean="0"/>
           </a:p>
@@ -5996,24 +6026,12 @@
               <a:t>Example</a:t>
             </a:r>
             <a:r>
-              <a:rPr lang="hu-HU" dirty="0"/>
+              <a:rPr lang="hu-HU" dirty="0" smtClean="0"/>
               <a:t>(</a:t>
             </a:r>
             <a:r>
-              <a:rPr lang="en-US" dirty="0" smtClean="0"/>
-              <a:t>select </a:t>
-            </a:r>
-            <a:r>
               <a:rPr lang="en-US" dirty="0"/>
-              <a:t>count </a:t>
-            </a:r>
-            <a:r>
-              <a:rPr lang="en-US" dirty="0" smtClean="0"/>
-              <a:t>City </a:t>
-            </a:r>
-            <a:r>
-              <a:rPr lang="en-US" dirty="0"/>
-              <a:t>from Customers</a:t>
+              <a:t>select distinct City from Customers</a:t>
             </a:r>
             <a:r>
               <a:rPr lang="en-US" dirty="0" smtClean="0"/>
@@ -6023,122 +6041,14 @@
               <a:rPr lang="hu-HU" dirty="0" smtClean="0"/>
               <a:t>)</a:t>
             </a:r>
-          </a:p>
-          <a:p>
-            <a:r>
-              <a:rPr lang="hu-HU" dirty="0" err="1" smtClean="0"/>
-              <a:t>You</a:t>
-            </a:r>
-            <a:r>
-              <a:rPr lang="hu-HU" dirty="0" smtClean="0"/>
-              <a:t> </a:t>
-            </a:r>
-            <a:r>
-              <a:rPr lang="hu-HU" dirty="0" err="1" smtClean="0"/>
-              <a:t>can</a:t>
-            </a:r>
-            <a:r>
-              <a:rPr lang="hu-HU" dirty="0" smtClean="0"/>
-              <a:t> </a:t>
-            </a:r>
-            <a:r>
-              <a:rPr lang="hu-HU" dirty="0" err="1" smtClean="0"/>
-              <a:t>also</a:t>
-            </a:r>
-            <a:r>
-              <a:rPr lang="hu-HU" dirty="0" smtClean="0"/>
-              <a:t> </a:t>
-            </a:r>
-            <a:r>
-              <a:rPr lang="hu-HU" dirty="0" err="1" smtClean="0"/>
-              <a:t>use</a:t>
-            </a:r>
-            <a:r>
-              <a:rPr lang="hu-HU" dirty="0" smtClean="0"/>
-              <a:t> </a:t>
-            </a:r>
-            <a:r>
-              <a:rPr lang="hu-HU" dirty="0" err="1" smtClean="0"/>
-              <a:t>distinct</a:t>
-            </a:r>
-            <a:r>
-              <a:rPr lang="hu-HU" dirty="0" smtClean="0"/>
-              <a:t> here </a:t>
-            </a:r>
-            <a:r>
-              <a:rPr lang="hu-HU" dirty="0" err="1" smtClean="0"/>
-              <a:t>to</a:t>
-            </a:r>
-            <a:r>
-              <a:rPr lang="hu-HU" dirty="0" smtClean="0"/>
-              <a:t> </a:t>
-            </a:r>
-            <a:r>
-              <a:rPr lang="hu-HU" dirty="0" err="1" smtClean="0"/>
-              <a:t>only</a:t>
-            </a:r>
-            <a:r>
-              <a:rPr lang="hu-HU" dirty="0" smtClean="0"/>
-              <a:t> </a:t>
-            </a:r>
-            <a:r>
-              <a:rPr lang="hu-HU" dirty="0" err="1" smtClean="0"/>
-              <a:t>count</a:t>
-            </a:r>
-            <a:r>
-              <a:rPr lang="hu-HU" dirty="0" smtClean="0"/>
-              <a:t> </a:t>
-            </a:r>
-            <a:r>
-              <a:rPr lang="hu-HU" dirty="0" err="1" smtClean="0"/>
-              <a:t>each</a:t>
-            </a:r>
-            <a:r>
-              <a:rPr lang="hu-HU" dirty="0" smtClean="0"/>
-              <a:t> </a:t>
-            </a:r>
-            <a:r>
-              <a:rPr lang="hu-HU" dirty="0" err="1" smtClean="0"/>
-              <a:t>data</a:t>
-            </a:r>
-            <a:r>
-              <a:rPr lang="hu-HU" dirty="0" smtClean="0"/>
-              <a:t> </a:t>
-            </a:r>
-            <a:r>
-              <a:rPr lang="hu-HU" dirty="0" err="1" smtClean="0"/>
-              <a:t>once</a:t>
-            </a:r>
-            <a:endParaRPr lang="hu-HU" dirty="0" smtClean="0"/>
-          </a:p>
-          <a:p>
-            <a:r>
-              <a:rPr lang="hu-HU" dirty="0" err="1" smtClean="0"/>
-              <a:t>Example</a:t>
-            </a:r>
-            <a:r>
-              <a:rPr lang="hu-HU" dirty="0" smtClean="0"/>
-              <a:t>(</a:t>
-            </a:r>
-            <a:r>
-              <a:rPr lang="en-US" dirty="0"/>
-              <a:t>select count (distinct City) from Customers</a:t>
-            </a:r>
-            <a:r>
-              <a:rPr lang="en-US" dirty="0" smtClean="0"/>
-              <a:t>;</a:t>
-            </a:r>
-            <a:r>
-              <a:rPr lang="hu-HU" dirty="0" smtClean="0"/>
-              <a:t>)</a:t>
-            </a:r>
+            <a:endParaRPr lang="hu-HU" dirty="0"/>
           </a:p>
         </p:txBody>
       </p:sp>
     </p:spTree>
     <p:extLst>
       <p:ext uri="{BB962C8B-B14F-4D97-AF65-F5344CB8AC3E}">
-        <p14:creationId xmlns:p14="http://schemas.microsoft.com/office/powerpoint/2010/main" val="2737245793"/>
+        <p14:creationId xmlns:p14="http://schemas.microsoft.com/office/powerpoint/2010/main" val="2734845446"/>
       </p:ext>
     </p:extLst>
   </p:cSld>
@@ -6182,15 +6092,7 @@
           <a:p>
             <a:r>
               <a:rPr lang="hu-HU" dirty="0" err="1" smtClean="0"/>
-              <a:t>Order</a:t>
-            </a:r>
-            <a:r>
-              <a:rPr lang="hu-HU" dirty="0" smtClean="0"/>
-              <a:t> </a:t>
-            </a:r>
-            <a:r>
-              <a:rPr lang="hu-HU" dirty="0" err="1" smtClean="0"/>
-              <a:t>by</a:t>
+              <a:t>Count</a:t>
             </a:r>
             <a:endParaRPr lang="hu-HU" dirty="0"/>
           </a:p>
@@ -6217,62 +6119,66 @@
             </a:r>
             <a:r>
               <a:rPr lang="hu-HU" dirty="0" err="1" smtClean="0"/>
-              <a:t>makes</a:t>
-            </a:r>
-            <a:r>
-              <a:rPr lang="hu-HU" dirty="0" smtClean="0"/>
-              <a:t> </a:t>
-            </a:r>
-            <a:r>
-              <a:rPr lang="hu-HU" dirty="0" err="1" smtClean="0"/>
-              <a:t>the</a:t>
+              <a:t>counts</a:t>
+            </a:r>
+            <a:r>
+              <a:rPr lang="hu-HU" dirty="0" smtClean="0"/>
+              <a:t> </a:t>
+            </a:r>
+            <a:r>
+              <a:rPr lang="hu-HU" dirty="0" err="1" smtClean="0"/>
+              <a:t>how</a:t>
+            </a:r>
+            <a:r>
+              <a:rPr lang="hu-HU" dirty="0" smtClean="0"/>
+              <a:t> </a:t>
+            </a:r>
+            <a:r>
+              <a:rPr lang="hu-HU" dirty="0" err="1" smtClean="0"/>
+              <a:t>many</a:t>
+            </a:r>
+            <a:r>
+              <a:rPr lang="hu-HU" dirty="0" smtClean="0"/>
+              <a:t> </a:t>
+            </a:r>
+            <a:r>
+              <a:rPr lang="hu-HU" dirty="0" err="1" smtClean="0"/>
+              <a:t>data</a:t>
+            </a:r>
+            <a:r>
+              <a:rPr lang="hu-HU" dirty="0" smtClean="0"/>
+              <a:t> is in a </a:t>
+            </a:r>
+            <a:r>
+              <a:rPr lang="hu-HU" dirty="0" err="1" smtClean="0"/>
+              <a:t>collum</a:t>
+            </a:r>
+            <a:endParaRPr lang="hu-HU" dirty="0" smtClean="0"/>
+          </a:p>
+          <a:p>
+            <a:r>
+              <a:rPr lang="hu-HU" dirty="0" err="1" smtClean="0"/>
+              <a:t>Example</a:t>
             </a:r>
             <a:r>
               <a:rPr lang="hu-HU" dirty="0"/>
-              <a:t> </a:t>
-            </a:r>
-            <a:r>
-              <a:rPr lang="hu-HU" dirty="0" err="1" smtClean="0"/>
-              <a:t>data</a:t>
-            </a:r>
-            <a:r>
-              <a:rPr lang="hu-HU" dirty="0" smtClean="0"/>
-              <a:t> </a:t>
-            </a:r>
-            <a:r>
-              <a:rPr lang="hu-HU" dirty="0" err="1" smtClean="0"/>
-              <a:t>return</a:t>
-            </a:r>
-            <a:r>
-              <a:rPr lang="hu-HU" dirty="0" smtClean="0"/>
-              <a:t> a </a:t>
-            </a:r>
-            <a:r>
-              <a:rPr lang="hu-HU" dirty="0" err="1" smtClean="0"/>
-              <a:t>specific</a:t>
-            </a:r>
-            <a:r>
-              <a:rPr lang="hu-HU" dirty="0" smtClean="0"/>
-              <a:t> </a:t>
-            </a:r>
-            <a:r>
-              <a:rPr lang="hu-HU" dirty="0" err="1" smtClean="0"/>
-              <a:t>order</a:t>
-            </a:r>
-            <a:endParaRPr lang="hu-HU" dirty="0" smtClean="0"/>
-          </a:p>
-          <a:p>
-            <a:r>
-              <a:rPr lang="hu-HU" dirty="0" err="1" smtClean="0"/>
-              <a:t>Example</a:t>
-            </a:r>
-            <a:r>
-              <a:rPr lang="hu-HU" dirty="0" smtClean="0"/>
               <a:t>(</a:t>
             </a:r>
             <a:r>
+              <a:rPr lang="en-US" dirty="0" smtClean="0"/>
+              <a:t>select </a:t>
+            </a:r>
+            <a:r>
               <a:rPr lang="en-US" dirty="0"/>
-              <a:t>select distinct Country from Customers order by Country</a:t>
+              <a:t>count </a:t>
+            </a:r>
+            <a:r>
+              <a:rPr lang="en-US" dirty="0" smtClean="0"/>
+              <a:t>City </a:t>
+            </a:r>
+            <a:r>
+              <a:rPr lang="en-US" dirty="0"/>
+              <a:t>from Customers</a:t>
             </a:r>
             <a:r>
               <a:rPr lang="en-US" dirty="0" smtClean="0"/>
@@ -6310,159 +6216,63 @@
             </a:r>
             <a:r>
               <a:rPr lang="hu-HU" dirty="0" err="1" smtClean="0"/>
-              <a:t>make</a:t>
-            </a:r>
-            <a:r>
-              <a:rPr lang="hu-HU" dirty="0" smtClean="0"/>
-              <a:t> it </a:t>
-            </a:r>
-            <a:r>
-              <a:rPr lang="hu-HU" dirty="0" err="1" smtClean="0"/>
-              <a:t>exclude</a:t>
-            </a:r>
-            <a:r>
-              <a:rPr lang="hu-HU" dirty="0" smtClean="0"/>
-              <a:t> </a:t>
-            </a:r>
-            <a:r>
-              <a:rPr lang="hu-HU" dirty="0" err="1" smtClean="0"/>
-              <a:t>the</a:t>
-            </a:r>
-            <a:r>
-              <a:rPr lang="hu-HU" dirty="0" smtClean="0"/>
-              <a:t> </a:t>
-            </a:r>
-            <a:r>
-              <a:rPr lang="hu-HU" dirty="0" err="1" smtClean="0"/>
-              <a:t>ones</a:t>
-            </a:r>
-            <a:r>
-              <a:rPr lang="hu-HU" dirty="0" smtClean="0"/>
-              <a:t> </a:t>
-            </a:r>
-            <a:r>
-              <a:rPr lang="hu-HU" dirty="0" err="1" smtClean="0"/>
-              <a:t>where</a:t>
-            </a:r>
-            <a:r>
-              <a:rPr lang="hu-HU" dirty="0" smtClean="0"/>
-              <a:t> </a:t>
-            </a:r>
-            <a:r>
-              <a:rPr lang="hu-HU" dirty="0" err="1" smtClean="0"/>
-              <a:t>the</a:t>
-            </a:r>
-            <a:r>
-              <a:rPr lang="hu-HU" dirty="0" smtClean="0"/>
-              <a:t> </a:t>
-            </a:r>
-            <a:r>
-              <a:rPr lang="hu-HU" dirty="0" err="1" smtClean="0"/>
-              <a:t>value</a:t>
-            </a:r>
-            <a:r>
-              <a:rPr lang="hu-HU" dirty="0" smtClean="0"/>
-              <a:t> is null </a:t>
-            </a:r>
-            <a:r>
-              <a:rPr lang="hu-HU" dirty="0" err="1" smtClean="0"/>
-              <a:t>or</a:t>
-            </a:r>
-            <a:r>
-              <a:rPr lang="hu-HU" dirty="0" smtClean="0"/>
-              <a:t> show </a:t>
-            </a:r>
-            <a:r>
-              <a:rPr lang="hu-HU" dirty="0" err="1" smtClean="0"/>
-              <a:t>onnly</a:t>
-            </a:r>
-            <a:r>
-              <a:rPr lang="hu-HU" dirty="0" smtClean="0"/>
-              <a:t> </a:t>
-            </a:r>
-            <a:r>
-              <a:rPr lang="hu-HU" dirty="0" err="1" smtClean="0"/>
-              <a:t>the</a:t>
-            </a:r>
-            <a:r>
-              <a:rPr lang="hu-HU" dirty="0" smtClean="0"/>
-              <a:t> </a:t>
-            </a:r>
-            <a:r>
-              <a:rPr lang="hu-HU" dirty="0" err="1" smtClean="0"/>
-              <a:t>ones</a:t>
-            </a:r>
-            <a:r>
-              <a:rPr lang="hu-HU" dirty="0" smtClean="0"/>
-              <a:t> </a:t>
-            </a:r>
-            <a:r>
-              <a:rPr lang="hu-HU" dirty="0" err="1" smtClean="0"/>
-              <a:t>with</a:t>
-            </a:r>
-            <a:r>
-              <a:rPr lang="hu-HU" dirty="0" smtClean="0"/>
-              <a:t> null </a:t>
-            </a:r>
-            <a:r>
-              <a:rPr lang="hu-HU" dirty="0" err="1" smtClean="0"/>
-              <a:t>value</a:t>
-            </a:r>
-            <a:r>
-              <a:rPr lang="hu-HU" dirty="0" smtClean="0"/>
-              <a:t> and </a:t>
-            </a:r>
-            <a:r>
-              <a:rPr lang="hu-HU" dirty="0" err="1" smtClean="0"/>
-              <a:t>also</a:t>
-            </a:r>
-            <a:r>
-              <a:rPr lang="hu-HU" dirty="0" smtClean="0"/>
-              <a:t> </a:t>
-            </a:r>
-            <a:r>
-              <a:rPr lang="hu-HU" dirty="0" err="1" smtClean="0"/>
-              <a:t>make</a:t>
-            </a:r>
-            <a:r>
-              <a:rPr lang="hu-HU" dirty="0" smtClean="0"/>
-              <a:t> </a:t>
-            </a:r>
-            <a:r>
-              <a:rPr lang="hu-HU" dirty="0" err="1" smtClean="0"/>
-              <a:t>them</a:t>
-            </a:r>
-            <a:r>
-              <a:rPr lang="hu-HU" dirty="0" smtClean="0"/>
-              <a:t> in a </a:t>
-            </a:r>
-            <a:r>
-              <a:rPr lang="hu-HU" dirty="0" err="1" smtClean="0"/>
-              <a:t>ascending</a:t>
-            </a:r>
-            <a:r>
-              <a:rPr lang="hu-HU" dirty="0" smtClean="0"/>
-              <a:t> </a:t>
-            </a:r>
-            <a:r>
-              <a:rPr lang="hu-HU" dirty="0" err="1" smtClean="0"/>
-              <a:t>or</a:t>
-            </a:r>
-            <a:r>
-              <a:rPr lang="hu-HU" dirty="0" smtClean="0"/>
-              <a:t> </a:t>
-            </a:r>
-            <a:r>
-              <a:rPr lang="hu-HU" dirty="0" err="1" smtClean="0"/>
-              <a:t>descanding</a:t>
-            </a:r>
-            <a:r>
-              <a:rPr lang="hu-HU" dirty="0" smtClean="0"/>
-              <a:t> </a:t>
-            </a:r>
-            <a:r>
-              <a:rPr lang="hu-HU" dirty="0" err="1" smtClean="0"/>
-              <a:t>order</a:t>
+              <a:t>use</a:t>
+            </a:r>
+            <a:r>
+              <a:rPr lang="hu-HU" dirty="0" smtClean="0"/>
+              <a:t> </a:t>
+            </a:r>
+            <a:r>
+              <a:rPr lang="hu-HU" dirty="0" err="1" smtClean="0"/>
+              <a:t>distinct</a:t>
+            </a:r>
+            <a:r>
+              <a:rPr lang="hu-HU" dirty="0" smtClean="0"/>
+              <a:t> here </a:t>
+            </a:r>
+            <a:r>
+              <a:rPr lang="hu-HU" dirty="0" err="1" smtClean="0"/>
+              <a:t>to</a:t>
+            </a:r>
+            <a:r>
+              <a:rPr lang="hu-HU" dirty="0" smtClean="0"/>
+              <a:t> </a:t>
+            </a:r>
+            <a:r>
+              <a:rPr lang="hu-HU" dirty="0" err="1" smtClean="0"/>
+              <a:t>only</a:t>
+            </a:r>
+            <a:r>
+              <a:rPr lang="hu-HU" dirty="0" smtClean="0"/>
+              <a:t> </a:t>
+            </a:r>
+            <a:r>
+              <a:rPr lang="hu-HU" dirty="0" err="1" smtClean="0"/>
+              <a:t>count</a:t>
+            </a:r>
+            <a:r>
+              <a:rPr lang="hu-HU" dirty="0" smtClean="0"/>
+              <a:t> </a:t>
+            </a:r>
+            <a:r>
+              <a:rPr lang="hu-HU" dirty="0" err="1" smtClean="0"/>
+              <a:t>each</a:t>
+            </a:r>
+            <a:r>
+              <a:rPr lang="hu-HU" dirty="0" smtClean="0"/>
+              <a:t> </a:t>
+            </a:r>
+            <a:r>
+              <a:rPr lang="hu-HU" dirty="0" err="1" smtClean="0"/>
+              <a:t>data</a:t>
+            </a:r>
+            <a:r>
+              <a:rPr lang="hu-HU" dirty="0" smtClean="0"/>
+              <a:t> </a:t>
+            </a:r>
+            <a:r>
+              <a:rPr lang="hu-HU" dirty="0" err="1" smtClean="0"/>
+              <a:t>once</a:t>
             </a:r>
             <a:endParaRPr lang="hu-HU" dirty="0" smtClean="0"/>
           </a:p>
@@ -6477,74 +6287,7 @@
             </a:r>
             <a:r>
               <a:rPr lang="en-US" dirty="0"/>
-              <a:t>select distinct Country from Customers where Country not null order by Country;</a:t>
-            </a:r>
-          </a:p>
-          <a:p>
-            <a:pPr marL="0" indent="0">
-              <a:buNone/>
-            </a:pPr>
-            <a:r>
-              <a:rPr lang="hu-HU" dirty="0" smtClean="0"/>
-              <a:t>	</a:t>
-            </a:r>
-            <a:r>
-              <a:rPr lang="en-US" dirty="0" smtClean="0"/>
-              <a:t>select </a:t>
-            </a:r>
-            <a:r>
-              <a:rPr lang="en-US" dirty="0"/>
-              <a:t>distinct Country from Customers where Country not null order by Country </a:t>
-            </a:r>
-            <a:r>
-              <a:rPr lang="en-US" dirty="0" err="1"/>
-              <a:t>asc</a:t>
-            </a:r>
-            <a:r>
-              <a:rPr lang="en-US" dirty="0"/>
-              <a:t>;</a:t>
-            </a:r>
-          </a:p>
-          <a:p>
-            <a:pPr marL="0" indent="0">
-              <a:buNone/>
-            </a:pPr>
-            <a:r>
-              <a:rPr lang="hu-HU" dirty="0" smtClean="0"/>
-              <a:t>	</a:t>
-            </a:r>
-            <a:r>
-              <a:rPr lang="en-US" dirty="0" smtClean="0"/>
-              <a:t>select </a:t>
-            </a:r>
-            <a:r>
-              <a:rPr lang="en-US" dirty="0"/>
-              <a:t>distinct Country from Customers where Country not null order by Country </a:t>
-            </a:r>
-            <a:r>
-              <a:rPr lang="en-US" dirty="0" err="1"/>
-              <a:t>desc</a:t>
-            </a:r>
-            <a:r>
-              <a:rPr lang="en-US" dirty="0"/>
-              <a:t>;</a:t>
-            </a:r>
-          </a:p>
-          <a:p>
-            <a:pPr marL="0" indent="0">
-              <a:buNone/>
-            </a:pPr>
-            <a:r>
-              <a:rPr lang="hu-HU" dirty="0" smtClean="0"/>
-              <a:t>	</a:t>
-            </a:r>
-            <a:r>
-              <a:rPr lang="en-US" dirty="0" smtClean="0"/>
-              <a:t>select </a:t>
-            </a:r>
-            <a:r>
-              <a:rPr lang="en-US" dirty="0"/>
-              <a:t>* from Customers where Country is null</a:t>
+              <a:t>select count (distinct City) from Customers</a:t>
             </a:r>
             <a:r>
               <a:rPr lang="en-US" dirty="0" smtClean="0"/>
@@ -6560,7 +6303,7 @@
     </p:spTree>
     <p:extLst>
       <p:ext uri="{BB962C8B-B14F-4D97-AF65-F5344CB8AC3E}">
-        <p14:creationId xmlns:p14="http://schemas.microsoft.com/office/powerpoint/2010/main" val="2327985712"/>
+        <p14:creationId xmlns:p14="http://schemas.microsoft.com/office/powerpoint/2010/main" val="2737245793"/>
       </p:ext>
     </p:extLst>
   </p:cSld>
@@ -6603,8 +6346,16 @@
           <a:lstStyle/>
           <a:p>
             <a:r>
-              <a:rPr lang="hu-HU" dirty="0" smtClean="0"/>
-              <a:t>limit</a:t>
+              <a:rPr lang="hu-HU" dirty="0" err="1" smtClean="0"/>
+              <a:t>Order</a:t>
+            </a:r>
+            <a:r>
+              <a:rPr lang="hu-HU" dirty="0" smtClean="0"/>
+              <a:t> </a:t>
+            </a:r>
+            <a:r>
+              <a:rPr lang="hu-HU" dirty="0" err="1" smtClean="0"/>
+              <a:t>by</a:t>
             </a:r>
             <a:endParaRPr lang="hu-HU" dirty="0"/>
           </a:p>
@@ -6631,7 +6382,7 @@
             </a:r>
             <a:r>
               <a:rPr lang="hu-HU" dirty="0" err="1" smtClean="0"/>
-              <a:t>limits</a:t>
+              <a:t>makes</a:t>
             </a:r>
             <a:r>
               <a:rPr lang="hu-HU" dirty="0" smtClean="0"/>
@@ -6642,16 +6393,101 @@
               <a:t>the</a:t>
             </a:r>
             <a:r>
-              <a:rPr lang="hu-HU" dirty="0" smtClean="0"/>
-              <a:t> </a:t>
-            </a:r>
-            <a:r>
-              <a:rPr lang="hu-HU" dirty="0" err="1" smtClean="0"/>
-              <a:t>number</a:t>
-            </a:r>
-            <a:r>
-              <a:rPr lang="hu-HU" dirty="0" smtClean="0"/>
-              <a:t> of </a:t>
+              <a:rPr lang="hu-HU" dirty="0"/>
+              <a:t> </a:t>
+            </a:r>
+            <a:r>
+              <a:rPr lang="hu-HU" dirty="0" err="1" smtClean="0"/>
+              <a:t>data</a:t>
+            </a:r>
+            <a:r>
+              <a:rPr lang="hu-HU" dirty="0" smtClean="0"/>
+              <a:t> </a:t>
+            </a:r>
+            <a:r>
+              <a:rPr lang="hu-HU" dirty="0" err="1" smtClean="0"/>
+              <a:t>return</a:t>
+            </a:r>
+            <a:r>
+              <a:rPr lang="hu-HU" dirty="0" smtClean="0"/>
+              <a:t> a </a:t>
+            </a:r>
+            <a:r>
+              <a:rPr lang="hu-HU" dirty="0" err="1" smtClean="0"/>
+              <a:t>specific</a:t>
+            </a:r>
+            <a:r>
+              <a:rPr lang="hu-HU" dirty="0" smtClean="0"/>
+              <a:t> </a:t>
+            </a:r>
+            <a:r>
+              <a:rPr lang="hu-HU" dirty="0" err="1" smtClean="0"/>
+              <a:t>order</a:t>
+            </a:r>
+            <a:endParaRPr lang="hu-HU" dirty="0" smtClean="0"/>
+          </a:p>
+          <a:p>
+            <a:r>
+              <a:rPr lang="hu-HU" dirty="0" err="1" smtClean="0"/>
+              <a:t>Example</a:t>
+            </a:r>
+            <a:r>
+              <a:rPr lang="hu-HU" dirty="0" smtClean="0"/>
+              <a:t>(</a:t>
+            </a:r>
+            <a:r>
+              <a:rPr lang="en-US" dirty="0"/>
+              <a:t>select distinct Country from Customers order by Country</a:t>
+            </a:r>
+            <a:r>
+              <a:rPr lang="en-US" dirty="0" smtClean="0"/>
+              <a:t>;</a:t>
+            </a:r>
+            <a:r>
+              <a:rPr lang="hu-HU" dirty="0" smtClean="0"/>
+              <a:t>)</a:t>
+            </a:r>
+          </a:p>
+          <a:p>
+            <a:r>
+              <a:rPr lang="hu-HU" dirty="0" err="1" smtClean="0"/>
+              <a:t>You</a:t>
+            </a:r>
+            <a:r>
+              <a:rPr lang="hu-HU" dirty="0" smtClean="0"/>
+              <a:t> </a:t>
+            </a:r>
+            <a:r>
+              <a:rPr lang="hu-HU" dirty="0" err="1" smtClean="0"/>
+              <a:t>can</a:t>
+            </a:r>
+            <a:r>
+              <a:rPr lang="hu-HU" dirty="0" smtClean="0"/>
+              <a:t> </a:t>
+            </a:r>
+            <a:r>
+              <a:rPr lang="hu-HU" dirty="0" err="1" smtClean="0"/>
+              <a:t>also</a:t>
+            </a:r>
+            <a:r>
+              <a:rPr lang="hu-HU" dirty="0" smtClean="0"/>
+              <a:t> </a:t>
+            </a:r>
+            <a:r>
+              <a:rPr lang="hu-HU" dirty="0" err="1" smtClean="0"/>
+              <a:t>make</a:t>
+            </a:r>
+            <a:r>
+              <a:rPr lang="hu-HU" dirty="0" smtClean="0"/>
+              <a:t> it </a:t>
+            </a:r>
+            <a:r>
+              <a:rPr lang="hu-HU" dirty="0" err="1" smtClean="0"/>
+              <a:t>exclude</a:t>
+            </a:r>
+            <a:r>
+              <a:rPr lang="hu-HU" dirty="0" smtClean="0"/>
+              <a:t> </a:t>
             </a:r>
             <a:r>
               <a:rPr lang="hu-HU" dirty="0" err="1" smtClean="0"/>
@@ -6663,17 +6499,137 @@
             </a:r>
             <a:r>
               <a:rPr lang="hu-HU" dirty="0" err="1" smtClean="0"/>
-              <a:t>returned</a:t>
-            </a:r>
-            <a:r>
-              <a:rPr lang="hu-HU" dirty="0" smtClean="0"/>
-              <a:t> </a:t>
-            </a:r>
-            <a:r>
-              <a:rPr lang="hu-HU" dirty="0" err="1" smtClean="0"/>
-              <a:t>data</a:t>
-            </a:r>
-            <a:endParaRPr lang="hu-HU" dirty="0"/>
+              <a:t>ones</a:t>
+            </a:r>
+            <a:r>
+              <a:rPr lang="hu-HU" dirty="0" smtClean="0"/>
+              <a:t> </a:t>
+            </a:r>
+            <a:r>
+              <a:rPr lang="hu-HU" dirty="0" err="1" smtClean="0"/>
+              <a:t>where</a:t>
+            </a:r>
+            <a:r>
+              <a:rPr lang="hu-HU" dirty="0" smtClean="0"/>
+              <a:t> </a:t>
+            </a:r>
+            <a:r>
+              <a:rPr lang="hu-HU" dirty="0" err="1" smtClean="0"/>
+              <a:t>the</a:t>
+            </a:r>
+            <a:r>
+              <a:rPr lang="hu-HU" dirty="0" smtClean="0"/>
+              <a:t> </a:t>
+            </a:r>
+            <a:r>
+              <a:rPr lang="hu-HU" dirty="0" err="1" smtClean="0"/>
+              <a:t>value</a:t>
+            </a:r>
+            <a:r>
+              <a:rPr lang="hu-HU" dirty="0" smtClean="0"/>
+              <a:t> is null </a:t>
+            </a:r>
+            <a:r>
+              <a:rPr lang="hu-HU" dirty="0" err="1" smtClean="0"/>
+              <a:t>or</a:t>
+            </a:r>
+            <a:r>
+              <a:rPr lang="hu-HU" dirty="0" smtClean="0"/>
+              <a:t> show </a:t>
+            </a:r>
+            <a:r>
+              <a:rPr lang="hu-HU" dirty="0" err="1" smtClean="0"/>
+              <a:t>onnly</a:t>
+            </a:r>
+            <a:r>
+              <a:rPr lang="hu-HU" dirty="0" smtClean="0"/>
+              <a:t> </a:t>
+            </a:r>
+            <a:r>
+              <a:rPr lang="hu-HU" dirty="0" err="1" smtClean="0"/>
+              <a:t>the</a:t>
+            </a:r>
+            <a:r>
+              <a:rPr lang="hu-HU" dirty="0" smtClean="0"/>
+              <a:t> </a:t>
+            </a:r>
+            <a:r>
+              <a:rPr lang="hu-HU" dirty="0" err="1" smtClean="0"/>
+              <a:t>ones</a:t>
+            </a:r>
+            <a:r>
+              <a:rPr lang="hu-HU" dirty="0" smtClean="0"/>
+              <a:t> </a:t>
+            </a:r>
+            <a:r>
+              <a:rPr lang="hu-HU" dirty="0" err="1" smtClean="0"/>
+              <a:t>with</a:t>
+            </a:r>
+            <a:r>
+              <a:rPr lang="hu-HU" dirty="0" smtClean="0"/>
+              <a:t> null </a:t>
+            </a:r>
+            <a:r>
+              <a:rPr lang="hu-HU" dirty="0" err="1" smtClean="0"/>
+              <a:t>value</a:t>
+            </a:r>
+            <a:r>
+              <a:rPr lang="hu-HU" dirty="0" smtClean="0"/>
+              <a:t> and </a:t>
+            </a:r>
+            <a:r>
+              <a:rPr lang="hu-HU" dirty="0" err="1" smtClean="0"/>
+              <a:t>also</a:t>
+            </a:r>
+            <a:r>
+              <a:rPr lang="hu-HU" dirty="0" smtClean="0"/>
+              <a:t> </a:t>
+            </a:r>
+            <a:r>
+              <a:rPr lang="hu-HU" dirty="0" err="1" smtClean="0"/>
+              <a:t>make</a:t>
+            </a:r>
+            <a:r>
+              <a:rPr lang="hu-HU" dirty="0" smtClean="0"/>
+              <a:t> </a:t>
+            </a:r>
+            <a:r>
+              <a:rPr lang="hu-HU" dirty="0" err="1" smtClean="0"/>
+              <a:t>them</a:t>
+            </a:r>
+            <a:r>
+              <a:rPr lang="hu-HU" dirty="0" smtClean="0"/>
+              <a:t> in a </a:t>
+            </a:r>
+            <a:r>
+              <a:rPr lang="hu-HU" dirty="0" err="1" smtClean="0"/>
+              <a:t>ascending</a:t>
+            </a:r>
+            <a:r>
+              <a:rPr lang="hu-HU" dirty="0" smtClean="0"/>
+              <a:t> </a:t>
+            </a:r>
+            <a:r>
+              <a:rPr lang="hu-HU" dirty="0" err="1" smtClean="0"/>
+              <a:t>or</a:t>
+            </a:r>
+            <a:r>
+              <a:rPr lang="hu-HU" dirty="0" smtClean="0"/>
+              <a:t> </a:t>
+            </a:r>
+            <a:r>
+              <a:rPr lang="hu-HU" dirty="0" err="1" smtClean="0"/>
+              <a:t>descanding</a:t>
+            </a:r>
+            <a:r>
+              <a:rPr lang="hu-HU" dirty="0" smtClean="0"/>
+              <a:t> </a:t>
+            </a:r>
+            <a:r>
+              <a:rPr lang="hu-HU" dirty="0" err="1" smtClean="0"/>
+              <a:t>order</a:t>
+            </a:r>
+            <a:endParaRPr lang="hu-HU" dirty="0" smtClean="0"/>
           </a:p>
           <a:p>
             <a:r>
@@ -6686,7 +6642,49 @@
             </a:r>
             <a:r>
               <a:rPr lang="en-US" dirty="0"/>
-              <a:t>select distinct Country from Customers where Country not null order by Country </a:t>
+              <a:t>select distinct Country from Customers where Country not null order by Country;</a:t>
+            </a:r>
+          </a:p>
+          <a:p>
+            <a:pPr marL="0" indent="0">
+              <a:buNone/>
+            </a:pPr>
+            <a:r>
+              <a:rPr lang="hu-HU" dirty="0" smtClean="0"/>
+              <a:t>	</a:t>
+            </a:r>
+            <a:r>
+              <a:rPr lang="en-US" dirty="0" smtClean="0"/>
+              <a:t>select </a:t>
+            </a:r>
+            <a:r>
+              <a:rPr lang="en-US" dirty="0"/>
+              <a:t>distinct Country from Customers where Country not null order by Country </a:t>
+            </a:r>
+            <a:r>
+              <a:rPr lang="en-US" dirty="0" err="1"/>
+              <a:t>asc</a:t>
+            </a:r>
+            <a:r>
+              <a:rPr lang="en-US" dirty="0"/>
+              <a:t>;</a:t>
+            </a:r>
+          </a:p>
+          <a:p>
+            <a:pPr marL="0" indent="0">
+              <a:buNone/>
+            </a:pPr>
+            <a:r>
+              <a:rPr lang="hu-HU" dirty="0" smtClean="0"/>
+              <a:t>	</a:t>
+            </a:r>
+            <a:r>
+              <a:rPr lang="en-US" dirty="0" smtClean="0"/>
+              <a:t>select </a:t>
+            </a:r>
+            <a:r>
+              <a:rPr lang="en-US" dirty="0"/>
+              <a:t>distinct Country from Customers where Country not null order by Country </a:t>
             </a:r>
             <a:r>
               <a:rPr lang="en-US" dirty="0" err="1"/>
@@ -6694,7 +6692,24 @@
             </a:r>
             <a:r>
               <a:rPr lang="en-US" dirty="0"/>
-              <a:t> limit 3</a:t>
+              <a:t>;</a:t>
+            </a:r>
+          </a:p>
+          <a:p>
+            <a:pPr marL="0" indent="0">
+              <a:buNone/>
+            </a:pPr>
+            <a:r>
+              <a:rPr lang="hu-HU" dirty="0" smtClean="0"/>
+              <a:t>	</a:t>
+            </a:r>
+            <a:r>
+              <a:rPr lang="en-US" dirty="0" smtClean="0"/>
+              <a:t>select </a:t>
+            </a:r>
+            <a:r>
+              <a:rPr lang="en-US" dirty="0"/>
+              <a:t>* from Customers where Country is null</a:t>
             </a:r>
             <a:r>
               <a:rPr lang="en-US" dirty="0" smtClean="0"/>
@@ -6704,14 +6719,13 @@
               <a:rPr lang="hu-HU" dirty="0" smtClean="0"/>
               <a:t>)</a:t>
             </a:r>
-            <a:endParaRPr lang="hu-HU" dirty="0"/>
           </a:p>
         </p:txBody>
       </p:sp>
     </p:spTree>
     <p:extLst>
       <p:ext uri="{BB962C8B-B14F-4D97-AF65-F5344CB8AC3E}">
-        <p14:creationId xmlns:p14="http://schemas.microsoft.com/office/powerpoint/2010/main" val="1495555386"/>
+        <p14:creationId xmlns:p14="http://schemas.microsoft.com/office/powerpoint/2010/main" val="2327985712"/>
       </p:ext>
     </p:extLst>
   </p:cSld>
@@ -6755,6 +6769,157 @@
           <a:p>
             <a:r>
               <a:rPr lang="hu-HU" dirty="0" smtClean="0"/>
+              <a:t>limit</a:t>
+            </a:r>
+            <a:endParaRPr lang="hu-HU" dirty="0"/>
+          </a:p>
+        </p:txBody>
+      </p:sp>
+      <p:sp>
+        <p:nvSpPr>
+          <p:cNvPr id="3" name="Content Placeholder 2"/>
+          <p:cNvSpPr>
+            <a:spLocks noGrp="1"/>
+          </p:cNvSpPr>
+          <p:nvPr>
+            <p:ph idx="1"/>
+          </p:nvPr>
+        </p:nvSpPr>
+        <p:spPr/>
+        <p:txBody>
+          <a:bodyPr/>
+          <a:lstStyle/>
+          <a:p>
+            <a:r>
+              <a:rPr lang="hu-HU" dirty="0" smtClean="0"/>
+              <a:t>It </a:t>
+            </a:r>
+            <a:r>
+              <a:rPr lang="hu-HU" dirty="0" err="1" smtClean="0"/>
+              <a:t>limits</a:t>
+            </a:r>
+            <a:r>
+              <a:rPr lang="hu-HU" dirty="0" smtClean="0"/>
+              <a:t> </a:t>
+            </a:r>
+            <a:r>
+              <a:rPr lang="hu-HU" dirty="0" err="1" smtClean="0"/>
+              <a:t>the</a:t>
+            </a:r>
+            <a:r>
+              <a:rPr lang="hu-HU" dirty="0" smtClean="0"/>
+              <a:t> </a:t>
+            </a:r>
+            <a:r>
+              <a:rPr lang="hu-HU" dirty="0" err="1" smtClean="0"/>
+              <a:t>number</a:t>
+            </a:r>
+            <a:r>
+              <a:rPr lang="hu-HU" dirty="0" smtClean="0"/>
+              <a:t> of </a:t>
+            </a:r>
+            <a:r>
+              <a:rPr lang="hu-HU" dirty="0" err="1" smtClean="0"/>
+              <a:t>the</a:t>
+            </a:r>
+            <a:r>
+              <a:rPr lang="hu-HU" dirty="0" smtClean="0"/>
+              <a:t> </a:t>
+            </a:r>
+            <a:r>
+              <a:rPr lang="hu-HU" dirty="0" err="1" smtClean="0"/>
+              <a:t>returned</a:t>
+            </a:r>
+            <a:r>
+              <a:rPr lang="hu-HU" dirty="0" smtClean="0"/>
+              <a:t> </a:t>
+            </a:r>
+            <a:r>
+              <a:rPr lang="hu-HU" dirty="0" err="1" smtClean="0"/>
+              <a:t>data</a:t>
+            </a:r>
+            <a:endParaRPr lang="hu-HU" dirty="0"/>
+          </a:p>
+          <a:p>
+            <a:r>
+              <a:rPr lang="hu-HU" dirty="0" err="1" smtClean="0"/>
+              <a:t>Example</a:t>
+            </a:r>
+            <a:r>
+              <a:rPr lang="hu-HU" dirty="0" smtClean="0"/>
+              <a:t>(</a:t>
+            </a:r>
+            <a:r>
+              <a:rPr lang="en-US" dirty="0"/>
+              <a:t>select distinct Country from Customers where Country not null order by Country </a:t>
+            </a:r>
+            <a:r>
+              <a:rPr lang="en-US" dirty="0" err="1"/>
+              <a:t>desc</a:t>
+            </a:r>
+            <a:r>
+              <a:rPr lang="en-US" dirty="0"/>
+              <a:t> limit 3</a:t>
+            </a:r>
+            <a:r>
+              <a:rPr lang="en-US" dirty="0" smtClean="0"/>
+              <a:t>;</a:t>
+            </a:r>
+            <a:r>
+              <a:rPr lang="hu-HU" dirty="0" smtClean="0"/>
+              <a:t>)</a:t>
+            </a:r>
+            <a:endParaRPr lang="hu-HU" dirty="0"/>
+          </a:p>
+        </p:txBody>
+      </p:sp>
+    </p:spTree>
+    <p:extLst>
+      <p:ext uri="{BB962C8B-B14F-4D97-AF65-F5344CB8AC3E}">
+        <p14:creationId xmlns:p14="http://schemas.microsoft.com/office/powerpoint/2010/main" val="1495555386"/>
+      </p:ext>
+    </p:extLst>
+  </p:cSld>
+  <p:clrMapOvr>
+    <a:masterClrMapping/>
+  </p:clrMapOvr>
+</p:sld>
+</file>
+
+<file path=ppt/slides/slide14.xml><?xml version="1.0" encoding="utf-8"?>
+<p:sld xmlns:a="http://schemas.openxmlformats.org/drawingml/2006/main" xmlns:r="http://schemas.openxmlformats.org/officeDocument/2006/relationships" xmlns:p="http://schemas.openxmlformats.org/presentationml/2006/main">
+  <p:cSld>
+    <p:spTree>
+      <p:nvGrpSpPr>
+        <p:cNvPr id="1" name=""/>
+        <p:cNvGrpSpPr/>
+        <p:nvPr/>
+      </p:nvGrpSpPr>
+      <p:grpSpPr>
+        <a:xfrm>
+          <a:off x="0" y="0"/>
+          <a:ext cx="0" cy="0"/>
+          <a:chOff x="0" y="0"/>
+          <a:chExt cx="0" cy="0"/>
+        </a:xfrm>
+      </p:grpSpPr>
+      <p:sp>
+        <p:nvSpPr>
+          <p:cNvPr id="2" name="Title 1"/>
+          <p:cNvSpPr>
+            <a:spLocks noGrp="1"/>
+          </p:cNvSpPr>
+          <p:nvPr>
+            <p:ph type="title"/>
+          </p:nvPr>
+        </p:nvSpPr>
+        <p:spPr/>
+        <p:txBody>
+          <a:bodyPr/>
+          <a:lstStyle/>
+          <a:p>
+            <a:r>
+              <a:rPr lang="hu-HU" dirty="0" smtClean="0"/>
               <a:t>In</a:t>
             </a:r>
             <a:endParaRPr lang="hu-HU" dirty="0"/>
@@ -6983,7 +7148,7 @@
 </p:sld>
 </file>
 
-<file path=ppt/slides/slide14.xml><?xml version="1.0" encoding="utf-8"?>
+<file path=ppt/slides/slide15.xml><?xml version="1.0" encoding="utf-8"?>
 <p:sld xmlns:a="http://schemas.openxmlformats.org/drawingml/2006/main" xmlns:r="http://schemas.openxmlformats.org/officeDocument/2006/relationships" xmlns:p="http://schemas.openxmlformats.org/presentationml/2006/main">
   <p:cSld>
     <p:spTree>
@@ -7324,12 +7489,24 @@
           <a:lstStyle/>
           <a:p>
             <a:r>
-              <a:rPr lang="hu-HU" dirty="0" err="1" smtClean="0"/>
-              <a:t>Select</a:t>
-            </a:r>
-            <a:r>
-              <a:rPr lang="hu-HU" dirty="0" smtClean="0"/>
-              <a:t> *</a:t>
+              <a:rPr lang="hu-HU" dirty="0" err="1"/>
+              <a:t>Structured</a:t>
+            </a:r>
+            <a:r>
+              <a:rPr lang="hu-HU" dirty="0"/>
+              <a:t> </a:t>
+            </a:r>
+            <a:r>
+              <a:rPr lang="hu-HU" dirty="0" err="1"/>
+              <a:t>Query</a:t>
+            </a:r>
+            <a:r>
+              <a:rPr lang="hu-HU" dirty="0"/>
+              <a:t> </a:t>
+            </a:r>
+            <a:r>
+              <a:rPr lang="hu-HU" dirty="0" err="1"/>
+              <a:t>Language</a:t>
             </a:r>
             <a:endParaRPr lang="hu-HU" dirty="0"/>
           </a:p>
@@ -7352,80 +7529,16 @@
           <a:p>
             <a:r>
               <a:rPr lang="hu-HU" dirty="0" smtClean="0"/>
-              <a:t>It </a:t>
-            </a:r>
-            <a:r>
-              <a:rPr lang="hu-HU" dirty="0" err="1" smtClean="0"/>
-              <a:t>returns</a:t>
-            </a:r>
-            <a:r>
-              <a:rPr lang="hu-HU" dirty="0" smtClean="0"/>
-              <a:t> </a:t>
-            </a:r>
-            <a:r>
-              <a:rPr lang="hu-HU" dirty="0" err="1" smtClean="0"/>
-              <a:t>everything</a:t>
-            </a:r>
-            <a:r>
-              <a:rPr lang="hu-HU" dirty="0" smtClean="0"/>
-              <a:t> </a:t>
-            </a:r>
-            <a:r>
-              <a:rPr lang="hu-HU" dirty="0" err="1" smtClean="0"/>
-              <a:t>from</a:t>
-            </a:r>
-            <a:r>
-              <a:rPr lang="hu-HU" dirty="0" smtClean="0"/>
-              <a:t> </a:t>
-            </a:r>
-            <a:r>
-              <a:rPr lang="hu-HU" dirty="0" err="1" smtClean="0"/>
-              <a:t>the</a:t>
-            </a:r>
-            <a:r>
-              <a:rPr lang="hu-HU" dirty="0" smtClean="0"/>
-              <a:t> </a:t>
-            </a:r>
-            <a:r>
-              <a:rPr lang="hu-HU" dirty="0" err="1" smtClean="0"/>
-              <a:t>database</a:t>
-            </a:r>
-            <a:r>
-              <a:rPr lang="hu-HU" dirty="0" smtClean="0"/>
-              <a:t>(</a:t>
-            </a:r>
-            <a:r>
-              <a:rPr lang="hu-HU" dirty="0" err="1" smtClean="0"/>
-              <a:t>Select</a:t>
-            </a:r>
-            <a:r>
-              <a:rPr lang="hu-HU" dirty="0" smtClean="0"/>
-              <a:t> * </a:t>
-            </a:r>
-            <a:r>
-              <a:rPr lang="hu-HU" dirty="0" err="1" smtClean="0"/>
-              <a:t>from</a:t>
-            </a:r>
-            <a:r>
-              <a:rPr lang="hu-HU" dirty="0" smtClean="0"/>
-              <a:t> </a:t>
-            </a:r>
-            <a:r>
-              <a:rPr lang="hu-HU" dirty="0" err="1" smtClean="0"/>
-              <a:t>Customers</a:t>
-            </a:r>
-            <a:r>
-              <a:rPr lang="hu-HU" dirty="0" smtClean="0"/>
-              <a:t>)</a:t>
-            </a:r>
-          </a:p>
-          <a:p>
-            <a:pPr marL="0" indent="0">
-              <a:buNone/>
-            </a:pPr>
-            <a:endParaRPr lang="hu-HU" dirty="0" smtClean="0"/>
-          </a:p>
-          <a:p>
+              <a:t>SQL </a:t>
+            </a:r>
+            <a:r>
+              <a:rPr lang="en-US" dirty="0" smtClean="0"/>
+              <a:t>is </a:t>
+            </a:r>
+            <a:r>
+              <a:rPr lang="en-US" dirty="0"/>
+              <a:t>a domain-specific language used in programming and designed for managing data held in a relational database management system (RDBMS), or for stream processing in a relational data stream management system (RDSMS). It is particularly useful in handling structured data, i.e. data incorporating relations among entities and variables.</a:t>
+            </a:r>
             <a:endParaRPr lang="hu-HU" dirty="0"/>
           </a:p>
         </p:txBody>
@@ -7433,7 +7546,7 @@
     </p:spTree>
     <p:extLst>
       <p:ext uri="{BB962C8B-B14F-4D97-AF65-F5344CB8AC3E}">
-        <p14:creationId xmlns:p14="http://schemas.microsoft.com/office/powerpoint/2010/main" val="3533826008"/>
+        <p14:creationId xmlns:p14="http://schemas.microsoft.com/office/powerpoint/2010/main" val="3725358388"/>
       </p:ext>
     </p:extLst>
   </p:cSld>
@@ -7477,7 +7590,11 @@
           <a:p>
             <a:r>
               <a:rPr lang="hu-HU" dirty="0" err="1" smtClean="0"/>
-              <a:t>Like</a:t>
+              <a:t>Select</a:t>
+            </a:r>
+            <a:r>
+              <a:rPr lang="hu-HU" dirty="0" smtClean="0"/>
+              <a:t> *</a:t>
             </a:r>
             <a:endParaRPr lang="hu-HU" dirty="0"/>
           </a:p>
@@ -7500,110 +7617,67 @@
           <a:p>
             <a:r>
               <a:rPr lang="hu-HU" dirty="0" smtClean="0"/>
-              <a:t>It is </a:t>
-            </a:r>
-            <a:r>
-              <a:rPr lang="hu-HU" dirty="0" err="1" smtClean="0"/>
-              <a:t>used</a:t>
-            </a:r>
-            <a:r>
-              <a:rPr lang="hu-HU" dirty="0" smtClean="0"/>
-              <a:t> </a:t>
-            </a:r>
-            <a:r>
-              <a:rPr lang="hu-HU" dirty="0" err="1" smtClean="0"/>
-              <a:t>to</a:t>
-            </a:r>
-            <a:r>
-              <a:rPr lang="hu-HU" dirty="0" smtClean="0"/>
-              <a:t> </a:t>
-            </a:r>
-            <a:r>
-              <a:rPr lang="hu-HU" dirty="0" err="1" smtClean="0"/>
-              <a:t>search</a:t>
-            </a:r>
-            <a:r>
-              <a:rPr lang="hu-HU" dirty="0" smtClean="0"/>
-              <a:t> </a:t>
-            </a:r>
-            <a:r>
-              <a:rPr lang="hu-HU" dirty="0" err="1" smtClean="0"/>
-              <a:t>for</a:t>
-            </a:r>
-            <a:r>
-              <a:rPr lang="hu-HU" dirty="0" smtClean="0"/>
-              <a:t> </a:t>
-            </a:r>
-            <a:r>
-              <a:rPr lang="hu-HU" dirty="0" err="1" smtClean="0"/>
-              <a:t>data</a:t>
-            </a:r>
-            <a:r>
-              <a:rPr lang="hu-HU" dirty="0" smtClean="0"/>
-              <a:t> </a:t>
-            </a:r>
-            <a:r>
-              <a:rPr lang="hu-HU" dirty="0" err="1" smtClean="0"/>
-              <a:t>which</a:t>
-            </a:r>
-            <a:r>
-              <a:rPr lang="hu-HU" dirty="0" smtClean="0"/>
-              <a:t> </a:t>
-            </a:r>
-            <a:r>
-              <a:rPr lang="hu-HU" dirty="0" err="1" smtClean="0"/>
-              <a:t>contain</a:t>
-            </a:r>
-            <a:r>
-              <a:rPr lang="hu-HU" dirty="0" smtClean="0"/>
-              <a:t> a </a:t>
-            </a:r>
-            <a:r>
-              <a:rPr lang="hu-HU" dirty="0" err="1" smtClean="0"/>
-              <a:t>specific</a:t>
-            </a:r>
-            <a:r>
-              <a:rPr lang="hu-HU" dirty="0" smtClean="0"/>
-              <a:t> </a:t>
-            </a:r>
-            <a:r>
-              <a:rPr lang="hu-HU" dirty="0" err="1" smtClean="0"/>
-              <a:t>word</a:t>
-            </a:r>
-            <a:r>
-              <a:rPr lang="hu-HU" dirty="0" smtClean="0"/>
-              <a:t> </a:t>
-            </a:r>
-            <a:r>
-              <a:rPr lang="hu-HU" dirty="0" err="1" smtClean="0"/>
-              <a:t>or</a:t>
-            </a:r>
-            <a:r>
-              <a:rPr lang="hu-HU" dirty="0" smtClean="0"/>
-              <a:t> </a:t>
-            </a:r>
-            <a:r>
-              <a:rPr lang="hu-HU" dirty="0" err="1" smtClean="0"/>
-              <a:t>characters</a:t>
-            </a:r>
-            <a:endParaRPr lang="hu-HU" dirty="0"/>
-          </a:p>
-          <a:p>
-            <a:r>
-              <a:rPr lang="hu-HU" dirty="0" err="1" smtClean="0"/>
-              <a:t>Example</a:t>
+              <a:t>It </a:t>
+            </a:r>
+            <a:r>
+              <a:rPr lang="hu-HU" dirty="0" err="1" smtClean="0"/>
+              <a:t>returns</a:t>
+            </a:r>
+            <a:r>
+              <a:rPr lang="hu-HU" dirty="0" smtClean="0"/>
+              <a:t> </a:t>
+            </a:r>
+            <a:r>
+              <a:rPr lang="hu-HU" dirty="0" err="1" smtClean="0"/>
+              <a:t>everything</a:t>
+            </a:r>
+            <a:r>
+              <a:rPr lang="hu-HU" dirty="0" smtClean="0"/>
+              <a:t> </a:t>
+            </a:r>
+            <a:r>
+              <a:rPr lang="hu-HU" dirty="0" err="1" smtClean="0"/>
+              <a:t>from</a:t>
+            </a:r>
+            <a:r>
+              <a:rPr lang="hu-HU" dirty="0" smtClean="0"/>
+              <a:t> </a:t>
+            </a:r>
+            <a:r>
+              <a:rPr lang="hu-HU" dirty="0" err="1" smtClean="0"/>
+              <a:t>the</a:t>
+            </a:r>
+            <a:r>
+              <a:rPr lang="hu-HU" dirty="0" smtClean="0"/>
+              <a:t> </a:t>
+            </a:r>
+            <a:r>
+              <a:rPr lang="hu-HU" dirty="0" err="1" smtClean="0"/>
+              <a:t>database</a:t>
             </a:r>
             <a:r>
               <a:rPr lang="hu-HU" dirty="0" smtClean="0"/>
               <a:t>(</a:t>
             </a:r>
             <a:r>
-              <a:rPr lang="en-US" dirty="0"/>
-              <a:t>SELECT * FROM Employees where Notes Like '_du</a:t>
-            </a:r>
-            <a:r>
-              <a:rPr lang="en-US" dirty="0" smtClean="0"/>
-              <a:t>%';</a:t>
+              <a:rPr lang="hu-HU" dirty="0" err="1" smtClean="0"/>
+              <a:t>Select</a:t>
+            </a:r>
+            <a:r>
+              <a:rPr lang="hu-HU" dirty="0" smtClean="0"/>
+              <a:t> * </a:t>
+            </a:r>
+            <a:r>
+              <a:rPr lang="hu-HU" dirty="0" err="1" smtClean="0"/>
+              <a:t>from</a:t>
+            </a:r>
+            <a:r>
+              <a:rPr lang="hu-HU" dirty="0" smtClean="0"/>
+              <a:t> </a:t>
+            </a:r>
+            <a:r>
+              <a:rPr lang="hu-HU" dirty="0" err="1" smtClean="0"/>
+              <a:t>Customers</a:t>
             </a:r>
             <a:r>
               <a:rPr lang="hu-HU" dirty="0" smtClean="0"/>
@@ -7611,285 +7685,12 @@
             </a:r>
           </a:p>
           <a:p>
-            <a:r>
-              <a:rPr lang="hu-HU" dirty="0" smtClean="0"/>
-              <a:t>_ : </a:t>
-            </a:r>
-            <a:r>
-              <a:rPr lang="hu-HU" dirty="0" err="1" smtClean="0"/>
-              <a:t>this</a:t>
-            </a:r>
-            <a:r>
-              <a:rPr lang="hu-HU" dirty="0" smtClean="0"/>
-              <a:t> </a:t>
-            </a:r>
-            <a:r>
-              <a:rPr lang="hu-HU" dirty="0" err="1" smtClean="0"/>
-              <a:t>symbols</a:t>
-            </a:r>
-            <a:r>
-              <a:rPr lang="hu-HU" dirty="0" smtClean="0"/>
-              <a:t> </a:t>
-            </a:r>
-            <a:r>
-              <a:rPr lang="hu-HU" dirty="0" err="1" smtClean="0"/>
-              <a:t>says</a:t>
-            </a:r>
-            <a:r>
-              <a:rPr lang="hu-HU" dirty="0" smtClean="0"/>
-              <a:t> </a:t>
-            </a:r>
-            <a:r>
-              <a:rPr lang="hu-HU" dirty="0" err="1" smtClean="0"/>
-              <a:t>that</a:t>
-            </a:r>
-            <a:r>
-              <a:rPr lang="hu-HU" dirty="0" smtClean="0"/>
-              <a:t> </a:t>
-            </a:r>
-            <a:r>
-              <a:rPr lang="hu-HU" dirty="0" err="1" smtClean="0"/>
-              <a:t>there</a:t>
-            </a:r>
-            <a:r>
-              <a:rPr lang="hu-HU" dirty="0" smtClean="0"/>
-              <a:t> is </a:t>
-            </a:r>
-            <a:r>
-              <a:rPr lang="hu-HU" dirty="0" err="1" smtClean="0"/>
-              <a:t>one</a:t>
-            </a:r>
-            <a:r>
-              <a:rPr lang="hu-HU" dirty="0" smtClean="0"/>
-              <a:t> </a:t>
-            </a:r>
-            <a:r>
-              <a:rPr lang="hu-HU" dirty="0" err="1" smtClean="0"/>
-              <a:t>charackter</a:t>
-            </a:r>
-            <a:r>
-              <a:rPr lang="hu-HU" dirty="0" smtClean="0"/>
-              <a:t> </a:t>
-            </a:r>
-            <a:r>
-              <a:rPr lang="hu-HU" dirty="0" err="1" smtClean="0"/>
-              <a:t>before</a:t>
-            </a:r>
-            <a:r>
-              <a:rPr lang="hu-HU" dirty="0" smtClean="0"/>
-              <a:t> </a:t>
-            </a:r>
-            <a:r>
-              <a:rPr lang="hu-HU" dirty="0" err="1" smtClean="0"/>
-              <a:t>or</a:t>
-            </a:r>
-            <a:r>
-              <a:rPr lang="hu-HU" dirty="0" smtClean="0"/>
-              <a:t> </a:t>
-            </a:r>
-            <a:r>
-              <a:rPr lang="hu-HU" dirty="0" err="1" smtClean="0"/>
-              <a:t>after</a:t>
-            </a:r>
-            <a:r>
-              <a:rPr lang="hu-HU" dirty="0" smtClean="0"/>
-              <a:t> </a:t>
-            </a:r>
-            <a:r>
-              <a:rPr lang="hu-HU" dirty="0" err="1" smtClean="0"/>
-              <a:t>the</a:t>
-            </a:r>
-            <a:r>
-              <a:rPr lang="hu-HU" dirty="0" smtClean="0"/>
-              <a:t> text </a:t>
-            </a:r>
-            <a:r>
-              <a:rPr lang="hu-HU" dirty="0" err="1" smtClean="0"/>
-              <a:t>or</a:t>
-            </a:r>
-            <a:r>
-              <a:rPr lang="hu-HU" dirty="0" smtClean="0"/>
-              <a:t> </a:t>
-            </a:r>
-            <a:r>
-              <a:rPr lang="hu-HU" dirty="0" err="1" smtClean="0"/>
-              <a:t>character</a:t>
-            </a:r>
-            <a:r>
-              <a:rPr lang="hu-HU" dirty="0" smtClean="0"/>
-              <a:t> </a:t>
-            </a:r>
-            <a:r>
-              <a:rPr lang="hu-HU" dirty="0" err="1" smtClean="0"/>
-              <a:t>given</a:t>
-            </a:r>
-            <a:r>
-              <a:rPr lang="hu-HU" dirty="0" smtClean="0"/>
-              <a:t> </a:t>
-            </a:r>
-            <a:r>
-              <a:rPr lang="hu-HU" dirty="0" err="1" smtClean="0"/>
-              <a:t>by</a:t>
-            </a:r>
-            <a:r>
-              <a:rPr lang="hu-HU" dirty="0" smtClean="0"/>
-              <a:t> </a:t>
-            </a:r>
-            <a:r>
-              <a:rPr lang="hu-HU" dirty="0" err="1" smtClean="0"/>
-              <a:t>the</a:t>
-            </a:r>
-            <a:r>
-              <a:rPr lang="hu-HU" dirty="0" smtClean="0"/>
-              <a:t> </a:t>
-            </a:r>
-            <a:r>
-              <a:rPr lang="hu-HU" dirty="0" err="1" smtClean="0"/>
-              <a:t>user</a:t>
-            </a:r>
+            <a:pPr marL="0" indent="0">
+              <a:buNone/>
+            </a:pPr>
             <a:endParaRPr lang="hu-HU" dirty="0" smtClean="0"/>
           </a:p>
           <a:p>
-            <a:r>
-              <a:rPr lang="hu-HU" dirty="0" smtClean="0"/>
-              <a:t>%: </a:t>
-            </a:r>
-            <a:r>
-              <a:rPr lang="hu-HU" dirty="0" err="1" smtClean="0"/>
-              <a:t>this</a:t>
-            </a:r>
-            <a:r>
-              <a:rPr lang="hu-HU" dirty="0" smtClean="0"/>
-              <a:t> </a:t>
-            </a:r>
-            <a:r>
-              <a:rPr lang="hu-HU" dirty="0" err="1" smtClean="0"/>
-              <a:t>symbol</a:t>
-            </a:r>
-            <a:r>
-              <a:rPr lang="hu-HU" dirty="0" smtClean="0"/>
-              <a:t> </a:t>
-            </a:r>
-            <a:r>
-              <a:rPr lang="hu-HU" dirty="0" err="1" smtClean="0"/>
-              <a:t>means</a:t>
-            </a:r>
-            <a:r>
-              <a:rPr lang="hu-HU" dirty="0" smtClean="0"/>
-              <a:t> </a:t>
-            </a:r>
-            <a:r>
-              <a:rPr lang="hu-HU" dirty="0" err="1" smtClean="0"/>
-              <a:t>that</a:t>
-            </a:r>
-            <a:r>
-              <a:rPr lang="hu-HU" dirty="0" smtClean="0"/>
-              <a:t> </a:t>
-            </a:r>
-            <a:r>
-              <a:rPr lang="hu-HU" dirty="0" err="1" smtClean="0"/>
-              <a:t>there</a:t>
-            </a:r>
-            <a:r>
-              <a:rPr lang="hu-HU" dirty="0" smtClean="0"/>
-              <a:t> is a </a:t>
-            </a:r>
-            <a:r>
-              <a:rPr lang="hu-HU" dirty="0" err="1" smtClean="0"/>
-              <a:t>unspecified</a:t>
-            </a:r>
-            <a:r>
-              <a:rPr lang="hu-HU" dirty="0" smtClean="0"/>
-              <a:t> </a:t>
-            </a:r>
-            <a:r>
-              <a:rPr lang="hu-HU" dirty="0" err="1" smtClean="0"/>
-              <a:t>number</a:t>
-            </a:r>
-            <a:r>
-              <a:rPr lang="hu-HU" dirty="0" smtClean="0"/>
-              <a:t> of </a:t>
-            </a:r>
-            <a:r>
-              <a:rPr lang="hu-HU" dirty="0" err="1" smtClean="0"/>
-              <a:t>character</a:t>
-            </a:r>
-            <a:r>
-              <a:rPr lang="hu-HU" dirty="0" smtClean="0"/>
-              <a:t> </a:t>
-            </a:r>
-            <a:r>
-              <a:rPr lang="hu-HU" dirty="0" err="1" smtClean="0"/>
-              <a:t>before</a:t>
-            </a:r>
-            <a:r>
-              <a:rPr lang="hu-HU" dirty="0" smtClean="0"/>
-              <a:t> </a:t>
-            </a:r>
-            <a:r>
-              <a:rPr lang="hu-HU" dirty="0" err="1" smtClean="0"/>
-              <a:t>or</a:t>
-            </a:r>
-            <a:r>
-              <a:rPr lang="hu-HU" dirty="0" smtClean="0"/>
-              <a:t> </a:t>
-            </a:r>
-            <a:r>
-              <a:rPr lang="hu-HU" dirty="0" err="1" smtClean="0"/>
-              <a:t>after</a:t>
-            </a:r>
-            <a:r>
-              <a:rPr lang="hu-HU" dirty="0" smtClean="0"/>
-              <a:t> </a:t>
-            </a:r>
-            <a:r>
-              <a:rPr lang="hu-HU" dirty="0"/>
-              <a:t>text </a:t>
-            </a:r>
-            <a:r>
-              <a:rPr lang="hu-HU" dirty="0" err="1"/>
-              <a:t>or</a:t>
-            </a:r>
-            <a:r>
-              <a:rPr lang="hu-HU" dirty="0"/>
-              <a:t> </a:t>
-            </a:r>
-            <a:r>
-              <a:rPr lang="hu-HU" dirty="0" err="1"/>
-              <a:t>character</a:t>
-            </a:r>
-            <a:r>
-              <a:rPr lang="hu-HU" dirty="0"/>
-              <a:t> </a:t>
-            </a:r>
-            <a:r>
-              <a:rPr lang="hu-HU" dirty="0" err="1"/>
-              <a:t>given</a:t>
-            </a:r>
-            <a:r>
-              <a:rPr lang="hu-HU" dirty="0"/>
-              <a:t> </a:t>
-            </a:r>
-            <a:r>
-              <a:rPr lang="hu-HU" dirty="0" err="1"/>
-              <a:t>by</a:t>
-            </a:r>
-            <a:r>
-              <a:rPr lang="hu-HU" dirty="0"/>
-              <a:t> </a:t>
-            </a:r>
-            <a:r>
-              <a:rPr lang="hu-HU" dirty="0" err="1"/>
-              <a:t>the</a:t>
-            </a:r>
-            <a:r>
-              <a:rPr lang="hu-HU" dirty="0"/>
-              <a:t> </a:t>
-            </a:r>
-            <a:r>
-              <a:rPr lang="hu-HU" dirty="0" err="1"/>
-              <a:t>user</a:t>
-            </a:r>
             <a:endParaRPr lang="hu-HU" dirty="0"/>
           </a:p>
         </p:txBody>
@@ -7897,7 +7698,7 @@
     </p:spTree>
     <p:extLst>
       <p:ext uri="{BB962C8B-B14F-4D97-AF65-F5344CB8AC3E}">
-        <p14:creationId xmlns:p14="http://schemas.microsoft.com/office/powerpoint/2010/main" val="2885389046"/>
+        <p14:creationId xmlns:p14="http://schemas.microsoft.com/office/powerpoint/2010/main" val="3533826008"/>
       </p:ext>
     </p:extLst>
   </p:cSld>
@@ -7941,7 +7742,7 @@
           <a:p>
             <a:r>
               <a:rPr lang="hu-HU" dirty="0" err="1" smtClean="0"/>
-              <a:t>Insert</a:t>
+              <a:t>Like</a:t>
             </a:r>
             <a:endParaRPr lang="hu-HU" dirty="0"/>
           </a:p>
@@ -7964,19 +7765,11 @@
           <a:p>
             <a:r>
               <a:rPr lang="hu-HU" dirty="0" smtClean="0"/>
-              <a:t>It add a </a:t>
-            </a:r>
-            <a:r>
-              <a:rPr lang="hu-HU" dirty="0" err="1" smtClean="0"/>
-              <a:t>new</a:t>
-            </a:r>
-            <a:r>
-              <a:rPr lang="hu-HU" dirty="0" smtClean="0"/>
-              <a:t> </a:t>
-            </a:r>
-            <a:r>
-              <a:rPr lang="hu-HU" dirty="0" err="1" smtClean="0"/>
-              <a:t>row</a:t>
+              <a:t>It is </a:t>
+            </a:r>
+            <a:r>
+              <a:rPr lang="hu-HU" dirty="0" err="1" smtClean="0"/>
+              <a:t>used</a:t>
             </a:r>
             <a:r>
               <a:rPr lang="hu-HU" dirty="0" smtClean="0"/>
@@ -7992,82 +7785,384 @@
             </a:r>
             <a:r>
               <a:rPr lang="hu-HU" dirty="0" err="1" smtClean="0"/>
+              <a:t>search</a:t>
+            </a:r>
+            <a:r>
+              <a:rPr lang="hu-HU" dirty="0" smtClean="0"/>
+              <a:t> </a:t>
+            </a:r>
+            <a:r>
+              <a:rPr lang="hu-HU" dirty="0" err="1" smtClean="0"/>
+              <a:t>for</a:t>
+            </a:r>
+            <a:r>
+              <a:rPr lang="hu-HU" dirty="0" smtClean="0"/>
+              <a:t> </a:t>
+            </a:r>
+            <a:r>
+              <a:rPr lang="hu-HU" dirty="0" err="1" smtClean="0"/>
+              <a:t>data</a:t>
+            </a:r>
+            <a:r>
+              <a:rPr lang="hu-HU" dirty="0" smtClean="0"/>
+              <a:t> </a:t>
+            </a:r>
+            <a:r>
+              <a:rPr lang="hu-HU" dirty="0" err="1" smtClean="0"/>
+              <a:t>which</a:t>
+            </a:r>
+            <a:r>
+              <a:rPr lang="hu-HU" dirty="0" smtClean="0"/>
+              <a:t> </a:t>
+            </a:r>
+            <a:r>
+              <a:rPr lang="hu-HU" dirty="0" err="1" smtClean="0"/>
+              <a:t>contain</a:t>
+            </a:r>
+            <a:r>
+              <a:rPr lang="hu-HU" dirty="0" smtClean="0"/>
+              <a:t> a </a:t>
+            </a:r>
+            <a:r>
+              <a:rPr lang="hu-HU" dirty="0" err="1" smtClean="0"/>
+              <a:t>specific</a:t>
+            </a:r>
+            <a:r>
+              <a:rPr lang="hu-HU" dirty="0" smtClean="0"/>
+              <a:t> </a:t>
+            </a:r>
+            <a:r>
+              <a:rPr lang="hu-HU" dirty="0" err="1" smtClean="0"/>
+              <a:t>word</a:t>
+            </a:r>
+            <a:r>
+              <a:rPr lang="hu-HU" dirty="0" smtClean="0"/>
+              <a:t> </a:t>
+            </a:r>
+            <a:r>
+              <a:rPr lang="hu-HU" dirty="0" err="1" smtClean="0"/>
+              <a:t>or</a:t>
+            </a:r>
+            <a:r>
+              <a:rPr lang="hu-HU" dirty="0" smtClean="0"/>
+              <a:t> </a:t>
+            </a:r>
+            <a:r>
+              <a:rPr lang="hu-HU" dirty="0" err="1" smtClean="0"/>
+              <a:t>characters</a:t>
+            </a:r>
+            <a:endParaRPr lang="hu-HU" dirty="0"/>
+          </a:p>
+          <a:p>
+            <a:r>
+              <a:rPr lang="hu-HU" dirty="0" err="1" smtClean="0"/>
+              <a:t>Example</a:t>
+            </a:r>
+            <a:r>
+              <a:rPr lang="hu-HU" dirty="0" smtClean="0"/>
+              <a:t>(</a:t>
+            </a:r>
+            <a:r>
+              <a:rPr lang="en-US" dirty="0"/>
+              <a:t>SELECT * FROM Employees where Notes Like '_du</a:t>
+            </a:r>
+            <a:r>
+              <a:rPr lang="en-US" dirty="0" smtClean="0"/>
+              <a:t>%';</a:t>
+            </a:r>
+            <a:r>
+              <a:rPr lang="hu-HU" dirty="0" smtClean="0"/>
+              <a:t>)</a:t>
+            </a:r>
+          </a:p>
+          <a:p>
+            <a:r>
+              <a:rPr lang="hu-HU" dirty="0" smtClean="0"/>
+              <a:t>_ : </a:t>
+            </a:r>
+            <a:r>
+              <a:rPr lang="hu-HU" dirty="0" err="1" smtClean="0"/>
+              <a:t>this</a:t>
+            </a:r>
+            <a:r>
+              <a:rPr lang="hu-HU" dirty="0" smtClean="0"/>
+              <a:t> </a:t>
+            </a:r>
+            <a:r>
+              <a:rPr lang="hu-HU" dirty="0" err="1" smtClean="0"/>
+              <a:t>symbols</a:t>
+            </a:r>
+            <a:r>
+              <a:rPr lang="hu-HU" dirty="0" smtClean="0"/>
+              <a:t> </a:t>
+            </a:r>
+            <a:r>
+              <a:rPr lang="hu-HU" dirty="0" err="1" smtClean="0"/>
+              <a:t>says</a:t>
+            </a:r>
+            <a:r>
+              <a:rPr lang="hu-HU" dirty="0" smtClean="0"/>
+              <a:t> </a:t>
+            </a:r>
+            <a:r>
+              <a:rPr lang="hu-HU" dirty="0" err="1" smtClean="0"/>
+              <a:t>that</a:t>
+            </a:r>
+            <a:r>
+              <a:rPr lang="hu-HU" dirty="0" smtClean="0"/>
+              <a:t> </a:t>
+            </a:r>
+            <a:r>
+              <a:rPr lang="hu-HU" dirty="0" err="1" smtClean="0"/>
+              <a:t>there</a:t>
+            </a:r>
+            <a:r>
+              <a:rPr lang="hu-HU" dirty="0" smtClean="0"/>
+              <a:t> is </a:t>
+            </a:r>
+            <a:r>
+              <a:rPr lang="hu-HU" dirty="0" err="1" smtClean="0"/>
+              <a:t>one</a:t>
+            </a:r>
+            <a:r>
+              <a:rPr lang="hu-HU" dirty="0" smtClean="0"/>
+              <a:t> </a:t>
+            </a:r>
+            <a:r>
+              <a:rPr lang="hu-HU" dirty="0" err="1" smtClean="0"/>
+              <a:t>charackter</a:t>
+            </a:r>
+            <a:r>
+              <a:rPr lang="hu-HU" dirty="0" smtClean="0"/>
+              <a:t> </a:t>
+            </a:r>
+            <a:r>
+              <a:rPr lang="hu-HU" dirty="0" err="1" smtClean="0"/>
+              <a:t>before</a:t>
+            </a:r>
+            <a:r>
+              <a:rPr lang="hu-HU" dirty="0" smtClean="0"/>
+              <a:t> </a:t>
+            </a:r>
+            <a:r>
+              <a:rPr lang="hu-HU" dirty="0" err="1" smtClean="0"/>
+              <a:t>or</a:t>
+            </a:r>
+            <a:r>
+              <a:rPr lang="hu-HU" dirty="0" smtClean="0"/>
+              <a:t> </a:t>
+            </a:r>
+            <a:r>
+              <a:rPr lang="hu-HU" dirty="0" err="1" smtClean="0"/>
+              <a:t>after</a:t>
+            </a:r>
+            <a:r>
+              <a:rPr lang="hu-HU" dirty="0" smtClean="0"/>
+              <a:t> </a:t>
+            </a:r>
+            <a:r>
+              <a:rPr lang="hu-HU" dirty="0" err="1" smtClean="0"/>
               <a:t>the</a:t>
             </a:r>
             <a:r>
               <a:rPr lang="hu-HU" dirty="0" smtClean="0"/>
-              <a:t> </a:t>
-            </a:r>
-            <a:r>
-              <a:rPr lang="hu-HU" dirty="0" err="1" smtClean="0"/>
-              <a:t>databasewith</a:t>
-            </a:r>
-            <a:r>
-              <a:rPr lang="hu-HU" dirty="0" smtClean="0"/>
-              <a:t> </a:t>
-            </a:r>
-            <a:r>
-              <a:rPr lang="hu-HU" dirty="0" err="1" smtClean="0"/>
-              <a:t>data</a:t>
-            </a:r>
-            <a:r>
-              <a:rPr lang="hu-HU" dirty="0" smtClean="0"/>
-              <a:t> </a:t>
-            </a:r>
-            <a:r>
-              <a:rPr lang="hu-HU" dirty="0" err="1" smtClean="0"/>
-              <a:t>you</a:t>
-            </a:r>
-            <a:r>
-              <a:rPr lang="hu-HU" dirty="0" smtClean="0"/>
-              <a:t> </a:t>
-            </a:r>
-            <a:r>
-              <a:rPr lang="hu-HU" dirty="0" err="1" smtClean="0"/>
-              <a:t>specify</a:t>
+              <a:t> text </a:t>
+            </a:r>
+            <a:r>
+              <a:rPr lang="hu-HU" dirty="0" err="1" smtClean="0"/>
+              <a:t>or</a:t>
+            </a:r>
+            <a:r>
+              <a:rPr lang="hu-HU" dirty="0" smtClean="0"/>
+              <a:t> </a:t>
+            </a:r>
+            <a:r>
+              <a:rPr lang="hu-HU" dirty="0" err="1" smtClean="0"/>
+              <a:t>character</a:t>
+            </a:r>
+            <a:r>
+              <a:rPr lang="hu-HU" dirty="0" smtClean="0"/>
+              <a:t> </a:t>
+            </a:r>
+            <a:r>
+              <a:rPr lang="hu-HU" dirty="0" err="1" smtClean="0"/>
+              <a:t>given</a:t>
+            </a:r>
+            <a:r>
+              <a:rPr lang="hu-HU" dirty="0" smtClean="0"/>
+              <a:t> </a:t>
+            </a:r>
+            <a:r>
+              <a:rPr lang="hu-HU" dirty="0" err="1" smtClean="0"/>
+              <a:t>by</a:t>
+            </a:r>
+            <a:r>
+              <a:rPr lang="hu-HU" dirty="0" smtClean="0"/>
+              <a:t> </a:t>
+            </a:r>
+            <a:r>
+              <a:rPr lang="hu-HU" dirty="0" err="1" smtClean="0"/>
+              <a:t>the</a:t>
+            </a:r>
+            <a:r>
+              <a:rPr lang="hu-HU" dirty="0" smtClean="0"/>
+              <a:t> </a:t>
+            </a:r>
+            <a:r>
+              <a:rPr lang="hu-HU" dirty="0" err="1" smtClean="0"/>
+              <a:t>user</a:t>
             </a:r>
             <a:endParaRPr lang="hu-HU" dirty="0" smtClean="0"/>
           </a:p>
           <a:p>
             <a:r>
-              <a:rPr lang="hu-HU" dirty="0" err="1" smtClean="0"/>
-              <a:t>Example</a:t>
-            </a:r>
-            <a:r>
-              <a:rPr lang="hu-HU" dirty="0" smtClean="0"/>
-              <a:t> (</a:t>
-            </a:r>
-            <a:r>
-              <a:rPr lang="en-US" dirty="0"/>
-              <a:t>insert into Customers (</a:t>
-            </a:r>
-            <a:r>
-              <a:rPr lang="en-US" dirty="0" err="1"/>
-              <a:t>CustomerName</a:t>
-            </a:r>
-            <a:r>
-              <a:rPr lang="en-US" dirty="0"/>
-              <a:t>) values ('</a:t>
-            </a:r>
-            <a:r>
-              <a:rPr lang="en-US" dirty="0" err="1"/>
-              <a:t>Gyula</a:t>
-            </a:r>
-            <a:r>
-              <a:rPr lang="en-US" dirty="0" smtClean="0"/>
-              <a:t>')</a:t>
-            </a:r>
-            <a:r>
-              <a:rPr lang="hu-HU" dirty="0" smtClean="0"/>
-              <a:t>)</a:t>
-            </a:r>
+              <a:rPr lang="hu-HU" dirty="0" smtClean="0"/>
+              <a:t>%: </a:t>
+            </a:r>
+            <a:r>
+              <a:rPr lang="hu-HU" dirty="0" err="1" smtClean="0"/>
+              <a:t>this</a:t>
+            </a:r>
+            <a:r>
+              <a:rPr lang="hu-HU" dirty="0" smtClean="0"/>
+              <a:t> </a:t>
+            </a:r>
+            <a:r>
+              <a:rPr lang="hu-HU" dirty="0" err="1" smtClean="0"/>
+              <a:t>symbol</a:t>
+            </a:r>
+            <a:r>
+              <a:rPr lang="hu-HU" dirty="0" smtClean="0"/>
+              <a:t> </a:t>
+            </a:r>
+            <a:r>
+              <a:rPr lang="hu-HU" dirty="0" err="1" smtClean="0"/>
+              <a:t>means</a:t>
+            </a:r>
+            <a:r>
+              <a:rPr lang="hu-HU" dirty="0" smtClean="0"/>
+              <a:t> </a:t>
+            </a:r>
+            <a:r>
+              <a:rPr lang="hu-HU" dirty="0" err="1" smtClean="0"/>
+              <a:t>that</a:t>
+            </a:r>
+            <a:r>
+              <a:rPr lang="hu-HU" dirty="0" smtClean="0"/>
+              <a:t> </a:t>
+            </a:r>
+            <a:r>
+              <a:rPr lang="hu-HU" dirty="0" err="1" smtClean="0"/>
+              <a:t>there</a:t>
+            </a:r>
+            <a:r>
+              <a:rPr lang="hu-HU" dirty="0" smtClean="0"/>
+              <a:t> is a </a:t>
+            </a:r>
+            <a:r>
+              <a:rPr lang="hu-HU" dirty="0" err="1" smtClean="0"/>
+              <a:t>unspecified</a:t>
+            </a:r>
+            <a:r>
+              <a:rPr lang="hu-HU" dirty="0" smtClean="0"/>
+              <a:t> </a:t>
+            </a:r>
+            <a:r>
+              <a:rPr lang="hu-HU" dirty="0" err="1" smtClean="0"/>
+              <a:t>number</a:t>
+            </a:r>
+            <a:r>
+              <a:rPr lang="hu-HU" dirty="0" smtClean="0"/>
+              <a:t> of </a:t>
+            </a:r>
+            <a:r>
+              <a:rPr lang="hu-HU" dirty="0" err="1" smtClean="0"/>
+              <a:t>character</a:t>
+            </a:r>
+            <a:r>
+              <a:rPr lang="hu-HU" dirty="0" smtClean="0"/>
+              <a:t> </a:t>
+            </a:r>
+            <a:r>
+              <a:rPr lang="hu-HU" dirty="0" err="1" smtClean="0"/>
+              <a:t>before</a:t>
+            </a:r>
+            <a:r>
+              <a:rPr lang="hu-HU" dirty="0" smtClean="0"/>
+              <a:t> </a:t>
+            </a:r>
+            <a:r>
+              <a:rPr lang="hu-HU" dirty="0" err="1" smtClean="0"/>
+              <a:t>or</a:t>
+            </a:r>
+            <a:r>
+              <a:rPr lang="hu-HU" dirty="0" smtClean="0"/>
+              <a:t> </a:t>
+            </a:r>
+            <a:r>
+              <a:rPr lang="hu-HU" dirty="0" err="1" smtClean="0"/>
+              <a:t>after</a:t>
+            </a:r>
+            <a:r>
+              <a:rPr lang="hu-HU" dirty="0" smtClean="0"/>
+              <a:t> </a:t>
+            </a:r>
+            <a:r>
+              <a:rPr lang="hu-HU" dirty="0"/>
+              <a:t>text </a:t>
+            </a:r>
+            <a:r>
+              <a:rPr lang="hu-HU" dirty="0" err="1"/>
+              <a:t>or</a:t>
+            </a:r>
+            <a:r>
+              <a:rPr lang="hu-HU" dirty="0"/>
+              <a:t> </a:t>
+            </a:r>
+            <a:r>
+              <a:rPr lang="hu-HU" dirty="0" err="1"/>
+              <a:t>character</a:t>
+            </a:r>
+            <a:r>
+              <a:rPr lang="hu-HU" dirty="0"/>
+              <a:t> </a:t>
+            </a:r>
+            <a:r>
+              <a:rPr lang="hu-HU" dirty="0" err="1"/>
+              <a:t>given</a:t>
+            </a:r>
+            <a:r>
+              <a:rPr lang="hu-HU" dirty="0"/>
+              <a:t> </a:t>
+            </a:r>
+            <a:r>
+              <a:rPr lang="hu-HU" dirty="0" err="1"/>
+              <a:t>by</a:t>
+            </a:r>
+            <a:r>
+              <a:rPr lang="hu-HU" dirty="0"/>
+              <a:t> </a:t>
+            </a:r>
+            <a:r>
+              <a:rPr lang="hu-HU" dirty="0" err="1"/>
+              <a:t>the</a:t>
+            </a:r>
+            <a:r>
+              <a:rPr lang="hu-HU" dirty="0"/>
+              <a:t> </a:t>
+            </a:r>
+            <a:r>
+              <a:rPr lang="hu-HU" dirty="0" err="1"/>
+              <a:t>user</a:t>
+            </a:r>
+            <a:endParaRPr lang="hu-HU" dirty="0"/>
           </a:p>
         </p:txBody>
       </p:sp>
     </p:spTree>
     <p:extLst>
       <p:ext uri="{BB962C8B-B14F-4D97-AF65-F5344CB8AC3E}">
-        <p14:creationId xmlns:p14="http://schemas.microsoft.com/office/powerpoint/2010/main" val="2562777189"/>
+        <p14:creationId xmlns:p14="http://schemas.microsoft.com/office/powerpoint/2010/main" val="2885389046"/>
       </p:ext>
     </p:extLst>
   </p:cSld>
@@ -8111,7 +8206,7 @@
           <a:p>
             <a:r>
               <a:rPr lang="hu-HU" dirty="0" err="1" smtClean="0"/>
-              <a:t>delete</a:t>
+              <a:t>Insert</a:t>
             </a:r>
             <a:endParaRPr lang="hu-HU" dirty="0"/>
           </a:p>
@@ -8133,64 +8228,111 @@
           <a:lstStyle/>
           <a:p>
             <a:r>
+              <a:rPr lang="hu-HU" dirty="0" smtClean="0"/>
+              <a:t>It add a </a:t>
+            </a:r>
+            <a:r>
+              <a:rPr lang="hu-HU" dirty="0" err="1" smtClean="0"/>
+              <a:t>new</a:t>
+            </a:r>
+            <a:r>
+              <a:rPr lang="hu-HU" dirty="0" smtClean="0"/>
+              <a:t> </a:t>
+            </a:r>
+            <a:r>
+              <a:rPr lang="hu-HU" dirty="0" err="1" smtClean="0"/>
+              <a:t>row</a:t>
+            </a:r>
+            <a:r>
+              <a:rPr lang="hu-HU" dirty="0" smtClean="0"/>
+              <a:t> </a:t>
+            </a:r>
+            <a:r>
+              <a:rPr lang="hu-HU" dirty="0" err="1" smtClean="0"/>
+              <a:t>to</a:t>
+            </a:r>
+            <a:r>
+              <a:rPr lang="hu-HU" dirty="0" smtClean="0"/>
+              <a:t> </a:t>
+            </a:r>
+            <a:r>
+              <a:rPr lang="hu-HU" dirty="0" err="1" smtClean="0"/>
+              <a:t>the</a:t>
+            </a:r>
+            <a:r>
+              <a:rPr lang="hu-HU" dirty="0" smtClean="0"/>
+              <a:t> </a:t>
+            </a:r>
+            <a:r>
+              <a:rPr lang="hu-HU" dirty="0" err="1" smtClean="0"/>
+              <a:t>databasewith</a:t>
+            </a:r>
+            <a:r>
+              <a:rPr lang="hu-HU" dirty="0" smtClean="0"/>
+              <a:t> </a:t>
+            </a:r>
+            <a:r>
+              <a:rPr lang="hu-HU" dirty="0" err="1" smtClean="0"/>
+              <a:t>data</a:t>
+            </a:r>
+            <a:r>
+              <a:rPr lang="hu-HU" dirty="0" smtClean="0"/>
+              <a:t> </a:t>
+            </a:r>
+            <a:r>
+              <a:rPr lang="hu-HU" dirty="0" err="1" smtClean="0"/>
+              <a:t>you</a:t>
+            </a:r>
+            <a:r>
+              <a:rPr lang="hu-HU" dirty="0" smtClean="0"/>
+              <a:t> </a:t>
+            </a:r>
+            <a:r>
+              <a:rPr lang="hu-HU" dirty="0" err="1" smtClean="0"/>
+              <a:t>specify</a:t>
+            </a:r>
+            <a:endParaRPr lang="hu-HU" dirty="0" smtClean="0"/>
+          </a:p>
+          <a:p>
+            <a:r>
+              <a:rPr lang="hu-HU" dirty="0" err="1" smtClean="0"/>
+              <a:t>Example</a:t>
+            </a:r>
+            <a:r>
+              <a:rPr lang="hu-HU" dirty="0" smtClean="0"/>
+              <a:t> (</a:t>
+            </a:r>
+            <a:r>
+              <a:rPr lang="en-US" dirty="0"/>
+              <a:t>insert into Customers (</a:t>
+            </a:r>
+            <a:r>
+              <a:rPr lang="en-US" dirty="0" err="1"/>
+              <a:t>CustomerName</a:t>
+            </a:r>
+            <a:r>
+              <a:rPr lang="en-US" dirty="0"/>
+              <a:t>) values ('</a:t>
+            </a:r>
+            <a:r>
+              <a:rPr lang="en-US" dirty="0" err="1"/>
+              <a:t>Gyula</a:t>
+            </a:r>
+            <a:r>
               <a:rPr lang="en-US" dirty="0" smtClean="0"/>
-              <a:t>Deletes the data from the </a:t>
-            </a:r>
-            <a:r>
-              <a:rPr lang="hu-HU" dirty="0" err="1" smtClean="0"/>
-              <a:t>database</a:t>
-            </a:r>
-            <a:r>
-              <a:rPr lang="hu-HU" dirty="0" smtClean="0"/>
-              <a:t> </a:t>
-            </a:r>
-            <a:r>
-              <a:rPr lang="hu-HU" dirty="0" err="1" smtClean="0"/>
-              <a:t>permanently</a:t>
-            </a:r>
-            <a:endParaRPr lang="hu-HU" dirty="0" smtClean="0"/>
-          </a:p>
-          <a:p>
-            <a:r>
-              <a:rPr lang="hu-HU" dirty="0" err="1" smtClean="0"/>
-              <a:t>Example</a:t>
-            </a:r>
-            <a:r>
-              <a:rPr lang="hu-HU" dirty="0" smtClean="0"/>
-              <a:t>(</a:t>
-            </a:r>
-            <a:r>
-              <a:rPr lang="en-US" dirty="0"/>
-              <a:t>delete from Customers where </a:t>
-            </a:r>
-            <a:r>
-              <a:rPr lang="en-US" dirty="0" err="1"/>
-              <a:t>CustomerID</a:t>
-            </a:r>
-            <a:r>
-              <a:rPr lang="en-US" dirty="0"/>
-              <a:t> = </a:t>
-            </a:r>
-            <a:r>
-              <a:rPr lang="en-US" dirty="0" smtClean="0"/>
-              <a:t>'92‚</a:t>
+              <a:t>')</a:t>
             </a:r>
             <a:r>
               <a:rPr lang="hu-HU" dirty="0" smtClean="0"/>
               <a:t>)</a:t>
             </a:r>
-            <a:r>
-              <a:rPr lang="en-US" dirty="0" smtClean="0"/>
-              <a:t>;</a:t>
-            </a:r>
-            <a:endParaRPr lang="en-US" dirty="0"/>
           </a:p>
         </p:txBody>
       </p:sp>
     </p:spTree>
     <p:extLst>
       <p:ext uri="{BB962C8B-B14F-4D97-AF65-F5344CB8AC3E}">
-        <p14:creationId xmlns:p14="http://schemas.microsoft.com/office/powerpoint/2010/main" val="3960785057"/>
+        <p14:creationId xmlns:p14="http://schemas.microsoft.com/office/powerpoint/2010/main" val="2562777189"/>
       </p:ext>
     </p:extLst>
   </p:cSld>
@@ -8233,8 +8375,8 @@
           <a:lstStyle/>
           <a:p>
             <a:r>
-              <a:rPr lang="hu-HU" dirty="0" smtClean="0"/>
-              <a:t>update</a:t>
+              <a:rPr lang="hu-HU" dirty="0" err="1" smtClean="0"/>
+              <a:t>delete</a:t>
             </a:r>
             <a:endParaRPr lang="hu-HU" dirty="0"/>
           </a:p>
@@ -8256,65 +8398,21 @@
           <a:lstStyle/>
           <a:p>
             <a:r>
-              <a:rPr lang="hu-HU" dirty="0" err="1" smtClean="0"/>
-              <a:t>Changes</a:t>
-            </a:r>
-            <a:r>
-              <a:rPr lang="hu-HU" dirty="0" smtClean="0"/>
-              <a:t> </a:t>
-            </a:r>
-            <a:r>
-              <a:rPr lang="hu-HU" dirty="0" err="1" smtClean="0"/>
-              <a:t>the</a:t>
-            </a:r>
-            <a:r>
-              <a:rPr lang="hu-HU" dirty="0" smtClean="0"/>
-              <a:t> </a:t>
-            </a:r>
-            <a:r>
-              <a:rPr lang="hu-HU" dirty="0" err="1" smtClean="0"/>
-              <a:t>data</a:t>
-            </a:r>
-            <a:r>
-              <a:rPr lang="hu-HU" dirty="0" smtClean="0"/>
-              <a:t> </a:t>
-            </a:r>
-            <a:r>
-              <a:rPr lang="hu-HU" dirty="0" err="1" smtClean="0"/>
-              <a:t>which</a:t>
-            </a:r>
-            <a:r>
-              <a:rPr lang="hu-HU" dirty="0" smtClean="0"/>
-              <a:t> </a:t>
-            </a:r>
-            <a:r>
-              <a:rPr lang="hu-HU" dirty="0" err="1" smtClean="0"/>
-              <a:t>you</a:t>
-            </a:r>
-            <a:r>
-              <a:rPr lang="hu-HU" dirty="0" smtClean="0"/>
-              <a:t> </a:t>
-            </a:r>
-            <a:r>
-              <a:rPr lang="hu-HU" dirty="0" err="1" smtClean="0"/>
-              <a:t>specify</a:t>
-            </a:r>
-            <a:r>
-              <a:rPr lang="hu-HU" dirty="0" smtClean="0"/>
-              <a:t> int </a:t>
-            </a:r>
-            <a:r>
-              <a:rPr lang="hu-HU" dirty="0" err="1" smtClean="0"/>
-              <a:t>the</a:t>
-            </a:r>
-            <a:r>
-              <a:rPr lang="hu-HU" dirty="0" smtClean="0"/>
-              <a:t> </a:t>
+              <a:rPr lang="en-US" dirty="0" smtClean="0"/>
+              <a:t>Deletes the data from the </a:t>
             </a:r>
             <a:r>
               <a:rPr lang="hu-HU" dirty="0" err="1" smtClean="0"/>
               <a:t>database</a:t>
             </a:r>
+            <a:r>
+              <a:rPr lang="hu-HU" dirty="0" smtClean="0"/>
+              <a:t> </a:t>
+            </a:r>
+            <a:r>
+              <a:rPr lang="hu-HU" dirty="0" err="1" smtClean="0"/>
+              <a:t>permanently</a:t>
+            </a:r>
             <a:endParaRPr lang="hu-HU" dirty="0" smtClean="0"/>
           </a:p>
           <a:p>
@@ -8328,23 +8426,7 @@
             </a:r>
             <a:r>
               <a:rPr lang="en-US" dirty="0"/>
-              <a:t>update Customers set </a:t>
-            </a:r>
-            <a:r>
-              <a:rPr lang="en-US" dirty="0" err="1"/>
-              <a:t>ContactName</a:t>
-            </a:r>
-            <a:r>
-              <a:rPr lang="en-US" dirty="0"/>
-              <a:t> = '</a:t>
-            </a:r>
-            <a:r>
-              <a:rPr lang="en-US" dirty="0" err="1"/>
-              <a:t>Gyula</a:t>
-            </a:r>
-            <a:r>
-              <a:rPr lang="en-US" dirty="0"/>
-              <a:t>' where </a:t>
+              <a:t>delete from Customers where </a:t>
             </a:r>
             <a:r>
               <a:rPr lang="en-US" dirty="0" err="1"/>
@@ -8362,14 +8444,18 @@
               <a:rPr lang="hu-HU" dirty="0" smtClean="0"/>
               <a:t>)</a:t>
             </a:r>
-            <a:endParaRPr lang="hu-HU" dirty="0"/>
+            <a:r>
+              <a:rPr lang="en-US" dirty="0" smtClean="0"/>
+              <a:t>;</a:t>
+            </a:r>
+            <a:endParaRPr lang="en-US" dirty="0"/>
           </a:p>
         </p:txBody>
       </p:sp>
     </p:spTree>
     <p:extLst>
       <p:ext uri="{BB962C8B-B14F-4D97-AF65-F5344CB8AC3E}">
-        <p14:creationId xmlns:p14="http://schemas.microsoft.com/office/powerpoint/2010/main" val="2283592185"/>
+        <p14:creationId xmlns:p14="http://schemas.microsoft.com/office/powerpoint/2010/main" val="3960785057"/>
       </p:ext>
     </p:extLst>
   </p:cSld>
@@ -8412,16 +8498,8 @@
           <a:lstStyle/>
           <a:p>
             <a:r>
-              <a:rPr lang="hu-HU" dirty="0" err="1" smtClean="0"/>
-              <a:t>Select</a:t>
-            </a:r>
-            <a:r>
-              <a:rPr lang="hu-HU" dirty="0" smtClean="0"/>
-              <a:t> </a:t>
-            </a:r>
-            <a:r>
-              <a:rPr lang="hu-HU" dirty="0" err="1" smtClean="0"/>
-              <a:t>if</a:t>
+              <a:rPr lang="hu-HU" dirty="0" smtClean="0"/>
+              <a:t>update</a:t>
             </a:r>
             <a:endParaRPr lang="hu-HU" dirty="0"/>
           </a:p>
@@ -8444,7 +8522,7 @@
           <a:p>
             <a:r>
               <a:rPr lang="hu-HU" dirty="0" err="1" smtClean="0"/>
-              <a:t>Returns</a:t>
+              <a:t>Changes</a:t>
             </a:r>
             <a:r>
               <a:rPr lang="hu-HU" dirty="0" smtClean="0"/>
@@ -8468,19 +8546,27 @@
             </a:r>
             <a:r>
               <a:rPr lang="hu-HU" dirty="0" err="1" smtClean="0"/>
-              <a:t>if</a:t>
-            </a:r>
-            <a:r>
-              <a:rPr lang="hu-HU" dirty="0" smtClean="0"/>
-              <a:t> it </a:t>
-            </a:r>
-            <a:r>
-              <a:rPr lang="hu-HU" dirty="0" err="1" smtClean="0"/>
-              <a:t>fits</a:t>
-            </a:r>
-            <a:r>
-              <a:rPr lang="hu-HU" dirty="0" smtClean="0"/>
-              <a:t> </a:t>
+              <a:t>which</a:t>
+            </a:r>
+            <a:r>
+              <a:rPr lang="hu-HU" dirty="0" smtClean="0"/>
+              <a:t> </a:t>
+            </a:r>
+            <a:r>
+              <a:rPr lang="hu-HU" dirty="0" err="1" smtClean="0"/>
+              <a:t>you</a:t>
+            </a:r>
+            <a:r>
+              <a:rPr lang="hu-HU" dirty="0" smtClean="0"/>
+              <a:t> </a:t>
+            </a:r>
+            <a:r>
+              <a:rPr lang="hu-HU" dirty="0" err="1" smtClean="0"/>
+              <a:t>specify</a:t>
+            </a:r>
+            <a:r>
+              <a:rPr lang="hu-HU" dirty="0" smtClean="0"/>
+              <a:t> int </a:t>
             </a:r>
             <a:r>
               <a:rPr lang="hu-HU" dirty="0" err="1" smtClean="0"/>
@@ -8492,7 +8578,7 @@
             </a:r>
             <a:r>
               <a:rPr lang="hu-HU" dirty="0" err="1" smtClean="0"/>
-              <a:t>condition</a:t>
+              <a:t>database</a:t>
             </a:r>
             <a:endParaRPr lang="hu-HU" dirty="0" smtClean="0"/>
           </a:p>
@@ -8507,41 +8593,7 @@
             </a:r>
             <a:r>
               <a:rPr lang="en-US" dirty="0"/>
-              <a:t>select * from Customers where City = 'Berlin';</a:t>
-            </a:r>
-          </a:p>
-          <a:p>
-            <a:pPr marL="0" indent="0">
-              <a:buNone/>
-            </a:pPr>
-            <a:r>
-              <a:rPr lang="hu-HU" dirty="0" smtClean="0"/>
-              <a:t>	</a:t>
-            </a:r>
-            <a:r>
-              <a:rPr lang="en-US" dirty="0" smtClean="0"/>
-              <a:t>select </a:t>
-            </a:r>
-            <a:r>
-              <a:rPr lang="en-US" dirty="0"/>
-              <a:t>* from Customers  where City = 'México D.F.' or City = 'Berlin';</a:t>
-            </a:r>
-          </a:p>
-          <a:p>
-            <a:pPr marL="0" indent="0">
-              <a:buNone/>
-            </a:pPr>
-            <a:r>
-              <a:rPr lang="hu-HU" dirty="0" smtClean="0"/>
-              <a:t>	</a:t>
-            </a:r>
-            <a:r>
-              <a:rPr lang="en-US" dirty="0" smtClean="0"/>
-              <a:t>select </a:t>
-            </a:r>
-            <a:r>
-              <a:rPr lang="en-US" dirty="0"/>
-              <a:t>* from Customers  where City = 'México D.F.' and </a:t>
+              <a:t>update Customers set </a:t>
             </a:r>
             <a:r>
               <a:rPr lang="en-US" dirty="0" err="1"/>
@@ -8549,11 +8601,27 @@
             </a:r>
             <a:r>
               <a:rPr lang="en-US" dirty="0"/>
-              <a:t> = 'Antonio Moreno</a:t>
+              <a:t> = '</a:t>
+            </a:r>
+            <a:r>
+              <a:rPr lang="en-US" dirty="0" err="1"/>
+              <a:t>Gyula</a:t>
+            </a:r>
+            <a:r>
+              <a:rPr lang="en-US" dirty="0"/>
+              <a:t>' where </a:t>
+            </a:r>
+            <a:r>
+              <a:rPr lang="en-US" dirty="0" err="1"/>
+              <a:t>CustomerID</a:t>
+            </a:r>
+            <a:r>
+              <a:rPr lang="en-US" dirty="0"/>
+              <a:t> = </a:t>
             </a:r>
             <a:r>
               <a:rPr lang="en-US" dirty="0" smtClean="0"/>
-              <a:t>';</a:t>
+              <a:t>'92‚</a:t>
             </a:r>
             <a:r>
               <a:rPr lang="hu-HU" dirty="0" smtClean="0"/>
@@ -8566,7 +8634,7 @@
     </p:spTree>
     <p:extLst>
       <p:ext uri="{BB962C8B-B14F-4D97-AF65-F5344CB8AC3E}">
-        <p14:creationId xmlns:p14="http://schemas.microsoft.com/office/powerpoint/2010/main" val="478917261"/>
+        <p14:creationId xmlns:p14="http://schemas.microsoft.com/office/powerpoint/2010/main" val="2283592185"/>
       </p:ext>
     </p:extLst>
   </p:cSld>
@@ -8608,6 +8676,18 @@
           <a:bodyPr/>
           <a:lstStyle/>
           <a:p>
+            <a:r>
+              <a:rPr lang="hu-HU" dirty="0" err="1" smtClean="0"/>
+              <a:t>Select</a:t>
+            </a:r>
+            <a:r>
+              <a:rPr lang="hu-HU" dirty="0" smtClean="0"/>
+              <a:t> </a:t>
+            </a:r>
+            <a:r>
+              <a:rPr lang="hu-HU" dirty="0" err="1" smtClean="0"/>
+              <a:t>if</a:t>
+            </a:r>
             <a:endParaRPr lang="hu-HU" dirty="0"/>
           </a:p>
         </p:txBody>
@@ -8629,39 +8709,23 @@
           <a:p>
             <a:r>
               <a:rPr lang="hu-HU" dirty="0" err="1" smtClean="0"/>
-              <a:t>You</a:t>
-            </a:r>
-            <a:r>
-              <a:rPr lang="hu-HU" dirty="0" smtClean="0"/>
-              <a:t> </a:t>
-            </a:r>
-            <a:r>
-              <a:rPr lang="hu-HU" dirty="0" err="1" smtClean="0"/>
-              <a:t>can</a:t>
-            </a:r>
-            <a:r>
-              <a:rPr lang="hu-HU" dirty="0" smtClean="0"/>
-              <a:t> </a:t>
-            </a:r>
-            <a:r>
-              <a:rPr lang="hu-HU" dirty="0" err="1" smtClean="0"/>
-              <a:t>also</a:t>
-            </a:r>
-            <a:r>
-              <a:rPr lang="hu-HU" dirty="0" smtClean="0"/>
-              <a:t> </a:t>
-            </a:r>
-            <a:r>
-              <a:rPr lang="hu-HU" dirty="0" err="1" smtClean="0"/>
-              <a:t>use</a:t>
-            </a:r>
-            <a:r>
-              <a:rPr lang="hu-HU" dirty="0" smtClean="0"/>
-              <a:t> </a:t>
-            </a:r>
-            <a:r>
-              <a:rPr lang="hu-HU" dirty="0" err="1" smtClean="0"/>
-              <a:t>select</a:t>
+              <a:t>Returns</a:t>
+            </a:r>
+            <a:r>
+              <a:rPr lang="hu-HU" dirty="0" smtClean="0"/>
+              <a:t> </a:t>
+            </a:r>
+            <a:r>
+              <a:rPr lang="hu-HU" dirty="0" err="1" smtClean="0"/>
+              <a:t>the</a:t>
+            </a:r>
+            <a:r>
+              <a:rPr lang="hu-HU" dirty="0" smtClean="0"/>
+              <a:t> </a:t>
+            </a:r>
+            <a:r>
+              <a:rPr lang="hu-HU" dirty="0" err="1" smtClean="0"/>
+              <a:t>data</a:t>
             </a:r>
             <a:r>
               <a:rPr lang="hu-HU" dirty="0" smtClean="0"/>
@@ -8673,43 +8737,27 @@
             </a:r>
             <a:r>
               <a:rPr lang="hu-HU" dirty="0" smtClean="0"/>
-              <a:t> </a:t>
-            </a:r>
-            <a:r>
-              <a:rPr lang="hu-HU" dirty="0" err="1" smtClean="0"/>
-              <a:t>you</a:t>
-            </a:r>
-            <a:r>
-              <a:rPr lang="hu-HU" dirty="0" smtClean="0"/>
-              <a:t> </a:t>
-            </a:r>
-            <a:r>
-              <a:rPr lang="hu-HU" dirty="0" err="1" smtClean="0"/>
-              <a:t>only</a:t>
-            </a:r>
-            <a:r>
-              <a:rPr lang="hu-HU" dirty="0" smtClean="0"/>
-              <a:t> </a:t>
-            </a:r>
-            <a:r>
-              <a:rPr lang="hu-HU" dirty="0" err="1" smtClean="0"/>
-              <a:t>have</a:t>
-            </a:r>
-            <a:r>
-              <a:rPr lang="hu-HU" dirty="0" smtClean="0"/>
-              <a:t> </a:t>
-            </a:r>
-            <a:r>
-              <a:rPr lang="hu-HU" dirty="0" err="1" smtClean="0"/>
-              <a:t>partial</a:t>
-            </a:r>
-            <a:r>
-              <a:rPr lang="hu-HU" dirty="0" smtClean="0"/>
-              <a:t> </a:t>
-            </a:r>
-            <a:r>
-              <a:rPr lang="hu-HU" dirty="0" err="1" smtClean="0"/>
-              <a:t>information</a:t>
+              <a:t> it </a:t>
+            </a:r>
+            <a:r>
+              <a:rPr lang="hu-HU" dirty="0" err="1" smtClean="0"/>
+              <a:t>fits</a:t>
+            </a:r>
+            <a:r>
+              <a:rPr lang="hu-HU" dirty="0" smtClean="0"/>
+              <a:t> </a:t>
+            </a:r>
+            <a:r>
+              <a:rPr lang="hu-HU" dirty="0" err="1" smtClean="0"/>
+              <a:t>the</a:t>
+            </a:r>
+            <a:r>
+              <a:rPr lang="hu-HU" dirty="0" smtClean="0"/>
+              <a:t> </a:t>
+            </a:r>
+            <a:r>
+              <a:rPr lang="hu-HU" dirty="0" err="1" smtClean="0"/>
+              <a:t>condition</a:t>
             </a:r>
             <a:endParaRPr lang="hu-HU" dirty="0" smtClean="0"/>
           </a:p>
@@ -8724,7 +8772,41 @@
             </a:r>
             <a:r>
               <a:rPr lang="en-US" dirty="0"/>
-              <a:t>select * from Customers where </a:t>
+              <a:t>select * from Customers where City = 'Berlin';</a:t>
+            </a:r>
+          </a:p>
+          <a:p>
+            <a:pPr marL="0" indent="0">
+              <a:buNone/>
+            </a:pPr>
+            <a:r>
+              <a:rPr lang="hu-HU" dirty="0" smtClean="0"/>
+              <a:t>	</a:t>
+            </a:r>
+            <a:r>
+              <a:rPr lang="en-US" dirty="0" smtClean="0"/>
+              <a:t>select </a:t>
+            </a:r>
+            <a:r>
+              <a:rPr lang="en-US" dirty="0"/>
+              <a:t>* from Customers  where City = 'México D.F.' or City = 'Berlin';</a:t>
+            </a:r>
+          </a:p>
+          <a:p>
+            <a:pPr marL="0" indent="0">
+              <a:buNone/>
+            </a:pPr>
+            <a:r>
+              <a:rPr lang="hu-HU" dirty="0" smtClean="0"/>
+              <a:t>	</a:t>
+            </a:r>
+            <a:r>
+              <a:rPr lang="en-US" dirty="0" smtClean="0"/>
+              <a:t>select </a:t>
+            </a:r>
+            <a:r>
+              <a:rPr lang="en-US" dirty="0"/>
+              <a:t>* from Customers  where City = 'México D.F.' and </a:t>
             </a:r>
             <a:r>
               <a:rPr lang="en-US" dirty="0" err="1"/>
@@ -8732,28 +8814,11 @@
             </a:r>
             <a:r>
               <a:rPr lang="en-US" dirty="0"/>
-              <a:t> like 'Antonio%';</a:t>
-            </a:r>
-          </a:p>
-          <a:p>
-            <a:pPr marL="457200" lvl="1" indent="0">
-              <a:buNone/>
-            </a:pPr>
-            <a:r>
-              <a:rPr lang="en-US" dirty="0"/>
-              <a:t>select * from Customers where </a:t>
-            </a:r>
-            <a:r>
-              <a:rPr lang="en-US" dirty="0" err="1"/>
-              <a:t>CustomerName</a:t>
-            </a:r>
-            <a:r>
-              <a:rPr lang="en-US" dirty="0"/>
-              <a:t> like '%Antonio</a:t>
+              <a:t> = 'Antonio Moreno</a:t>
             </a:r>
             <a:r>
               <a:rPr lang="en-US" dirty="0" smtClean="0"/>
-              <a:t>%';</a:t>
+              <a:t>';</a:t>
             </a:r>
             <a:r>
               <a:rPr lang="hu-HU" dirty="0" smtClean="0"/>
@@ -8766,7 +8831,7 @@
     </p:spTree>
     <p:extLst>
       <p:ext uri="{BB962C8B-B14F-4D97-AF65-F5344CB8AC3E}">
-        <p14:creationId xmlns:p14="http://schemas.microsoft.com/office/powerpoint/2010/main" val="1407287428"/>
+        <p14:creationId xmlns:p14="http://schemas.microsoft.com/office/powerpoint/2010/main" val="478917261"/>
       </p:ext>
     </p:extLst>
   </p:cSld>
@@ -8808,10 +8873,6 @@
           <a:bodyPr/>
           <a:lstStyle/>
           <a:p>
-            <a:r>
-              <a:rPr lang="hu-HU" dirty="0" err="1" smtClean="0"/>
-              <a:t>Distinct</a:t>
-            </a:r>
             <a:endParaRPr lang="hu-HU" dirty="0"/>
           </a:p>
         </p:txBody>
@@ -8832,8 +8893,60 @@
           <a:lstStyle/>
           <a:p>
             <a:r>
-              <a:rPr lang="hu-HU" dirty="0" smtClean="0"/>
-              <a:t>It </a:t>
+              <a:rPr lang="hu-HU" dirty="0" err="1" smtClean="0"/>
+              <a:t>You</a:t>
+            </a:r>
+            <a:r>
+              <a:rPr lang="hu-HU" dirty="0" smtClean="0"/>
+              <a:t> </a:t>
+            </a:r>
+            <a:r>
+              <a:rPr lang="hu-HU" dirty="0" err="1" smtClean="0"/>
+              <a:t>can</a:t>
+            </a:r>
+            <a:r>
+              <a:rPr lang="hu-HU" dirty="0" smtClean="0"/>
+              <a:t> </a:t>
+            </a:r>
+            <a:r>
+              <a:rPr lang="hu-HU" dirty="0" err="1" smtClean="0"/>
+              <a:t>also</a:t>
+            </a:r>
+            <a:r>
+              <a:rPr lang="hu-HU" dirty="0" smtClean="0"/>
+              <a:t> </a:t>
+            </a:r>
+            <a:r>
+              <a:rPr lang="hu-HU" dirty="0" err="1" smtClean="0"/>
+              <a:t>use</a:t>
+            </a:r>
+            <a:r>
+              <a:rPr lang="hu-HU" dirty="0" smtClean="0"/>
+              <a:t> </a:t>
+            </a:r>
+            <a:r>
+              <a:rPr lang="hu-HU" dirty="0" err="1" smtClean="0"/>
+              <a:t>select</a:t>
+            </a:r>
+            <a:r>
+              <a:rPr lang="hu-HU" dirty="0" smtClean="0"/>
+              <a:t> </a:t>
+            </a:r>
+            <a:r>
+              <a:rPr lang="hu-HU" dirty="0" err="1" smtClean="0"/>
+              <a:t>if</a:t>
+            </a:r>
+            <a:r>
+              <a:rPr lang="hu-HU" dirty="0" smtClean="0"/>
+              <a:t> </a:t>
+            </a:r>
+            <a:r>
+              <a:rPr lang="hu-HU" dirty="0" err="1" smtClean="0"/>
+              <a:t>you</a:t>
+            </a:r>
+            <a:r>
+              <a:rPr lang="hu-HU" dirty="0" smtClean="0"/>
+              <a:t> </a:t>
             </a:r>
             <a:r>
               <a:rPr lang="hu-HU" dirty="0" err="1" smtClean="0"/>
@@ -8845,55 +8958,23 @@
             </a:r>
             <a:r>
               <a:rPr lang="hu-HU" dirty="0" err="1" smtClean="0"/>
-              <a:t>returns</a:t>
-            </a:r>
-            <a:r>
-              <a:rPr lang="hu-HU" dirty="0" smtClean="0"/>
-              <a:t> </a:t>
-            </a:r>
-            <a:r>
-              <a:rPr lang="hu-HU" dirty="0" err="1" smtClean="0"/>
-              <a:t>the</a:t>
-            </a:r>
-            <a:r>
-              <a:rPr lang="hu-HU" dirty="0" smtClean="0"/>
-              <a:t> </a:t>
-            </a:r>
-            <a:r>
-              <a:rPr lang="hu-HU" dirty="0" err="1" smtClean="0"/>
-              <a:t>data</a:t>
-            </a:r>
-            <a:r>
-              <a:rPr lang="hu-HU" dirty="0" smtClean="0"/>
-              <a:t> </a:t>
-            </a:r>
-            <a:r>
-              <a:rPr lang="hu-HU" dirty="0" err="1" smtClean="0"/>
-              <a:t>once</a:t>
-            </a:r>
-            <a:r>
-              <a:rPr lang="hu-HU" dirty="0" smtClean="0"/>
-              <a:t>, </a:t>
-            </a:r>
-            <a:r>
-              <a:rPr lang="hu-HU" dirty="0" err="1" smtClean="0"/>
-              <a:t>doesn’t</a:t>
-            </a:r>
-            <a:r>
-              <a:rPr lang="hu-HU" dirty="0" smtClean="0"/>
-              <a:t> show </a:t>
-            </a:r>
-            <a:r>
-              <a:rPr lang="hu-HU" dirty="0" err="1" smtClean="0"/>
-              <a:t>the</a:t>
-            </a:r>
-            <a:r>
-              <a:rPr lang="hu-HU" dirty="0" smtClean="0"/>
-              <a:t> </a:t>
-            </a:r>
-            <a:r>
-              <a:rPr lang="hu-HU" dirty="0" err="1" smtClean="0"/>
-              <a:t>duplicates</a:t>
+              <a:t>have</a:t>
+            </a:r>
+            <a:r>
+              <a:rPr lang="hu-HU" dirty="0" smtClean="0"/>
+              <a:t> </a:t>
+            </a:r>
+            <a:r>
+              <a:rPr lang="hu-HU" dirty="0" err="1" smtClean="0"/>
+              <a:t>partial</a:t>
+            </a:r>
+            <a:r>
+              <a:rPr lang="hu-HU" dirty="0" smtClean="0"/>
+              <a:t> </a:t>
+            </a:r>
+            <a:r>
+              <a:rPr lang="hu-HU" dirty="0" err="1" smtClean="0"/>
+              <a:t>information</a:t>
             </a:r>
             <a:endParaRPr lang="hu-HU" dirty="0" smtClean="0"/>
           </a:p>
@@ -8908,11 +8989,36 @@
             </a:r>
             <a:r>
               <a:rPr lang="en-US" dirty="0"/>
-              <a:t>select distinct City from Customers</a:t>
+              <a:t>select * from Customers where </a:t>
+            </a:r>
+            <a:r>
+              <a:rPr lang="en-US" dirty="0" err="1"/>
+              <a:t>ContactName</a:t>
+            </a:r>
+            <a:r>
+              <a:rPr lang="en-US" dirty="0"/>
+              <a:t> like 'Antonio%';</a:t>
+            </a:r>
+          </a:p>
+          <a:p>
+            <a:pPr marL="457200" lvl="1" indent="0">
+              <a:buNone/>
+            </a:pPr>
+            <a:r>
+              <a:rPr lang="en-US" dirty="0"/>
+              <a:t>select * from Customers where </a:t>
+            </a:r>
+            <a:r>
+              <a:rPr lang="en-US" dirty="0" err="1"/>
+              <a:t>CustomerName</a:t>
+            </a:r>
+            <a:r>
+              <a:rPr lang="en-US" dirty="0"/>
+              <a:t> like '%Antonio</a:t>
             </a:r>
             <a:r>
               <a:rPr lang="en-US" dirty="0" smtClean="0"/>
-              <a:t>;</a:t>
+              <a:t>%';</a:t>
             </a:r>
             <a:r>
               <a:rPr lang="hu-HU" dirty="0" smtClean="0"/>
@@ -8925,7 +9031,7 @@
     </p:spTree>
     <p:extLst>
       <p:ext uri="{BB962C8B-B14F-4D97-AF65-F5344CB8AC3E}">
-        <p14:creationId xmlns:p14="http://schemas.microsoft.com/office/powerpoint/2010/main" val="2734845446"/>
+        <p14:creationId xmlns:p14="http://schemas.microsoft.com/office/powerpoint/2010/main" val="1407287428"/>
       </p:ext>
     </p:extLst>
   </p:cSld>

--- a/SQL basics.pptx
+++ b/SQL basics.pptx
@@ -13,13 +13,12 @@
     <p:sldId id="259" r:id="rId7"/>
     <p:sldId id="260" r:id="rId8"/>
     <p:sldId id="261" r:id="rId9"/>
-    <p:sldId id="262" r:id="rId10"/>
-    <p:sldId id="263" r:id="rId11"/>
-    <p:sldId id="264" r:id="rId12"/>
-    <p:sldId id="265" r:id="rId13"/>
-    <p:sldId id="266" r:id="rId14"/>
-    <p:sldId id="268" r:id="rId15"/>
-    <p:sldId id="269" r:id="rId16"/>
+    <p:sldId id="263" r:id="rId10"/>
+    <p:sldId id="264" r:id="rId11"/>
+    <p:sldId id="265" r:id="rId12"/>
+    <p:sldId id="266" r:id="rId13"/>
+    <p:sldId id="268" r:id="rId14"/>
+    <p:sldId id="269" r:id="rId15"/>
   </p:sldIdLst>
   <p:sldSz cx="12192000" cy="6858000"/>
   <p:notesSz cx="6858000" cy="9144000"/>
@@ -5933,7 +5932,7 @@
           <a:p>
             <a:r>
               <a:rPr lang="hu-HU" dirty="0" err="1" smtClean="0"/>
-              <a:t>Distinct</a:t>
+              <a:t>Count</a:t>
             </a:r>
             <a:endParaRPr lang="hu-HU" dirty="0"/>
           </a:p>
@@ -5949,7 +5948,12 @@
             <p:ph idx="1"/>
           </p:nvPr>
         </p:nvSpPr>
-        <p:spPr/>
+        <p:spPr>
+          <a:xfrm>
+            <a:off x="685801" y="2142067"/>
+            <a:ext cx="5349239" cy="3649133"/>
+          </a:xfrm>
+        </p:spPr>
         <p:txBody>
           <a:bodyPr/>
           <a:lstStyle/>
@@ -5960,23 +5964,23 @@
             </a:r>
             <a:r>
               <a:rPr lang="hu-HU" dirty="0" err="1" smtClean="0"/>
-              <a:t>only</a:t>
-            </a:r>
-            <a:r>
-              <a:rPr lang="hu-HU" dirty="0" smtClean="0"/>
-              <a:t> </a:t>
-            </a:r>
-            <a:r>
-              <a:rPr lang="hu-HU" dirty="0" err="1" smtClean="0"/>
-              <a:t>returns</a:t>
-            </a:r>
-            <a:r>
-              <a:rPr lang="hu-HU" dirty="0" smtClean="0"/>
-              <a:t> </a:t>
-            </a:r>
-            <a:r>
-              <a:rPr lang="hu-HU" dirty="0" err="1" smtClean="0"/>
-              <a:t>the</a:t>
+              <a:t>counts</a:t>
+            </a:r>
+            <a:r>
+              <a:rPr lang="hu-HU" dirty="0" smtClean="0"/>
+              <a:t> </a:t>
+            </a:r>
+            <a:r>
+              <a:rPr lang="hu-HU" dirty="0" err="1" smtClean="0"/>
+              <a:t>how</a:t>
+            </a:r>
+            <a:r>
+              <a:rPr lang="hu-HU" dirty="0" smtClean="0"/>
+              <a:t> </a:t>
+            </a:r>
+            <a:r>
+              <a:rPr lang="hu-HU" dirty="0" err="1" smtClean="0"/>
+              <a:t>many</a:t>
             </a:r>
             <a:r>
               <a:rPr lang="hu-HU" dirty="0" smtClean="0"/>
@@ -5988,35 +5992,11 @@
             </a:r>
             <a:r>
               <a:rPr lang="hu-HU" dirty="0" smtClean="0"/>
-              <a:t> </a:t>
-            </a:r>
-            <a:r>
-              <a:rPr lang="hu-HU" dirty="0" err="1" smtClean="0"/>
-              <a:t>once</a:t>
-            </a:r>
-            <a:r>
-              <a:rPr lang="hu-HU" dirty="0" smtClean="0"/>
-              <a:t>, </a:t>
-            </a:r>
-            <a:r>
-              <a:rPr lang="hu-HU" dirty="0" err="1" smtClean="0"/>
-              <a:t>doesn’t</a:t>
-            </a:r>
-            <a:r>
-              <a:rPr lang="hu-HU" dirty="0" smtClean="0"/>
-              <a:t> show </a:t>
-            </a:r>
-            <a:r>
-              <a:rPr lang="hu-HU" dirty="0" err="1" smtClean="0"/>
-              <a:t>the</a:t>
-            </a:r>
-            <a:r>
-              <a:rPr lang="hu-HU" dirty="0" smtClean="0"/>
-              <a:t> </a:t>
-            </a:r>
-            <a:r>
-              <a:rPr lang="hu-HU" dirty="0" err="1" smtClean="0"/>
-              <a:t>duplicates</a:t>
+              <a:t> is in a </a:t>
+            </a:r>
+            <a:r>
+              <a:rPr lang="hu-HU" dirty="0" err="1" smtClean="0"/>
+              <a:t>collum</a:t>
             </a:r>
             <a:endParaRPr lang="hu-HU" dirty="0" smtClean="0"/>
           </a:p>
@@ -6026,12 +6006,24 @@
               <a:t>Example</a:t>
             </a:r>
             <a:r>
-              <a:rPr lang="hu-HU" dirty="0" smtClean="0"/>
+              <a:rPr lang="hu-HU" dirty="0"/>
               <a:t>(</a:t>
             </a:r>
             <a:r>
+              <a:rPr lang="en-US" dirty="0" smtClean="0"/>
+              <a:t>select </a:t>
+            </a:r>
+            <a:r>
               <a:rPr lang="en-US" dirty="0"/>
-              <a:t>select distinct City from Customers</a:t>
+              <a:t>count </a:t>
+            </a:r>
+            <a:r>
+              <a:rPr lang="en-US" dirty="0" smtClean="0"/>
+              <a:t>City </a:t>
+            </a:r>
+            <a:r>
+              <a:rPr lang="en-US" dirty="0"/>
+              <a:t>from Customers</a:t>
             </a:r>
             <a:r>
               <a:rPr lang="en-US" dirty="0" smtClean="0"/>
@@ -6041,14 +6033,152 @@
               <a:rPr lang="hu-HU" dirty="0" smtClean="0"/>
               <a:t>)</a:t>
             </a:r>
-            <a:endParaRPr lang="hu-HU" dirty="0"/>
-          </a:p>
-        </p:txBody>
-      </p:sp>
+          </a:p>
+          <a:p>
+            <a:r>
+              <a:rPr lang="hu-HU" dirty="0" err="1" smtClean="0"/>
+              <a:t>You</a:t>
+            </a:r>
+            <a:r>
+              <a:rPr lang="hu-HU" dirty="0" smtClean="0"/>
+              <a:t> </a:t>
+            </a:r>
+            <a:r>
+              <a:rPr lang="hu-HU" dirty="0" err="1" smtClean="0"/>
+              <a:t>can</a:t>
+            </a:r>
+            <a:r>
+              <a:rPr lang="hu-HU" dirty="0" smtClean="0"/>
+              <a:t> </a:t>
+            </a:r>
+            <a:r>
+              <a:rPr lang="hu-HU" dirty="0" err="1" smtClean="0"/>
+              <a:t>also</a:t>
+            </a:r>
+            <a:r>
+              <a:rPr lang="hu-HU" dirty="0" smtClean="0"/>
+              <a:t> </a:t>
+            </a:r>
+            <a:r>
+              <a:rPr lang="hu-HU" dirty="0" err="1" smtClean="0"/>
+              <a:t>use</a:t>
+            </a:r>
+            <a:r>
+              <a:rPr lang="hu-HU" dirty="0" smtClean="0"/>
+              <a:t> </a:t>
+            </a:r>
+            <a:r>
+              <a:rPr lang="hu-HU" dirty="0" err="1" smtClean="0"/>
+              <a:t>distinct</a:t>
+            </a:r>
+            <a:r>
+              <a:rPr lang="hu-HU" dirty="0" smtClean="0"/>
+              <a:t> here </a:t>
+            </a:r>
+            <a:r>
+              <a:rPr lang="hu-HU" dirty="0" err="1" smtClean="0"/>
+              <a:t>to</a:t>
+            </a:r>
+            <a:r>
+              <a:rPr lang="hu-HU" dirty="0" smtClean="0"/>
+              <a:t> </a:t>
+            </a:r>
+            <a:r>
+              <a:rPr lang="hu-HU" dirty="0" err="1" smtClean="0"/>
+              <a:t>only</a:t>
+            </a:r>
+            <a:r>
+              <a:rPr lang="hu-HU" dirty="0" smtClean="0"/>
+              <a:t> </a:t>
+            </a:r>
+            <a:r>
+              <a:rPr lang="hu-HU" dirty="0" err="1" smtClean="0"/>
+              <a:t>count</a:t>
+            </a:r>
+            <a:r>
+              <a:rPr lang="hu-HU" dirty="0" smtClean="0"/>
+              <a:t> </a:t>
+            </a:r>
+            <a:r>
+              <a:rPr lang="hu-HU" dirty="0" err="1" smtClean="0"/>
+              <a:t>each</a:t>
+            </a:r>
+            <a:r>
+              <a:rPr lang="hu-HU" dirty="0" smtClean="0"/>
+              <a:t> </a:t>
+            </a:r>
+            <a:r>
+              <a:rPr lang="hu-HU" dirty="0" err="1" smtClean="0"/>
+              <a:t>data</a:t>
+            </a:r>
+            <a:r>
+              <a:rPr lang="hu-HU" dirty="0" smtClean="0"/>
+              <a:t> </a:t>
+            </a:r>
+            <a:r>
+              <a:rPr lang="hu-HU" dirty="0" err="1" smtClean="0"/>
+              <a:t>once</a:t>
+            </a:r>
+            <a:endParaRPr lang="hu-HU" dirty="0" smtClean="0"/>
+          </a:p>
+          <a:p>
+            <a:r>
+              <a:rPr lang="hu-HU" dirty="0" err="1" smtClean="0"/>
+              <a:t>Example</a:t>
+            </a:r>
+            <a:r>
+              <a:rPr lang="hu-HU" dirty="0" smtClean="0"/>
+              <a:t>(</a:t>
+            </a:r>
+            <a:r>
+              <a:rPr lang="en-US" dirty="0"/>
+              <a:t>select count (distinct City) from Customers</a:t>
+            </a:r>
+            <a:r>
+              <a:rPr lang="en-US" dirty="0" smtClean="0"/>
+              <a:t>;</a:t>
+            </a:r>
+            <a:r>
+              <a:rPr lang="hu-HU" dirty="0" smtClean="0"/>
+              <a:t>)</a:t>
+            </a:r>
+          </a:p>
+        </p:txBody>
+      </p:sp>
+      <p:pic>
+        <p:nvPicPr>
+          <p:cNvPr id="4" name="Picture 3"/>
+          <p:cNvPicPr>
+            <a:picLocks noChangeAspect="1"/>
+          </p:cNvPicPr>
+          <p:nvPr/>
+        </p:nvPicPr>
+        <p:blipFill>
+          <a:blip r:embed="rId2">
+            <a:extLst>
+              <a:ext uri="{28A0092B-C50C-407E-A947-70E740481C1C}">
+                <a14:useLocalDpi xmlns:a14="http://schemas.microsoft.com/office/drawing/2010/main" val="0"/>
+              </a:ext>
+            </a:extLst>
+          </a:blip>
+          <a:stretch>
+            <a:fillRect/>
+          </a:stretch>
+        </p:blipFill>
+        <p:spPr>
+          <a:xfrm>
+            <a:off x="5883337" y="1103755"/>
+            <a:ext cx="6144482" cy="5249008"/>
+          </a:xfrm>
+          <a:prstGeom prst="rect">
+            <a:avLst/>
+          </a:prstGeom>
+        </p:spPr>
+      </p:pic>
     </p:spTree>
     <p:extLst>
       <p:ext uri="{BB962C8B-B14F-4D97-AF65-F5344CB8AC3E}">
-        <p14:creationId xmlns:p14="http://schemas.microsoft.com/office/powerpoint/2010/main" val="2734845446"/>
+        <p14:creationId xmlns:p14="http://schemas.microsoft.com/office/powerpoint/2010/main" val="2737245793"/>
       </p:ext>
     </p:extLst>
   </p:cSld>
@@ -6092,7 +6222,15 @@
           <a:p>
             <a:r>
               <a:rPr lang="hu-HU" dirty="0" err="1" smtClean="0"/>
-              <a:t>Count</a:t>
+              <a:t>Order</a:t>
+            </a:r>
+            <a:r>
+              <a:rPr lang="hu-HU" dirty="0" smtClean="0"/>
+              <a:t> </a:t>
+            </a:r>
+            <a:r>
+              <a:rPr lang="hu-HU" dirty="0" err="1" smtClean="0"/>
+              <a:t>by</a:t>
             </a:r>
             <a:endParaRPr lang="hu-HU" dirty="0"/>
           </a:p>
@@ -6108,9 +6246,16 @@
             <p:ph idx="1"/>
           </p:nvPr>
         </p:nvSpPr>
-        <p:spPr/>
-        <p:txBody>
-          <a:bodyPr/>
+        <p:spPr>
+          <a:xfrm>
+            <a:off x="685802" y="2142067"/>
+            <a:ext cx="5224548" cy="3649133"/>
+          </a:xfrm>
+        </p:spPr>
+        <p:txBody>
+          <a:bodyPr>
+            <a:normAutofit fontScale="85000" lnSpcReduction="10000"/>
+          </a:bodyPr>
           <a:lstStyle/>
           <a:p>
             <a:r>
@@ -6119,26 +6264,18 @@
             </a:r>
             <a:r>
               <a:rPr lang="hu-HU" dirty="0" err="1" smtClean="0"/>
-              <a:t>counts</a:t>
-            </a:r>
-            <a:r>
-              <a:rPr lang="hu-HU" dirty="0" smtClean="0"/>
-              <a:t> </a:t>
-            </a:r>
-            <a:r>
-              <a:rPr lang="hu-HU" dirty="0" err="1" smtClean="0"/>
-              <a:t>how</a:t>
-            </a:r>
-            <a:r>
-              <a:rPr lang="hu-HU" dirty="0" smtClean="0"/>
-              <a:t> </a:t>
-            </a:r>
-            <a:r>
-              <a:rPr lang="hu-HU" dirty="0" err="1" smtClean="0"/>
-              <a:t>many</a:t>
-            </a:r>
-            <a:r>
-              <a:rPr lang="hu-HU" dirty="0" smtClean="0"/>
+              <a:t>makes</a:t>
+            </a:r>
+            <a:r>
+              <a:rPr lang="hu-HU" dirty="0" smtClean="0"/>
+              <a:t> </a:t>
+            </a:r>
+            <a:r>
+              <a:rPr lang="hu-HU" dirty="0" err="1" smtClean="0"/>
+              <a:t>the</a:t>
+            </a:r>
+            <a:r>
+              <a:rPr lang="hu-HU" dirty="0"/>
               <a:t> </a:t>
             </a:r>
             <a:r>
@@ -6147,11 +6284,27 @@
             </a:r>
             <a:r>
               <a:rPr lang="hu-HU" dirty="0" smtClean="0"/>
-              <a:t> is in a </a:t>
-            </a:r>
-            <a:r>
-              <a:rPr lang="hu-HU" dirty="0" err="1" smtClean="0"/>
-              <a:t>collum</a:t>
+              <a:t> </a:t>
+            </a:r>
+            <a:r>
+              <a:rPr lang="hu-HU" dirty="0" err="1" smtClean="0"/>
+              <a:t>return</a:t>
+            </a:r>
+            <a:r>
+              <a:rPr lang="hu-HU" dirty="0" smtClean="0"/>
+              <a:t> a </a:t>
+            </a:r>
+            <a:r>
+              <a:rPr lang="hu-HU" dirty="0" err="1" smtClean="0"/>
+              <a:t>specific</a:t>
+            </a:r>
+            <a:r>
+              <a:rPr lang="hu-HU" dirty="0" smtClean="0"/>
+              <a:t> </a:t>
+            </a:r>
+            <a:r>
+              <a:rPr lang="hu-HU" dirty="0" err="1" smtClean="0"/>
+              <a:t>order</a:t>
             </a:r>
             <a:endParaRPr lang="hu-HU" dirty="0" smtClean="0"/>
           </a:p>
@@ -6161,8 +6314,226 @@
               <a:t>Example</a:t>
             </a:r>
             <a:r>
-              <a:rPr lang="hu-HU" dirty="0"/>
+              <a:rPr lang="hu-HU" dirty="0" smtClean="0"/>
               <a:t>(</a:t>
+            </a:r>
+            <a:r>
+              <a:rPr lang="en-US" dirty="0"/>
+              <a:t>select distinct Country from Customers order by Country</a:t>
+            </a:r>
+            <a:r>
+              <a:rPr lang="en-US" dirty="0" smtClean="0"/>
+              <a:t>;</a:t>
+            </a:r>
+            <a:r>
+              <a:rPr lang="hu-HU" dirty="0" smtClean="0"/>
+              <a:t>)</a:t>
+            </a:r>
+          </a:p>
+          <a:p>
+            <a:r>
+              <a:rPr lang="hu-HU" dirty="0" err="1" smtClean="0"/>
+              <a:t>You</a:t>
+            </a:r>
+            <a:r>
+              <a:rPr lang="hu-HU" dirty="0" smtClean="0"/>
+              <a:t> </a:t>
+            </a:r>
+            <a:r>
+              <a:rPr lang="hu-HU" dirty="0" err="1" smtClean="0"/>
+              <a:t>can</a:t>
+            </a:r>
+            <a:r>
+              <a:rPr lang="hu-HU" dirty="0" smtClean="0"/>
+              <a:t> </a:t>
+            </a:r>
+            <a:r>
+              <a:rPr lang="hu-HU" dirty="0" err="1" smtClean="0"/>
+              <a:t>also</a:t>
+            </a:r>
+            <a:r>
+              <a:rPr lang="hu-HU" dirty="0" smtClean="0"/>
+              <a:t> </a:t>
+            </a:r>
+            <a:r>
+              <a:rPr lang="hu-HU" dirty="0" err="1" smtClean="0"/>
+              <a:t>make</a:t>
+            </a:r>
+            <a:r>
+              <a:rPr lang="hu-HU" dirty="0" smtClean="0"/>
+              <a:t> it </a:t>
+            </a:r>
+            <a:r>
+              <a:rPr lang="hu-HU" dirty="0" err="1" smtClean="0"/>
+              <a:t>exclude</a:t>
+            </a:r>
+            <a:r>
+              <a:rPr lang="hu-HU" dirty="0" smtClean="0"/>
+              <a:t> </a:t>
+            </a:r>
+            <a:r>
+              <a:rPr lang="hu-HU" dirty="0" err="1" smtClean="0"/>
+              <a:t>the</a:t>
+            </a:r>
+            <a:r>
+              <a:rPr lang="hu-HU" dirty="0" smtClean="0"/>
+              <a:t> </a:t>
+            </a:r>
+            <a:r>
+              <a:rPr lang="hu-HU" dirty="0" err="1" smtClean="0"/>
+              <a:t>ones</a:t>
+            </a:r>
+            <a:r>
+              <a:rPr lang="hu-HU" dirty="0" smtClean="0"/>
+              <a:t> </a:t>
+            </a:r>
+            <a:r>
+              <a:rPr lang="hu-HU" dirty="0" err="1" smtClean="0"/>
+              <a:t>where</a:t>
+            </a:r>
+            <a:r>
+              <a:rPr lang="hu-HU" dirty="0" smtClean="0"/>
+              <a:t> </a:t>
+            </a:r>
+            <a:r>
+              <a:rPr lang="hu-HU" dirty="0" err="1" smtClean="0"/>
+              <a:t>the</a:t>
+            </a:r>
+            <a:r>
+              <a:rPr lang="hu-HU" dirty="0" smtClean="0"/>
+              <a:t> </a:t>
+            </a:r>
+            <a:r>
+              <a:rPr lang="hu-HU" dirty="0" err="1" smtClean="0"/>
+              <a:t>value</a:t>
+            </a:r>
+            <a:r>
+              <a:rPr lang="hu-HU" dirty="0" smtClean="0"/>
+              <a:t> is null </a:t>
+            </a:r>
+            <a:r>
+              <a:rPr lang="hu-HU" dirty="0" err="1" smtClean="0"/>
+              <a:t>or</a:t>
+            </a:r>
+            <a:r>
+              <a:rPr lang="hu-HU" dirty="0" smtClean="0"/>
+              <a:t> show </a:t>
+            </a:r>
+            <a:r>
+              <a:rPr lang="hu-HU" dirty="0" err="1" smtClean="0"/>
+              <a:t>onnly</a:t>
+            </a:r>
+            <a:r>
+              <a:rPr lang="hu-HU" dirty="0" smtClean="0"/>
+              <a:t> </a:t>
+            </a:r>
+            <a:r>
+              <a:rPr lang="hu-HU" dirty="0" err="1" smtClean="0"/>
+              <a:t>the</a:t>
+            </a:r>
+            <a:r>
+              <a:rPr lang="hu-HU" dirty="0" smtClean="0"/>
+              <a:t> </a:t>
+            </a:r>
+            <a:r>
+              <a:rPr lang="hu-HU" dirty="0" err="1" smtClean="0"/>
+              <a:t>ones</a:t>
+            </a:r>
+            <a:r>
+              <a:rPr lang="hu-HU" dirty="0" smtClean="0"/>
+              <a:t> </a:t>
+            </a:r>
+            <a:r>
+              <a:rPr lang="hu-HU" dirty="0" err="1" smtClean="0"/>
+              <a:t>with</a:t>
+            </a:r>
+            <a:r>
+              <a:rPr lang="hu-HU" dirty="0" smtClean="0"/>
+              <a:t> null </a:t>
+            </a:r>
+            <a:r>
+              <a:rPr lang="hu-HU" dirty="0" err="1" smtClean="0"/>
+              <a:t>value</a:t>
+            </a:r>
+            <a:r>
+              <a:rPr lang="hu-HU" dirty="0" smtClean="0"/>
+              <a:t> and </a:t>
+            </a:r>
+            <a:r>
+              <a:rPr lang="hu-HU" dirty="0" err="1" smtClean="0"/>
+              <a:t>also</a:t>
+            </a:r>
+            <a:r>
+              <a:rPr lang="hu-HU" dirty="0" smtClean="0"/>
+              <a:t> </a:t>
+            </a:r>
+            <a:r>
+              <a:rPr lang="hu-HU" dirty="0" err="1" smtClean="0"/>
+              <a:t>make</a:t>
+            </a:r>
+            <a:r>
+              <a:rPr lang="hu-HU" dirty="0" smtClean="0"/>
+              <a:t> </a:t>
+            </a:r>
+            <a:r>
+              <a:rPr lang="hu-HU" dirty="0" err="1" smtClean="0"/>
+              <a:t>them</a:t>
+            </a:r>
+            <a:r>
+              <a:rPr lang="hu-HU" dirty="0" smtClean="0"/>
+              <a:t> in a </a:t>
+            </a:r>
+            <a:r>
+              <a:rPr lang="hu-HU" dirty="0" err="1" smtClean="0"/>
+              <a:t>ascending</a:t>
+            </a:r>
+            <a:r>
+              <a:rPr lang="hu-HU" dirty="0" smtClean="0"/>
+              <a:t> </a:t>
+            </a:r>
+            <a:r>
+              <a:rPr lang="hu-HU" dirty="0" err="1" smtClean="0"/>
+              <a:t>or</a:t>
+            </a:r>
+            <a:r>
+              <a:rPr lang="hu-HU" dirty="0" smtClean="0"/>
+              <a:t> </a:t>
+            </a:r>
+            <a:r>
+              <a:rPr lang="hu-HU" dirty="0" err="1" smtClean="0"/>
+              <a:t>descanding</a:t>
+            </a:r>
+            <a:r>
+              <a:rPr lang="hu-HU" dirty="0" smtClean="0"/>
+              <a:t> </a:t>
+            </a:r>
+            <a:r>
+              <a:rPr lang="hu-HU" dirty="0" err="1" smtClean="0"/>
+              <a:t>order</a:t>
+            </a:r>
+            <a:endParaRPr lang="hu-HU" dirty="0" smtClean="0"/>
+          </a:p>
+          <a:p>
+            <a:r>
+              <a:rPr lang="hu-HU" dirty="0" err="1" smtClean="0"/>
+              <a:t>Example</a:t>
+            </a:r>
+            <a:r>
+              <a:rPr lang="hu-HU" dirty="0" smtClean="0"/>
+              <a:t>(</a:t>
+            </a:r>
+            <a:r>
+              <a:rPr lang="en-US" dirty="0"/>
+              <a:t>select distinct Country from Customers where Country not null order by Country;</a:t>
+            </a:r>
+          </a:p>
+          <a:p>
+            <a:pPr marL="0" indent="0">
+              <a:buNone/>
+            </a:pPr>
+            <a:r>
+              <a:rPr lang="hu-HU" dirty="0" smtClean="0"/>
+              <a:t>	</a:t>
             </a:r>
             <a:r>
               <a:rPr lang="en-US" dirty="0" smtClean="0"/>
@@ -6170,15 +6541,57 @@
             </a:r>
             <a:r>
               <a:rPr lang="en-US" dirty="0"/>
-              <a:t>count </a:t>
+              <a:t>distinct Country from Customers where Country not null order by Country </a:t>
+            </a:r>
+            <a:r>
+              <a:rPr lang="en-US" dirty="0" err="1"/>
+              <a:t>asc</a:t>
+            </a:r>
+            <a:r>
+              <a:rPr lang="en-US" dirty="0"/>
+              <a:t>;</a:t>
+            </a:r>
+          </a:p>
+          <a:p>
+            <a:pPr marL="0" indent="0">
+              <a:buNone/>
+            </a:pPr>
+            <a:r>
+              <a:rPr lang="hu-HU" dirty="0" smtClean="0"/>
+              <a:t>	</a:t>
             </a:r>
             <a:r>
               <a:rPr lang="en-US" dirty="0" smtClean="0"/>
-              <a:t>City </a:t>
+              <a:t>select </a:t>
             </a:r>
             <a:r>
               <a:rPr lang="en-US" dirty="0"/>
-              <a:t>from Customers</a:t>
+              <a:t>distinct Country from Customers where Country not null order by Country </a:t>
+            </a:r>
+            <a:r>
+              <a:rPr lang="en-US" dirty="0" err="1"/>
+              <a:t>desc</a:t>
+            </a:r>
+            <a:r>
+              <a:rPr lang="en-US" dirty="0"/>
+              <a:t>;</a:t>
+            </a:r>
+          </a:p>
+          <a:p>
+            <a:pPr marL="0" indent="0">
+              <a:buNone/>
+            </a:pPr>
+            <a:r>
+              <a:rPr lang="hu-HU" dirty="0" smtClean="0"/>
+              <a:t>	</a:t>
+            </a:r>
+            <a:r>
+              <a:rPr lang="en-US" dirty="0" smtClean="0"/>
+              <a:t>select </a:t>
+            </a:r>
+            <a:r>
+              <a:rPr lang="en-US" dirty="0"/>
+              <a:t>* from Customers where Country is null</a:t>
             </a:r>
             <a:r>
               <a:rPr lang="en-US" dirty="0" smtClean="0"/>
@@ -6189,121 +6602,42 @@
               <a:t>)</a:t>
             </a:r>
           </a:p>
-          <a:p>
-            <a:r>
-              <a:rPr lang="hu-HU" dirty="0" err="1" smtClean="0"/>
-              <a:t>You</a:t>
-            </a:r>
-            <a:r>
-              <a:rPr lang="hu-HU" dirty="0" smtClean="0"/>
-              <a:t> </a:t>
-            </a:r>
-            <a:r>
-              <a:rPr lang="hu-HU" dirty="0" err="1" smtClean="0"/>
-              <a:t>can</a:t>
-            </a:r>
-            <a:r>
-              <a:rPr lang="hu-HU" dirty="0" smtClean="0"/>
-              <a:t> </a:t>
-            </a:r>
-            <a:r>
-              <a:rPr lang="hu-HU" dirty="0" err="1" smtClean="0"/>
-              <a:t>also</a:t>
-            </a:r>
-            <a:r>
-              <a:rPr lang="hu-HU" dirty="0" smtClean="0"/>
-              <a:t> </a:t>
-            </a:r>
-            <a:r>
-              <a:rPr lang="hu-HU" dirty="0" err="1" smtClean="0"/>
-              <a:t>use</a:t>
-            </a:r>
-            <a:r>
-              <a:rPr lang="hu-HU" dirty="0" smtClean="0"/>
-              <a:t> </a:t>
-            </a:r>
-            <a:r>
-              <a:rPr lang="hu-HU" dirty="0" err="1" smtClean="0"/>
-              <a:t>distinct</a:t>
-            </a:r>
-            <a:r>
-              <a:rPr lang="hu-HU" dirty="0" smtClean="0"/>
-              <a:t> here </a:t>
-            </a:r>
-            <a:r>
-              <a:rPr lang="hu-HU" dirty="0" err="1" smtClean="0"/>
-              <a:t>to</a:t>
-            </a:r>
-            <a:r>
-              <a:rPr lang="hu-HU" dirty="0" smtClean="0"/>
-              <a:t> </a:t>
-            </a:r>
-            <a:r>
-              <a:rPr lang="hu-HU" dirty="0" err="1" smtClean="0"/>
-              <a:t>only</a:t>
-            </a:r>
-            <a:r>
-              <a:rPr lang="hu-HU" dirty="0" smtClean="0"/>
-              <a:t> </a:t>
-            </a:r>
-            <a:r>
-              <a:rPr lang="hu-HU" dirty="0" err="1" smtClean="0"/>
-              <a:t>count</a:t>
-            </a:r>
-            <a:r>
-              <a:rPr lang="hu-HU" dirty="0" smtClean="0"/>
-              <a:t> </a:t>
-            </a:r>
-            <a:r>
-              <a:rPr lang="hu-HU" dirty="0" err="1" smtClean="0"/>
-              <a:t>each</a:t>
-            </a:r>
-            <a:r>
-              <a:rPr lang="hu-HU" dirty="0" smtClean="0"/>
-              <a:t> </a:t>
-            </a:r>
-            <a:r>
-              <a:rPr lang="hu-HU" dirty="0" err="1" smtClean="0"/>
-              <a:t>data</a:t>
-            </a:r>
-            <a:r>
-              <a:rPr lang="hu-HU" dirty="0" smtClean="0"/>
-              <a:t> </a:t>
-            </a:r>
-            <a:r>
-              <a:rPr lang="hu-HU" dirty="0" err="1" smtClean="0"/>
-              <a:t>once</a:t>
-            </a:r>
-            <a:endParaRPr lang="hu-HU" dirty="0" smtClean="0"/>
-          </a:p>
-          <a:p>
-            <a:r>
-              <a:rPr lang="hu-HU" dirty="0" err="1" smtClean="0"/>
-              <a:t>Example</a:t>
-            </a:r>
-            <a:r>
-              <a:rPr lang="hu-HU" dirty="0" smtClean="0"/>
-              <a:t>(</a:t>
-            </a:r>
-            <a:r>
-              <a:rPr lang="en-US" dirty="0"/>
-              <a:t>select count (distinct City) from Customers</a:t>
-            </a:r>
-            <a:r>
-              <a:rPr lang="en-US" dirty="0" smtClean="0"/>
-              <a:t>;</a:t>
-            </a:r>
-            <a:r>
-              <a:rPr lang="hu-HU" dirty="0" smtClean="0"/>
-              <a:t>)</a:t>
-            </a:r>
-          </a:p>
-        </p:txBody>
-      </p:sp>
+        </p:txBody>
+      </p:sp>
+      <p:pic>
+        <p:nvPicPr>
+          <p:cNvPr id="4" name="Picture 3"/>
+          <p:cNvPicPr>
+            <a:picLocks noChangeAspect="1"/>
+          </p:cNvPicPr>
+          <p:nvPr/>
+        </p:nvPicPr>
+        <p:blipFill>
+          <a:blip r:embed="rId2" cstate="print">
+            <a:extLst>
+              <a:ext uri="{28A0092B-C50C-407E-A947-70E740481C1C}">
+                <a14:useLocalDpi xmlns:a14="http://schemas.microsoft.com/office/drawing/2010/main" val="0"/>
+              </a:ext>
+            </a:extLst>
+          </a:blip>
+          <a:stretch>
+            <a:fillRect/>
+          </a:stretch>
+        </p:blipFill>
+        <p:spPr>
+          <a:xfrm>
+            <a:off x="6064498" y="2065867"/>
+            <a:ext cx="6119587" cy="3453783"/>
+          </a:xfrm>
+          <a:prstGeom prst="rect">
+            <a:avLst/>
+          </a:prstGeom>
+        </p:spPr>
+      </p:pic>
     </p:spTree>
     <p:extLst>
       <p:ext uri="{BB962C8B-B14F-4D97-AF65-F5344CB8AC3E}">
-        <p14:creationId xmlns:p14="http://schemas.microsoft.com/office/powerpoint/2010/main" val="2737245793"/>
+        <p14:creationId xmlns:p14="http://schemas.microsoft.com/office/powerpoint/2010/main" val="2327985712"/>
       </p:ext>
     </p:extLst>
   </p:cSld>
@@ -6346,16 +6680,8 @@
           <a:lstStyle/>
           <a:p>
             <a:r>
-              <a:rPr lang="hu-HU" dirty="0" err="1" smtClean="0"/>
-              <a:t>Order</a:t>
-            </a:r>
-            <a:r>
-              <a:rPr lang="hu-HU" dirty="0" smtClean="0"/>
-              <a:t> </a:t>
-            </a:r>
-            <a:r>
-              <a:rPr lang="hu-HU" dirty="0" err="1" smtClean="0"/>
-              <a:t>by</a:t>
+              <a:rPr lang="hu-HU" dirty="0" smtClean="0"/>
+              <a:t>limit</a:t>
             </a:r>
             <a:endParaRPr lang="hu-HU" dirty="0"/>
           </a:p>
@@ -6371,7 +6697,12 @@
             <p:ph idx="1"/>
           </p:nvPr>
         </p:nvSpPr>
-        <p:spPr/>
+        <p:spPr>
+          <a:xfrm>
+            <a:off x="685801" y="2142067"/>
+            <a:ext cx="3977639" cy="3649133"/>
+          </a:xfrm>
+        </p:spPr>
         <p:txBody>
           <a:bodyPr/>
           <a:lstStyle/>
@@ -6382,7 +6713,7 @@
             </a:r>
             <a:r>
               <a:rPr lang="hu-HU" dirty="0" err="1" smtClean="0"/>
-              <a:t>makes</a:t>
+              <a:t>limits</a:t>
             </a:r>
             <a:r>
               <a:rPr lang="hu-HU" dirty="0" smtClean="0"/>
@@ -6393,38 +6724,38 @@
               <a:t>the</a:t>
             </a:r>
             <a:r>
-              <a:rPr lang="hu-HU" dirty="0"/>
+              <a:rPr lang="hu-HU" dirty="0" smtClean="0"/>
+              <a:t> </a:t>
+            </a:r>
+            <a:r>
+              <a:rPr lang="hu-HU" dirty="0" err="1" smtClean="0"/>
+              <a:t>number</a:t>
+            </a:r>
+            <a:r>
+              <a:rPr lang="hu-HU" dirty="0" smtClean="0"/>
+              <a:t> of </a:t>
+            </a:r>
+            <a:r>
+              <a:rPr lang="hu-HU" dirty="0" err="1" smtClean="0"/>
+              <a:t>the</a:t>
+            </a:r>
+            <a:r>
+              <a:rPr lang="hu-HU" dirty="0" smtClean="0"/>
+              <a:t> </a:t>
+            </a:r>
+            <a:r>
+              <a:rPr lang="hu-HU" dirty="0" err="1" smtClean="0"/>
+              <a:t>returned</a:t>
+            </a:r>
+            <a:r>
+              <a:rPr lang="hu-HU" dirty="0" smtClean="0"/>
               <a:t> </a:t>
             </a:r>
             <a:r>
               <a:rPr lang="hu-HU" dirty="0" err="1" smtClean="0"/>
               <a:t>data</a:t>
             </a:r>
-            <a:r>
-              <a:rPr lang="hu-HU" dirty="0" smtClean="0"/>
-              <a:t> </a:t>
-            </a:r>
-            <a:r>
-              <a:rPr lang="hu-HU" dirty="0" err="1" smtClean="0"/>
-              <a:t>return</a:t>
-            </a:r>
-            <a:r>
-              <a:rPr lang="hu-HU" dirty="0" smtClean="0"/>
-              <a:t> a </a:t>
-            </a:r>
-            <a:r>
-              <a:rPr lang="hu-HU" dirty="0" err="1" smtClean="0"/>
-              <a:t>specific</a:t>
-            </a:r>
-            <a:r>
-              <a:rPr lang="hu-HU" dirty="0" smtClean="0"/>
-              <a:t> </a:t>
-            </a:r>
-            <a:r>
-              <a:rPr lang="hu-HU" dirty="0" err="1" smtClean="0"/>
-              <a:t>order</a:t>
-            </a:r>
-            <a:endParaRPr lang="hu-HU" dirty="0" smtClean="0"/>
+            <a:endParaRPr lang="hu-HU" dirty="0"/>
           </a:p>
           <a:p>
             <a:r>
@@ -6437,7 +6768,15 @@
             </a:r>
             <a:r>
               <a:rPr lang="en-US" dirty="0"/>
-              <a:t>select distinct Country from Customers order by Country</a:t>
+              <a:t>select distinct Country from Customers where Country not null order by Country </a:t>
+            </a:r>
+            <a:r>
+              <a:rPr lang="en-US" dirty="0" err="1"/>
+              <a:t>desc</a:t>
+            </a:r>
+            <a:r>
+              <a:rPr lang="en-US" dirty="0"/>
+              <a:t> limit 3</a:t>
             </a:r>
             <a:r>
               <a:rPr lang="en-US" dirty="0" smtClean="0"/>
@@ -6447,285 +6786,44 @@
               <a:rPr lang="hu-HU" dirty="0" smtClean="0"/>
               <a:t>)</a:t>
             </a:r>
-          </a:p>
-          <a:p>
-            <a:r>
-              <a:rPr lang="hu-HU" dirty="0" err="1" smtClean="0"/>
-              <a:t>You</a:t>
-            </a:r>
-            <a:r>
-              <a:rPr lang="hu-HU" dirty="0" smtClean="0"/>
-              <a:t> </a:t>
-            </a:r>
-            <a:r>
-              <a:rPr lang="hu-HU" dirty="0" err="1" smtClean="0"/>
-              <a:t>can</a:t>
-            </a:r>
-            <a:r>
-              <a:rPr lang="hu-HU" dirty="0" smtClean="0"/>
-              <a:t> </a:t>
-            </a:r>
-            <a:r>
-              <a:rPr lang="hu-HU" dirty="0" err="1" smtClean="0"/>
-              <a:t>also</a:t>
-            </a:r>
-            <a:r>
-              <a:rPr lang="hu-HU" dirty="0" smtClean="0"/>
-              <a:t> </a:t>
-            </a:r>
-            <a:r>
-              <a:rPr lang="hu-HU" dirty="0" err="1" smtClean="0"/>
-              <a:t>make</a:t>
-            </a:r>
-            <a:r>
-              <a:rPr lang="hu-HU" dirty="0" smtClean="0"/>
-              <a:t> it </a:t>
-            </a:r>
-            <a:r>
-              <a:rPr lang="hu-HU" dirty="0" err="1" smtClean="0"/>
-              <a:t>exclude</a:t>
-            </a:r>
-            <a:r>
-              <a:rPr lang="hu-HU" dirty="0" smtClean="0"/>
-              <a:t> </a:t>
-            </a:r>
-            <a:r>
-              <a:rPr lang="hu-HU" dirty="0" err="1" smtClean="0"/>
-              <a:t>the</a:t>
-            </a:r>
-            <a:r>
-              <a:rPr lang="hu-HU" dirty="0" smtClean="0"/>
-              <a:t> </a:t>
-            </a:r>
-            <a:r>
-              <a:rPr lang="hu-HU" dirty="0" err="1" smtClean="0"/>
-              <a:t>ones</a:t>
-            </a:r>
-            <a:r>
-              <a:rPr lang="hu-HU" dirty="0" smtClean="0"/>
-              <a:t> </a:t>
-            </a:r>
-            <a:r>
-              <a:rPr lang="hu-HU" dirty="0" err="1" smtClean="0"/>
-              <a:t>where</a:t>
-            </a:r>
-            <a:r>
-              <a:rPr lang="hu-HU" dirty="0" smtClean="0"/>
-              <a:t> </a:t>
-            </a:r>
-            <a:r>
-              <a:rPr lang="hu-HU" dirty="0" err="1" smtClean="0"/>
-              <a:t>the</a:t>
-            </a:r>
-            <a:r>
-              <a:rPr lang="hu-HU" dirty="0" smtClean="0"/>
-              <a:t> </a:t>
-            </a:r>
-            <a:r>
-              <a:rPr lang="hu-HU" dirty="0" err="1" smtClean="0"/>
-              <a:t>value</a:t>
-            </a:r>
-            <a:r>
-              <a:rPr lang="hu-HU" dirty="0" smtClean="0"/>
-              <a:t> is null </a:t>
-            </a:r>
-            <a:r>
-              <a:rPr lang="hu-HU" dirty="0" err="1" smtClean="0"/>
-              <a:t>or</a:t>
-            </a:r>
-            <a:r>
-              <a:rPr lang="hu-HU" dirty="0" smtClean="0"/>
-              <a:t> show </a:t>
-            </a:r>
-            <a:r>
-              <a:rPr lang="hu-HU" dirty="0" err="1" smtClean="0"/>
-              <a:t>onnly</a:t>
-            </a:r>
-            <a:r>
-              <a:rPr lang="hu-HU" dirty="0" smtClean="0"/>
-              <a:t> </a:t>
-            </a:r>
-            <a:r>
-              <a:rPr lang="hu-HU" dirty="0" err="1" smtClean="0"/>
-              <a:t>the</a:t>
-            </a:r>
-            <a:r>
-              <a:rPr lang="hu-HU" dirty="0" smtClean="0"/>
-              <a:t> </a:t>
-            </a:r>
-            <a:r>
-              <a:rPr lang="hu-HU" dirty="0" err="1" smtClean="0"/>
-              <a:t>ones</a:t>
-            </a:r>
-            <a:r>
-              <a:rPr lang="hu-HU" dirty="0" smtClean="0"/>
-              <a:t> </a:t>
-            </a:r>
-            <a:r>
-              <a:rPr lang="hu-HU" dirty="0" err="1" smtClean="0"/>
-              <a:t>with</a:t>
-            </a:r>
-            <a:r>
-              <a:rPr lang="hu-HU" dirty="0" smtClean="0"/>
-              <a:t> null </a:t>
-            </a:r>
-            <a:r>
-              <a:rPr lang="hu-HU" dirty="0" err="1" smtClean="0"/>
-              <a:t>value</a:t>
-            </a:r>
-            <a:r>
-              <a:rPr lang="hu-HU" dirty="0" smtClean="0"/>
-              <a:t> and </a:t>
-            </a:r>
-            <a:r>
-              <a:rPr lang="hu-HU" dirty="0" err="1" smtClean="0"/>
-              <a:t>also</a:t>
-            </a:r>
-            <a:r>
-              <a:rPr lang="hu-HU" dirty="0" smtClean="0"/>
-              <a:t> </a:t>
-            </a:r>
-            <a:r>
-              <a:rPr lang="hu-HU" dirty="0" err="1" smtClean="0"/>
-              <a:t>make</a:t>
-            </a:r>
-            <a:r>
-              <a:rPr lang="hu-HU" dirty="0" smtClean="0"/>
-              <a:t> </a:t>
-            </a:r>
-            <a:r>
-              <a:rPr lang="hu-HU" dirty="0" err="1" smtClean="0"/>
-              <a:t>them</a:t>
-            </a:r>
-            <a:r>
-              <a:rPr lang="hu-HU" dirty="0" smtClean="0"/>
-              <a:t> in a </a:t>
-            </a:r>
-            <a:r>
-              <a:rPr lang="hu-HU" dirty="0" err="1" smtClean="0"/>
-              <a:t>ascending</a:t>
-            </a:r>
-            <a:r>
-              <a:rPr lang="hu-HU" dirty="0" smtClean="0"/>
-              <a:t> </a:t>
-            </a:r>
-            <a:r>
-              <a:rPr lang="hu-HU" dirty="0" err="1" smtClean="0"/>
-              <a:t>or</a:t>
-            </a:r>
-            <a:r>
-              <a:rPr lang="hu-HU" dirty="0" smtClean="0"/>
-              <a:t> </a:t>
-            </a:r>
-            <a:r>
-              <a:rPr lang="hu-HU" dirty="0" err="1" smtClean="0"/>
-              <a:t>descanding</a:t>
-            </a:r>
-            <a:r>
-              <a:rPr lang="hu-HU" dirty="0" smtClean="0"/>
-              <a:t> </a:t>
-            </a:r>
-            <a:r>
-              <a:rPr lang="hu-HU" dirty="0" err="1" smtClean="0"/>
-              <a:t>order</a:t>
-            </a:r>
-            <a:endParaRPr lang="hu-HU" dirty="0" smtClean="0"/>
-          </a:p>
-          <a:p>
-            <a:r>
-              <a:rPr lang="hu-HU" dirty="0" err="1" smtClean="0"/>
-              <a:t>Example</a:t>
-            </a:r>
-            <a:r>
-              <a:rPr lang="hu-HU" dirty="0" smtClean="0"/>
-              <a:t>(</a:t>
-            </a:r>
-            <a:r>
-              <a:rPr lang="en-US" dirty="0"/>
-              <a:t>select distinct Country from Customers where Country not null order by Country;</a:t>
-            </a:r>
-          </a:p>
-          <a:p>
-            <a:pPr marL="0" indent="0">
-              <a:buNone/>
-            </a:pPr>
-            <a:r>
-              <a:rPr lang="hu-HU" dirty="0" smtClean="0"/>
-              <a:t>	</a:t>
-            </a:r>
-            <a:r>
-              <a:rPr lang="en-US" dirty="0" smtClean="0"/>
-              <a:t>select </a:t>
-            </a:r>
-            <a:r>
-              <a:rPr lang="en-US" dirty="0"/>
-              <a:t>distinct Country from Customers where Country not null order by Country </a:t>
-            </a:r>
-            <a:r>
-              <a:rPr lang="en-US" dirty="0" err="1"/>
-              <a:t>asc</a:t>
-            </a:r>
-            <a:r>
-              <a:rPr lang="en-US" dirty="0"/>
-              <a:t>;</a:t>
-            </a:r>
-          </a:p>
-          <a:p>
-            <a:pPr marL="0" indent="0">
-              <a:buNone/>
-            </a:pPr>
-            <a:r>
-              <a:rPr lang="hu-HU" dirty="0" smtClean="0"/>
-              <a:t>	</a:t>
-            </a:r>
-            <a:r>
-              <a:rPr lang="en-US" dirty="0" smtClean="0"/>
-              <a:t>select </a:t>
-            </a:r>
-            <a:r>
-              <a:rPr lang="en-US" dirty="0"/>
-              <a:t>distinct Country from Customers where Country not null order by Country </a:t>
-            </a:r>
-            <a:r>
-              <a:rPr lang="en-US" dirty="0" err="1"/>
-              <a:t>desc</a:t>
-            </a:r>
-            <a:r>
-              <a:rPr lang="en-US" dirty="0"/>
-              <a:t>;</a:t>
-            </a:r>
-          </a:p>
-          <a:p>
-            <a:pPr marL="0" indent="0">
-              <a:buNone/>
-            </a:pPr>
-            <a:r>
-              <a:rPr lang="hu-HU" dirty="0" smtClean="0"/>
-              <a:t>	</a:t>
-            </a:r>
-            <a:r>
-              <a:rPr lang="en-US" dirty="0" smtClean="0"/>
-              <a:t>select </a:t>
-            </a:r>
-            <a:r>
-              <a:rPr lang="en-US" dirty="0"/>
-              <a:t>* from Customers where Country is null</a:t>
-            </a:r>
-            <a:r>
-              <a:rPr lang="en-US" dirty="0" smtClean="0"/>
-              <a:t>;</a:t>
-            </a:r>
-            <a:r>
-              <a:rPr lang="hu-HU" dirty="0" smtClean="0"/>
-              <a:t>)</a:t>
-            </a:r>
-          </a:p>
-        </p:txBody>
-      </p:sp>
+            <a:endParaRPr lang="hu-HU" dirty="0"/>
+          </a:p>
+        </p:txBody>
+      </p:sp>
+      <p:pic>
+        <p:nvPicPr>
+          <p:cNvPr id="4" name="Picture 3"/>
+          <p:cNvPicPr>
+            <a:picLocks noChangeAspect="1"/>
+          </p:cNvPicPr>
+          <p:nvPr/>
+        </p:nvPicPr>
+        <p:blipFill>
+          <a:blip r:embed="rId2">
+            <a:extLst>
+              <a:ext uri="{28A0092B-C50C-407E-A947-70E740481C1C}">
+                <a14:useLocalDpi xmlns:a14="http://schemas.microsoft.com/office/drawing/2010/main" val="0"/>
+              </a:ext>
+            </a:extLst>
+          </a:blip>
+          <a:stretch>
+            <a:fillRect/>
+          </a:stretch>
+        </p:blipFill>
+        <p:spPr>
+          <a:xfrm>
+            <a:off x="4663440" y="852556"/>
+            <a:ext cx="7528560" cy="5349728"/>
+          </a:xfrm>
+          <a:prstGeom prst="rect">
+            <a:avLst/>
+          </a:prstGeom>
+        </p:spPr>
+      </p:pic>
     </p:spTree>
     <p:extLst>
       <p:ext uri="{BB962C8B-B14F-4D97-AF65-F5344CB8AC3E}">
-        <p14:creationId xmlns:p14="http://schemas.microsoft.com/office/powerpoint/2010/main" val="2327985712"/>
+        <p14:creationId xmlns:p14="http://schemas.microsoft.com/office/powerpoint/2010/main" val="1495555386"/>
       </p:ext>
     </p:extLst>
   </p:cSld>
@@ -6769,7 +6867,7 @@
           <a:p>
             <a:r>
               <a:rPr lang="hu-HU" dirty="0" smtClean="0"/>
-              <a:t>limit</a:t>
+              <a:t>In</a:t>
             </a:r>
             <a:endParaRPr lang="hu-HU" dirty="0"/>
           </a:p>
@@ -6785,7 +6883,12 @@
             <p:ph idx="1"/>
           </p:nvPr>
         </p:nvSpPr>
-        <p:spPr/>
+        <p:spPr>
+          <a:xfrm>
+            <a:off x="685801" y="2142067"/>
+            <a:ext cx="4202083" cy="3649133"/>
+          </a:xfrm>
+        </p:spPr>
         <p:txBody>
           <a:bodyPr/>
           <a:lstStyle/>
@@ -6796,7 +6899,23 @@
             </a:r>
             <a:r>
               <a:rPr lang="hu-HU" dirty="0" err="1" smtClean="0"/>
-              <a:t>limits</a:t>
+              <a:t>returns</a:t>
+            </a:r>
+            <a:r>
+              <a:rPr lang="hu-HU" dirty="0" smtClean="0"/>
+              <a:t> </a:t>
+            </a:r>
+            <a:r>
+              <a:rPr lang="hu-HU" dirty="0" err="1" smtClean="0"/>
+              <a:t>data</a:t>
+            </a:r>
+            <a:r>
+              <a:rPr lang="hu-HU" dirty="0" smtClean="0"/>
+              <a:t> </a:t>
+            </a:r>
+            <a:r>
+              <a:rPr lang="hu-HU" dirty="0" err="1" smtClean="0"/>
+              <a:t>where</a:t>
             </a:r>
             <a:r>
               <a:rPr lang="hu-HU" dirty="0" smtClean="0"/>
@@ -6812,11 +6931,112 @@
             </a:r>
             <a:r>
               <a:rPr lang="hu-HU" dirty="0" err="1" smtClean="0"/>
-              <a:t>number</a:t>
-            </a:r>
-            <a:r>
-              <a:rPr lang="hu-HU" dirty="0" smtClean="0"/>
-              <a:t> of </a:t>
+              <a:t>values</a:t>
+            </a:r>
+            <a:r>
+              <a:rPr lang="hu-HU" dirty="0"/>
+              <a:t> </a:t>
+            </a:r>
+            <a:r>
+              <a:rPr lang="hu-HU" dirty="0" err="1" smtClean="0"/>
+              <a:t>mach</a:t>
+            </a:r>
+            <a:endParaRPr lang="hu-HU" dirty="0"/>
+          </a:p>
+          <a:p>
+            <a:r>
+              <a:rPr lang="hu-HU" dirty="0" err="1" smtClean="0"/>
+              <a:t>Example</a:t>
+            </a:r>
+            <a:r>
+              <a:rPr lang="hu-HU" dirty="0" smtClean="0"/>
+              <a:t>(</a:t>
+            </a:r>
+            <a:r>
+              <a:rPr lang="en-US" dirty="0"/>
+              <a:t>SELECT * FROM Customers where Country in ('Germany', 'France', 'UK</a:t>
+            </a:r>
+            <a:r>
+              <a:rPr lang="en-US" dirty="0" smtClean="0"/>
+              <a:t>');</a:t>
+            </a:r>
+            <a:r>
+              <a:rPr lang="hu-HU" dirty="0" smtClean="0"/>
+              <a:t>)</a:t>
+            </a:r>
+          </a:p>
+          <a:p>
+            <a:r>
+              <a:rPr lang="hu-HU" dirty="0" err="1" smtClean="0"/>
+              <a:t>You</a:t>
+            </a:r>
+            <a:r>
+              <a:rPr lang="hu-HU" dirty="0" smtClean="0"/>
+              <a:t> </a:t>
+            </a:r>
+            <a:r>
+              <a:rPr lang="hu-HU" dirty="0" err="1" smtClean="0"/>
+              <a:t>can</a:t>
+            </a:r>
+            <a:r>
+              <a:rPr lang="hu-HU" dirty="0" smtClean="0"/>
+              <a:t> </a:t>
+            </a:r>
+            <a:r>
+              <a:rPr lang="hu-HU" dirty="0" err="1" smtClean="0"/>
+              <a:t>also</a:t>
+            </a:r>
+            <a:r>
+              <a:rPr lang="hu-HU" dirty="0" smtClean="0"/>
+              <a:t> </a:t>
+            </a:r>
+            <a:r>
+              <a:rPr lang="hu-HU" dirty="0" err="1" smtClean="0"/>
+              <a:t>say</a:t>
+            </a:r>
+            <a:r>
+              <a:rPr lang="hu-HU" dirty="0" smtClean="0"/>
+              <a:t> </a:t>
+            </a:r>
+            <a:r>
+              <a:rPr lang="hu-HU" dirty="0" err="1" smtClean="0"/>
+              <a:t>to</a:t>
+            </a:r>
+            <a:r>
+              <a:rPr lang="hu-HU" dirty="0" smtClean="0"/>
+              <a:t> </a:t>
+            </a:r>
+            <a:r>
+              <a:rPr lang="hu-HU" dirty="0" err="1" smtClean="0"/>
+              <a:t>exclude</a:t>
+            </a:r>
+            <a:r>
+              <a:rPr lang="hu-HU" dirty="0" smtClean="0"/>
+              <a:t> </a:t>
+            </a:r>
+            <a:r>
+              <a:rPr lang="hu-HU" dirty="0" err="1" smtClean="0"/>
+              <a:t>these</a:t>
+            </a:r>
+            <a:r>
+              <a:rPr lang="hu-HU" dirty="0" smtClean="0"/>
+              <a:t> </a:t>
+            </a:r>
+            <a:r>
+              <a:rPr lang="hu-HU" dirty="0" err="1" smtClean="0"/>
+              <a:t>values</a:t>
+            </a:r>
+            <a:r>
+              <a:rPr lang="hu-HU" dirty="0" smtClean="0"/>
+              <a:t> </a:t>
+            </a:r>
+            <a:r>
+              <a:rPr lang="hu-HU" dirty="0" err="1" smtClean="0"/>
+              <a:t>from</a:t>
+            </a:r>
+            <a:r>
+              <a:rPr lang="hu-HU" dirty="0" smtClean="0"/>
+              <a:t> </a:t>
             </a:r>
             <a:r>
               <a:rPr lang="hu-HU" dirty="0" err="1" smtClean="0"/>
@@ -6838,45 +7058,69 @@
               <a:rPr lang="hu-HU" dirty="0" err="1" smtClean="0"/>
               <a:t>data</a:t>
             </a:r>
+            <a:endParaRPr lang="hu-HU" dirty="0" smtClean="0"/>
+          </a:p>
+          <a:p>
+            <a:r>
+              <a:rPr lang="hu-HU" dirty="0" err="1" smtClean="0"/>
+              <a:t>Example</a:t>
+            </a:r>
+            <a:r>
+              <a:rPr lang="hu-HU" dirty="0" smtClean="0"/>
+              <a:t>(</a:t>
+            </a:r>
+            <a:r>
+              <a:rPr lang="en-US" dirty="0"/>
+              <a:t>SELECT * FROM Customers where Country not in ('Germany', 'France', 'UK</a:t>
+            </a:r>
+            <a:r>
+              <a:rPr lang="en-US" dirty="0" smtClean="0"/>
+              <a:t>');</a:t>
+            </a:r>
+            <a:r>
+              <a:rPr lang="hu-HU" dirty="0" smtClean="0"/>
+              <a:t>)</a:t>
+            </a:r>
+          </a:p>
+          <a:p>
             <a:endParaRPr lang="hu-HU" dirty="0"/>
           </a:p>
-          <a:p>
-            <a:r>
-              <a:rPr lang="hu-HU" dirty="0" err="1" smtClean="0"/>
-              <a:t>Example</a:t>
-            </a:r>
-            <a:r>
-              <a:rPr lang="hu-HU" dirty="0" smtClean="0"/>
-              <a:t>(</a:t>
-            </a:r>
-            <a:r>
-              <a:rPr lang="en-US" dirty="0"/>
-              <a:t>select distinct Country from Customers where Country not null order by Country </a:t>
-            </a:r>
-            <a:r>
-              <a:rPr lang="en-US" dirty="0" err="1"/>
-              <a:t>desc</a:t>
-            </a:r>
-            <a:r>
-              <a:rPr lang="en-US" dirty="0"/>
-              <a:t> limit 3</a:t>
-            </a:r>
-            <a:r>
-              <a:rPr lang="en-US" dirty="0" smtClean="0"/>
-              <a:t>;</a:t>
-            </a:r>
-            <a:r>
-              <a:rPr lang="hu-HU" dirty="0" smtClean="0"/>
-              <a:t>)</a:t>
-            </a:r>
-            <a:endParaRPr lang="hu-HU" dirty="0"/>
-          </a:p>
-        </p:txBody>
-      </p:sp>
+        </p:txBody>
+      </p:sp>
+      <p:pic>
+        <p:nvPicPr>
+          <p:cNvPr id="4" name="Picture 3"/>
+          <p:cNvPicPr>
+            <a:picLocks noChangeAspect="1"/>
+          </p:cNvPicPr>
+          <p:nvPr/>
+        </p:nvPicPr>
+        <p:blipFill>
+          <a:blip r:embed="rId2">
+            <a:extLst>
+              <a:ext uri="{28A0092B-C50C-407E-A947-70E740481C1C}">
+                <a14:useLocalDpi xmlns:a14="http://schemas.microsoft.com/office/drawing/2010/main" val="0"/>
+              </a:ext>
+            </a:extLst>
+          </a:blip>
+          <a:stretch>
+            <a:fillRect/>
+          </a:stretch>
+        </p:blipFill>
+        <p:spPr>
+          <a:xfrm>
+            <a:off x="5029199" y="1626678"/>
+            <a:ext cx="6879862" cy="3858119"/>
+          </a:xfrm>
+          <a:prstGeom prst="rect">
+            <a:avLst/>
+          </a:prstGeom>
+        </p:spPr>
+      </p:pic>
     </p:spTree>
     <p:extLst>
       <p:ext uri="{BB962C8B-B14F-4D97-AF65-F5344CB8AC3E}">
-        <p14:creationId xmlns:p14="http://schemas.microsoft.com/office/powerpoint/2010/main" val="1495555386"/>
+        <p14:creationId xmlns:p14="http://schemas.microsoft.com/office/powerpoint/2010/main" val="1279876370"/>
       </p:ext>
     </p:extLst>
   </p:cSld>
@@ -6919,8 +7163,8 @@
           <a:lstStyle/>
           <a:p>
             <a:r>
-              <a:rPr lang="hu-HU" dirty="0" smtClean="0"/>
-              <a:t>In</a:t>
+              <a:rPr lang="hu-HU" dirty="0" err="1" smtClean="0"/>
+              <a:t>between</a:t>
             </a:r>
             <a:endParaRPr lang="hu-HU" dirty="0"/>
           </a:p>
@@ -6936,7 +7180,12 @@
             <p:ph idx="1"/>
           </p:nvPr>
         </p:nvSpPr>
-        <p:spPr/>
+        <p:spPr>
+          <a:xfrm>
+            <a:off x="685802" y="2142067"/>
+            <a:ext cx="4667596" cy="3649133"/>
+          </a:xfrm>
+        </p:spPr>
         <p:txBody>
           <a:bodyPr/>
           <a:lstStyle/>
@@ -6963,268 +7212,6 @@
             </a:r>
             <a:r>
               <a:rPr lang="hu-HU" dirty="0" err="1" smtClean="0"/>
-              <a:t>where</a:t>
-            </a:r>
-            <a:r>
-              <a:rPr lang="hu-HU" dirty="0" smtClean="0"/>
-              <a:t> </a:t>
-            </a:r>
-            <a:r>
-              <a:rPr lang="hu-HU" dirty="0" err="1" smtClean="0"/>
-              <a:t>the</a:t>
-            </a:r>
-            <a:r>
-              <a:rPr lang="hu-HU" dirty="0" smtClean="0"/>
-              <a:t> </a:t>
-            </a:r>
-            <a:r>
-              <a:rPr lang="hu-HU" dirty="0" err="1" smtClean="0"/>
-              <a:t>values</a:t>
-            </a:r>
-            <a:r>
-              <a:rPr lang="hu-HU" dirty="0"/>
-              <a:t> </a:t>
-            </a:r>
-            <a:r>
-              <a:rPr lang="hu-HU" dirty="0" err="1" smtClean="0"/>
-              <a:t>mach</a:t>
-            </a:r>
-            <a:endParaRPr lang="hu-HU" dirty="0"/>
-          </a:p>
-          <a:p>
-            <a:r>
-              <a:rPr lang="hu-HU" dirty="0" err="1" smtClean="0"/>
-              <a:t>Example</a:t>
-            </a:r>
-            <a:r>
-              <a:rPr lang="hu-HU" dirty="0" smtClean="0"/>
-              <a:t>(</a:t>
-            </a:r>
-            <a:r>
-              <a:rPr lang="en-US" dirty="0"/>
-              <a:t>SELECT * FROM Customers where Country in ('Germany', 'France', 'UK</a:t>
-            </a:r>
-            <a:r>
-              <a:rPr lang="en-US" dirty="0" smtClean="0"/>
-              <a:t>');</a:t>
-            </a:r>
-            <a:r>
-              <a:rPr lang="hu-HU" dirty="0" smtClean="0"/>
-              <a:t>)</a:t>
-            </a:r>
-          </a:p>
-          <a:p>
-            <a:r>
-              <a:rPr lang="hu-HU" dirty="0" err="1" smtClean="0"/>
-              <a:t>You</a:t>
-            </a:r>
-            <a:r>
-              <a:rPr lang="hu-HU" dirty="0" smtClean="0"/>
-              <a:t> </a:t>
-            </a:r>
-            <a:r>
-              <a:rPr lang="hu-HU" dirty="0" err="1" smtClean="0"/>
-              <a:t>can</a:t>
-            </a:r>
-            <a:r>
-              <a:rPr lang="hu-HU" dirty="0" smtClean="0"/>
-              <a:t> </a:t>
-            </a:r>
-            <a:r>
-              <a:rPr lang="hu-HU" dirty="0" err="1" smtClean="0"/>
-              <a:t>also</a:t>
-            </a:r>
-            <a:r>
-              <a:rPr lang="hu-HU" dirty="0" smtClean="0"/>
-              <a:t> </a:t>
-            </a:r>
-            <a:r>
-              <a:rPr lang="hu-HU" dirty="0" err="1" smtClean="0"/>
-              <a:t>say</a:t>
-            </a:r>
-            <a:r>
-              <a:rPr lang="hu-HU" dirty="0" smtClean="0"/>
-              <a:t> </a:t>
-            </a:r>
-            <a:r>
-              <a:rPr lang="hu-HU" dirty="0" err="1" smtClean="0"/>
-              <a:t>to</a:t>
-            </a:r>
-            <a:r>
-              <a:rPr lang="hu-HU" dirty="0" smtClean="0"/>
-              <a:t> </a:t>
-            </a:r>
-            <a:r>
-              <a:rPr lang="hu-HU" dirty="0" err="1" smtClean="0"/>
-              <a:t>exclude</a:t>
-            </a:r>
-            <a:r>
-              <a:rPr lang="hu-HU" dirty="0" smtClean="0"/>
-              <a:t> </a:t>
-            </a:r>
-            <a:r>
-              <a:rPr lang="hu-HU" dirty="0" err="1" smtClean="0"/>
-              <a:t>these</a:t>
-            </a:r>
-            <a:r>
-              <a:rPr lang="hu-HU" dirty="0" smtClean="0"/>
-              <a:t> </a:t>
-            </a:r>
-            <a:r>
-              <a:rPr lang="hu-HU" dirty="0" err="1" smtClean="0"/>
-              <a:t>values</a:t>
-            </a:r>
-            <a:r>
-              <a:rPr lang="hu-HU" dirty="0" smtClean="0"/>
-              <a:t> </a:t>
-            </a:r>
-            <a:r>
-              <a:rPr lang="hu-HU" dirty="0" err="1" smtClean="0"/>
-              <a:t>from</a:t>
-            </a:r>
-            <a:r>
-              <a:rPr lang="hu-HU" dirty="0" smtClean="0"/>
-              <a:t> </a:t>
-            </a:r>
-            <a:r>
-              <a:rPr lang="hu-HU" dirty="0" err="1" smtClean="0"/>
-              <a:t>the</a:t>
-            </a:r>
-            <a:r>
-              <a:rPr lang="hu-HU" dirty="0" smtClean="0"/>
-              <a:t> </a:t>
-            </a:r>
-            <a:r>
-              <a:rPr lang="hu-HU" dirty="0" err="1" smtClean="0"/>
-              <a:t>returned</a:t>
-            </a:r>
-            <a:r>
-              <a:rPr lang="hu-HU" dirty="0" smtClean="0"/>
-              <a:t> </a:t>
-            </a:r>
-            <a:r>
-              <a:rPr lang="hu-HU" dirty="0" err="1" smtClean="0"/>
-              <a:t>data</a:t>
-            </a:r>
-            <a:endParaRPr lang="hu-HU" dirty="0" smtClean="0"/>
-          </a:p>
-          <a:p>
-            <a:r>
-              <a:rPr lang="hu-HU" dirty="0" err="1" smtClean="0"/>
-              <a:t>Example</a:t>
-            </a:r>
-            <a:r>
-              <a:rPr lang="hu-HU" dirty="0" smtClean="0"/>
-              <a:t>(</a:t>
-            </a:r>
-            <a:r>
-              <a:rPr lang="en-US" dirty="0"/>
-              <a:t>SELECT * FROM Customers where Country not in ('Germany', 'France', 'UK</a:t>
-            </a:r>
-            <a:r>
-              <a:rPr lang="en-US" dirty="0" smtClean="0"/>
-              <a:t>');</a:t>
-            </a:r>
-            <a:r>
-              <a:rPr lang="hu-HU" dirty="0" smtClean="0"/>
-              <a:t>)</a:t>
-            </a:r>
-          </a:p>
-          <a:p>
-            <a:endParaRPr lang="hu-HU" dirty="0"/>
-          </a:p>
-        </p:txBody>
-      </p:sp>
-    </p:spTree>
-    <p:extLst>
-      <p:ext uri="{BB962C8B-B14F-4D97-AF65-F5344CB8AC3E}">
-        <p14:creationId xmlns:p14="http://schemas.microsoft.com/office/powerpoint/2010/main" val="1279876370"/>
-      </p:ext>
-    </p:extLst>
-  </p:cSld>
-  <p:clrMapOvr>
-    <a:masterClrMapping/>
-  </p:clrMapOvr>
-</p:sld>
-</file>
-
-<file path=ppt/slides/slide15.xml><?xml version="1.0" encoding="utf-8"?>
-<p:sld xmlns:a="http://schemas.openxmlformats.org/drawingml/2006/main" xmlns:r="http://schemas.openxmlformats.org/officeDocument/2006/relationships" xmlns:p="http://schemas.openxmlformats.org/presentationml/2006/main">
-  <p:cSld>
-    <p:spTree>
-      <p:nvGrpSpPr>
-        <p:cNvPr id="1" name=""/>
-        <p:cNvGrpSpPr/>
-        <p:nvPr/>
-      </p:nvGrpSpPr>
-      <p:grpSpPr>
-        <a:xfrm>
-          <a:off x="0" y="0"/>
-          <a:ext cx="0" cy="0"/>
-          <a:chOff x="0" y="0"/>
-          <a:chExt cx="0" cy="0"/>
-        </a:xfrm>
-      </p:grpSpPr>
-      <p:sp>
-        <p:nvSpPr>
-          <p:cNvPr id="2" name="Title 1"/>
-          <p:cNvSpPr>
-            <a:spLocks noGrp="1"/>
-          </p:cNvSpPr>
-          <p:nvPr>
-            <p:ph type="title"/>
-          </p:nvPr>
-        </p:nvSpPr>
-        <p:spPr/>
-        <p:txBody>
-          <a:bodyPr/>
-          <a:lstStyle/>
-          <a:p>
-            <a:r>
-              <a:rPr lang="hu-HU" dirty="0" err="1" smtClean="0"/>
-              <a:t>between</a:t>
-            </a:r>
-            <a:endParaRPr lang="hu-HU" dirty="0"/>
-          </a:p>
-        </p:txBody>
-      </p:sp>
-      <p:sp>
-        <p:nvSpPr>
-          <p:cNvPr id="3" name="Content Placeholder 2"/>
-          <p:cNvSpPr>
-            <a:spLocks noGrp="1"/>
-          </p:cNvSpPr>
-          <p:nvPr>
-            <p:ph idx="1"/>
-          </p:nvPr>
-        </p:nvSpPr>
-        <p:spPr/>
-        <p:txBody>
-          <a:bodyPr/>
-          <a:lstStyle/>
-          <a:p>
-            <a:r>
-              <a:rPr lang="hu-HU" dirty="0" smtClean="0"/>
-              <a:t>It </a:t>
-            </a:r>
-            <a:r>
-              <a:rPr lang="hu-HU" dirty="0" err="1" smtClean="0"/>
-              <a:t>returns</a:t>
-            </a:r>
-            <a:r>
-              <a:rPr lang="hu-HU" dirty="0" smtClean="0"/>
-              <a:t> </a:t>
-            </a:r>
-            <a:r>
-              <a:rPr lang="hu-HU" dirty="0" err="1" smtClean="0"/>
-              <a:t>data</a:t>
-            </a:r>
-            <a:r>
-              <a:rPr lang="hu-HU" dirty="0" smtClean="0"/>
-              <a:t> </a:t>
-            </a:r>
-            <a:r>
-              <a:rPr lang="hu-HU" dirty="0" err="1" smtClean="0"/>
               <a:t>wich</a:t>
             </a:r>
             <a:r>
@@ -7436,13 +7423,43 @@
               <a:t>';</a:t>
             </a:r>
             <a:r>
-              <a:rPr lang="hu-HU" smtClean="0"/>
+              <a:rPr lang="hu-HU" dirty="0" smtClean="0"/>
               <a:t>)</a:t>
             </a:r>
             <a:endParaRPr lang="hu-HU" dirty="0"/>
           </a:p>
         </p:txBody>
       </p:sp>
+      <p:pic>
+        <p:nvPicPr>
+          <p:cNvPr id="4" name="Picture 3"/>
+          <p:cNvPicPr>
+            <a:picLocks noChangeAspect="1"/>
+          </p:cNvPicPr>
+          <p:nvPr/>
+        </p:nvPicPr>
+        <p:blipFill>
+          <a:blip r:embed="rId2">
+            <a:extLst>
+              <a:ext uri="{28A0092B-C50C-407E-A947-70E740481C1C}">
+                <a14:useLocalDpi xmlns:a14="http://schemas.microsoft.com/office/drawing/2010/main" val="0"/>
+              </a:ext>
+            </a:extLst>
+          </a:blip>
+          <a:stretch>
+            <a:fillRect/>
+          </a:stretch>
+        </p:blipFill>
+        <p:spPr>
+          <a:xfrm>
+            <a:off x="5353398" y="1679171"/>
+            <a:ext cx="6804137" cy="3632416"/>
+          </a:xfrm>
+          <a:prstGeom prst="rect">
+            <a:avLst/>
+          </a:prstGeom>
+        </p:spPr>
+      </p:pic>
     </p:spTree>
     <p:extLst>
       <p:ext uri="{BB962C8B-B14F-4D97-AF65-F5344CB8AC3E}">
@@ -7610,7 +7627,12 @@
             <p:ph idx="1"/>
           </p:nvPr>
         </p:nvSpPr>
-        <p:spPr/>
+        <p:spPr>
+          <a:xfrm>
+            <a:off x="685802" y="2352502"/>
+            <a:ext cx="4177144" cy="1429790"/>
+          </a:xfrm>
+        </p:spPr>
         <p:txBody>
           <a:bodyPr/>
           <a:lstStyle/>
@@ -7695,6 +7717,36 @@
           </a:p>
         </p:txBody>
       </p:sp>
+      <p:pic>
+        <p:nvPicPr>
+          <p:cNvPr id="4" name="Picture 3"/>
+          <p:cNvPicPr>
+            <a:picLocks noChangeAspect="1"/>
+          </p:cNvPicPr>
+          <p:nvPr/>
+        </p:nvPicPr>
+        <p:blipFill>
+          <a:blip r:embed="rId2">
+            <a:extLst>
+              <a:ext uri="{28A0092B-C50C-407E-A947-70E740481C1C}">
+                <a14:useLocalDpi xmlns:a14="http://schemas.microsoft.com/office/drawing/2010/main" val="0"/>
+              </a:ext>
+            </a:extLst>
+          </a:blip>
+          <a:stretch>
+            <a:fillRect/>
+          </a:stretch>
+        </p:blipFill>
+        <p:spPr>
+          <a:xfrm>
+            <a:off x="4500944" y="964278"/>
+            <a:ext cx="7457230" cy="4289682"/>
+          </a:xfrm>
+          <a:prstGeom prst="rect">
+            <a:avLst/>
+          </a:prstGeom>
+        </p:spPr>
+      </p:pic>
     </p:spTree>
     <p:extLst>
       <p:ext uri="{BB962C8B-B14F-4D97-AF65-F5344CB8AC3E}">
@@ -7758,7 +7810,12 @@
             <p:ph idx="1"/>
           </p:nvPr>
         </p:nvSpPr>
-        <p:spPr/>
+        <p:spPr>
+          <a:xfrm>
+            <a:off x="685802" y="2142067"/>
+            <a:ext cx="4783973" cy="3649133"/>
+          </a:xfrm>
+        </p:spPr>
         <p:txBody>
           <a:bodyPr/>
           <a:lstStyle/>
@@ -8159,6 +8216,36 @@
           </a:p>
         </p:txBody>
       </p:sp>
+      <p:pic>
+        <p:nvPicPr>
+          <p:cNvPr id="4" name="Picture 3"/>
+          <p:cNvPicPr>
+            <a:picLocks noChangeAspect="1"/>
+          </p:cNvPicPr>
+          <p:nvPr/>
+        </p:nvPicPr>
+        <p:blipFill>
+          <a:blip r:embed="rId2">
+            <a:extLst>
+              <a:ext uri="{28A0092B-C50C-407E-A947-70E740481C1C}">
+                <a14:useLocalDpi xmlns:a14="http://schemas.microsoft.com/office/drawing/2010/main" val="0"/>
+              </a:ext>
+            </a:extLst>
+          </a:blip>
+          <a:stretch>
+            <a:fillRect/>
+          </a:stretch>
+        </p:blipFill>
+        <p:spPr>
+          <a:xfrm>
+            <a:off x="5167033" y="2211186"/>
+            <a:ext cx="6998299" cy="3074598"/>
+          </a:xfrm>
+          <a:prstGeom prst="rect">
+            <a:avLst/>
+          </a:prstGeom>
+        </p:spPr>
+      </p:pic>
     </p:spTree>
     <p:extLst>
       <p:ext uri="{BB962C8B-B14F-4D97-AF65-F5344CB8AC3E}">
@@ -8222,14 +8309,31 @@
             <p:ph idx="1"/>
           </p:nvPr>
         </p:nvSpPr>
-        <p:spPr/>
+        <p:spPr>
+          <a:xfrm>
+            <a:off x="378230" y="3042458"/>
+            <a:ext cx="3190701" cy="1867593"/>
+          </a:xfrm>
+        </p:spPr>
         <p:txBody>
           <a:bodyPr/>
           <a:lstStyle/>
           <a:p>
             <a:r>
               <a:rPr lang="hu-HU" dirty="0" smtClean="0"/>
-              <a:t>It add a </a:t>
+              <a:t>It </a:t>
+            </a:r>
+            <a:r>
+              <a:rPr lang="hu-HU" dirty="0" err="1" smtClean="0"/>
+              <a:t>adds</a:t>
+            </a:r>
+            <a:r>
+              <a:rPr lang="hu-HU" dirty="0" smtClean="0"/>
+              <a:t> </a:t>
+            </a:r>
+            <a:r>
+              <a:rPr lang="hu-HU" dirty="0" smtClean="0"/>
+              <a:t>a </a:t>
             </a:r>
             <a:r>
               <a:rPr lang="hu-HU" dirty="0" err="1" smtClean="0"/>
@@ -8329,6 +8433,36 @@
           </a:p>
         </p:txBody>
       </p:sp>
+      <p:pic>
+        <p:nvPicPr>
+          <p:cNvPr id="4" name="Picture 3"/>
+          <p:cNvPicPr>
+            <a:picLocks noChangeAspect="1"/>
+          </p:cNvPicPr>
+          <p:nvPr/>
+        </p:nvPicPr>
+        <p:blipFill>
+          <a:blip r:embed="rId2">
+            <a:extLst>
+              <a:ext uri="{28A0092B-C50C-407E-A947-70E740481C1C}">
+                <a14:useLocalDpi xmlns:a14="http://schemas.microsoft.com/office/drawing/2010/main" val="0"/>
+              </a:ext>
+            </a:extLst>
+          </a:blip>
+          <a:stretch>
+            <a:fillRect/>
+          </a:stretch>
+        </p:blipFill>
+        <p:spPr>
+          <a:xfrm>
+            <a:off x="3568931" y="2160127"/>
+            <a:ext cx="8623069" cy="2606082"/>
+          </a:xfrm>
+          <a:prstGeom prst="rect">
+            <a:avLst/>
+          </a:prstGeom>
+        </p:spPr>
+      </p:pic>
     </p:spTree>
     <p:extLst>
       <p:ext uri="{BB962C8B-B14F-4D97-AF65-F5344CB8AC3E}">
@@ -8438,7 +8572,15 @@
             </a:r>
             <a:r>
               <a:rPr lang="en-US" dirty="0" smtClean="0"/>
-              <a:t>'92‚</a:t>
+              <a:t>'9</a:t>
+            </a:r>
+            <a:r>
+              <a:rPr lang="hu-HU" dirty="0" smtClean="0"/>
+              <a:t>4</a:t>
+            </a:r>
+            <a:r>
+              <a:rPr lang="en-US" dirty="0" smtClean="0"/>
+              <a:t>‚</a:t>
             </a:r>
             <a:r>
               <a:rPr lang="hu-HU" dirty="0" smtClean="0"/>
@@ -8452,6 +8594,36 @@
           </a:p>
         </p:txBody>
       </p:sp>
+      <p:pic>
+        <p:nvPicPr>
+          <p:cNvPr id="4" name="Picture 3"/>
+          <p:cNvPicPr>
+            <a:picLocks noChangeAspect="1"/>
+          </p:cNvPicPr>
+          <p:nvPr/>
+        </p:nvPicPr>
+        <p:blipFill>
+          <a:blip r:embed="rId2">
+            <a:extLst>
+              <a:ext uri="{28A0092B-C50C-407E-A947-70E740481C1C}">
+                <a14:useLocalDpi xmlns:a14="http://schemas.microsoft.com/office/drawing/2010/main" val="0"/>
+              </a:ext>
+            </a:extLst>
+          </a:blip>
+          <a:stretch>
+            <a:fillRect/>
+          </a:stretch>
+        </p:blipFill>
+        <p:spPr>
+          <a:xfrm>
+            <a:off x="6725140" y="1541208"/>
+            <a:ext cx="5391902" cy="4058216"/>
+          </a:xfrm>
+          <a:prstGeom prst="rect">
+            <a:avLst/>
+          </a:prstGeom>
+        </p:spPr>
+      </p:pic>
     </p:spTree>
     <p:extLst>
       <p:ext uri="{BB962C8B-B14F-4D97-AF65-F5344CB8AC3E}">
@@ -8515,7 +8687,12 @@
             <p:ph idx="1"/>
           </p:nvPr>
         </p:nvSpPr>
-        <p:spPr/>
+        <p:spPr>
+          <a:xfrm>
+            <a:off x="685802" y="2142067"/>
+            <a:ext cx="5091544" cy="3649133"/>
+          </a:xfrm>
+        </p:spPr>
         <p:txBody>
           <a:bodyPr/>
           <a:lstStyle/>
@@ -8631,6 +8808,36 @@
           </a:p>
         </p:txBody>
       </p:sp>
+      <p:pic>
+        <p:nvPicPr>
+          <p:cNvPr id="4" name="Picture 3"/>
+          <p:cNvPicPr>
+            <a:picLocks noChangeAspect="1"/>
+          </p:cNvPicPr>
+          <p:nvPr/>
+        </p:nvPicPr>
+        <p:blipFill>
+          <a:blip r:embed="rId2">
+            <a:extLst>
+              <a:ext uri="{28A0092B-C50C-407E-A947-70E740481C1C}">
+                <a14:useLocalDpi xmlns:a14="http://schemas.microsoft.com/office/drawing/2010/main" val="0"/>
+              </a:ext>
+            </a:extLst>
+          </a:blip>
+          <a:stretch>
+            <a:fillRect/>
+          </a:stretch>
+        </p:blipFill>
+        <p:spPr>
+          <a:xfrm>
+            <a:off x="5953754" y="1713931"/>
+            <a:ext cx="5887272" cy="4077269"/>
+          </a:xfrm>
+          <a:prstGeom prst="rect">
+            <a:avLst/>
+          </a:prstGeom>
+        </p:spPr>
+      </p:pic>
     </p:spTree>
     <p:extLst>
       <p:ext uri="{BB962C8B-B14F-4D97-AF65-F5344CB8AC3E}">
@@ -8702,7 +8909,12 @@
             <p:ph idx="1"/>
           </p:nvPr>
         </p:nvSpPr>
-        <p:spPr/>
+        <p:spPr>
+          <a:xfrm>
+            <a:off x="685802" y="2142067"/>
+            <a:ext cx="4335086" cy="3649133"/>
+          </a:xfrm>
+        </p:spPr>
         <p:txBody>
           <a:bodyPr/>
           <a:lstStyle/>
@@ -8828,6 +9040,36 @@
           </a:p>
         </p:txBody>
       </p:sp>
+      <p:pic>
+        <p:nvPicPr>
+          <p:cNvPr id="4" name="Picture 3"/>
+          <p:cNvPicPr>
+            <a:picLocks noChangeAspect="1"/>
+          </p:cNvPicPr>
+          <p:nvPr/>
+        </p:nvPicPr>
+        <p:blipFill>
+          <a:blip r:embed="rId2">
+            <a:extLst>
+              <a:ext uri="{28A0092B-C50C-407E-A947-70E740481C1C}">
+                <a14:useLocalDpi xmlns:a14="http://schemas.microsoft.com/office/drawing/2010/main" val="0"/>
+              </a:ext>
+            </a:extLst>
+          </a:blip>
+          <a:stretch>
+            <a:fillRect/>
+          </a:stretch>
+        </p:blipFill>
+        <p:spPr>
+          <a:xfrm>
+            <a:off x="5270270" y="2651760"/>
+            <a:ext cx="6816954" cy="2451673"/>
+          </a:xfrm>
+          <a:prstGeom prst="rect">
+            <a:avLst/>
+          </a:prstGeom>
+        </p:spPr>
+      </p:pic>
     </p:spTree>
     <p:extLst>
       <p:ext uri="{BB962C8B-B14F-4D97-AF65-F5344CB8AC3E}">
@@ -8873,6 +9115,10 @@
           <a:bodyPr/>
           <a:lstStyle/>
           <a:p>
+            <a:r>
+              <a:rPr lang="hu-HU" dirty="0" err="1" smtClean="0"/>
+              <a:t>Distinct</a:t>
+            </a:r>
             <a:endParaRPr lang="hu-HU" dirty="0"/>
           </a:p>
         </p:txBody>
@@ -8887,66 +9133,19 @@
             <p:ph idx="1"/>
           </p:nvPr>
         </p:nvSpPr>
-        <p:spPr/>
+        <p:spPr>
+          <a:xfrm>
+            <a:off x="685802" y="2142067"/>
+            <a:ext cx="4235334" cy="3649133"/>
+          </a:xfrm>
+        </p:spPr>
         <p:txBody>
           <a:bodyPr/>
           <a:lstStyle/>
           <a:p>
             <a:r>
-              <a:rPr lang="hu-HU" dirty="0" err="1" smtClean="0"/>
-              <a:t>You</a:t>
-            </a:r>
-            <a:r>
-              <a:rPr lang="hu-HU" dirty="0" smtClean="0"/>
-              <a:t> </a:t>
-            </a:r>
-            <a:r>
-              <a:rPr lang="hu-HU" dirty="0" err="1" smtClean="0"/>
-              <a:t>can</a:t>
-            </a:r>
-            <a:r>
-              <a:rPr lang="hu-HU" dirty="0" smtClean="0"/>
-              <a:t> </a:t>
-            </a:r>
-            <a:r>
-              <a:rPr lang="hu-HU" dirty="0" err="1" smtClean="0"/>
-              <a:t>also</a:t>
-            </a:r>
-            <a:r>
-              <a:rPr lang="hu-HU" dirty="0" smtClean="0"/>
-              <a:t> </a:t>
-            </a:r>
-            <a:r>
-              <a:rPr lang="hu-HU" dirty="0" err="1" smtClean="0"/>
-              <a:t>use</a:t>
-            </a:r>
-            <a:r>
-              <a:rPr lang="hu-HU" dirty="0" smtClean="0"/>
-              <a:t> </a:t>
-            </a:r>
-            <a:r>
-              <a:rPr lang="hu-HU" dirty="0" err="1" smtClean="0"/>
-              <a:t>select</a:t>
-            </a:r>
-            <a:r>
-              <a:rPr lang="hu-HU" dirty="0" smtClean="0"/>
-              <a:t> </a:t>
-            </a:r>
-            <a:r>
-              <a:rPr lang="hu-HU" dirty="0" err="1" smtClean="0"/>
-              <a:t>if</a:t>
-            </a:r>
-            <a:r>
-              <a:rPr lang="hu-HU" dirty="0" smtClean="0"/>
-              <a:t> </a:t>
-            </a:r>
-            <a:r>
-              <a:rPr lang="hu-HU" dirty="0" err="1" smtClean="0"/>
-              <a:t>you</a:t>
-            </a:r>
-            <a:r>
-              <a:rPr lang="hu-HU" dirty="0" smtClean="0"/>
-              <a:t> </a:t>
+              <a:rPr lang="hu-HU" dirty="0" smtClean="0"/>
+              <a:t>It </a:t>
             </a:r>
             <a:r>
               <a:rPr lang="hu-HU" dirty="0" err="1" smtClean="0"/>
@@ -8958,23 +9157,55 @@
             </a:r>
             <a:r>
               <a:rPr lang="hu-HU" dirty="0" err="1" smtClean="0"/>
-              <a:t>have</a:t>
-            </a:r>
-            <a:r>
-              <a:rPr lang="hu-HU" dirty="0" smtClean="0"/>
-              <a:t> </a:t>
-            </a:r>
-            <a:r>
-              <a:rPr lang="hu-HU" dirty="0" err="1" smtClean="0"/>
-              <a:t>partial</a:t>
-            </a:r>
-            <a:r>
-              <a:rPr lang="hu-HU" dirty="0" smtClean="0"/>
-              <a:t> </a:t>
-            </a:r>
-            <a:r>
-              <a:rPr lang="hu-HU" dirty="0" err="1" smtClean="0"/>
-              <a:t>information</a:t>
+              <a:t>returns</a:t>
+            </a:r>
+            <a:r>
+              <a:rPr lang="hu-HU" dirty="0" smtClean="0"/>
+              <a:t> </a:t>
+            </a:r>
+            <a:r>
+              <a:rPr lang="hu-HU" dirty="0" err="1" smtClean="0"/>
+              <a:t>the</a:t>
+            </a:r>
+            <a:r>
+              <a:rPr lang="hu-HU" dirty="0" smtClean="0"/>
+              <a:t> </a:t>
+            </a:r>
+            <a:r>
+              <a:rPr lang="hu-HU" dirty="0" err="1" smtClean="0"/>
+              <a:t>data</a:t>
+            </a:r>
+            <a:r>
+              <a:rPr lang="hu-HU" dirty="0" smtClean="0"/>
+              <a:t> </a:t>
+            </a:r>
+            <a:r>
+              <a:rPr lang="hu-HU" dirty="0" err="1" smtClean="0"/>
+              <a:t>once</a:t>
+            </a:r>
+            <a:r>
+              <a:rPr lang="hu-HU" dirty="0" smtClean="0"/>
+              <a:t>, </a:t>
+            </a:r>
+            <a:r>
+              <a:rPr lang="hu-HU" dirty="0" err="1" smtClean="0"/>
+              <a:t>doesn’t</a:t>
+            </a:r>
+            <a:r>
+              <a:rPr lang="hu-HU" dirty="0" smtClean="0"/>
+              <a:t> show </a:t>
+            </a:r>
+            <a:r>
+              <a:rPr lang="hu-HU" dirty="0" err="1" smtClean="0"/>
+              <a:t>the</a:t>
+            </a:r>
+            <a:r>
+              <a:rPr lang="hu-HU" dirty="0" smtClean="0"/>
+              <a:t> </a:t>
+            </a:r>
+            <a:r>
+              <a:rPr lang="hu-HU" dirty="0" err="1" smtClean="0"/>
+              <a:t>duplicates</a:t>
             </a:r>
             <a:endParaRPr lang="hu-HU" dirty="0" smtClean="0"/>
           </a:p>
@@ -8989,36 +9220,11 @@
             </a:r>
             <a:r>
               <a:rPr lang="en-US" dirty="0"/>
-              <a:t>select * from Customers where </a:t>
-            </a:r>
-            <a:r>
-              <a:rPr lang="en-US" dirty="0" err="1"/>
-              <a:t>ContactName</a:t>
-            </a:r>
-            <a:r>
-              <a:rPr lang="en-US" dirty="0"/>
-              <a:t> like 'Antonio%';</a:t>
-            </a:r>
-          </a:p>
-          <a:p>
-            <a:pPr marL="457200" lvl="1" indent="0">
-              <a:buNone/>
-            </a:pPr>
-            <a:r>
-              <a:rPr lang="en-US" dirty="0"/>
-              <a:t>select * from Customers where </a:t>
-            </a:r>
-            <a:r>
-              <a:rPr lang="en-US" dirty="0" err="1"/>
-              <a:t>CustomerName</a:t>
-            </a:r>
-            <a:r>
-              <a:rPr lang="en-US" dirty="0"/>
-              <a:t> like '%Antonio</a:t>
+              <a:t>select distinct City from Customers</a:t>
             </a:r>
             <a:r>
               <a:rPr lang="en-US" dirty="0" smtClean="0"/>
-              <a:t>%';</a:t>
+              <a:t>;</a:t>
             </a:r>
             <a:r>
               <a:rPr lang="hu-HU" dirty="0" smtClean="0"/>
@@ -9028,10 +9234,40 @@
           </a:p>
         </p:txBody>
       </p:sp>
+      <p:pic>
+        <p:nvPicPr>
+          <p:cNvPr id="4" name="Picture 3"/>
+          <p:cNvPicPr>
+            <a:picLocks noChangeAspect="1"/>
+          </p:cNvPicPr>
+          <p:nvPr/>
+        </p:nvPicPr>
+        <p:blipFill>
+          <a:blip r:embed="rId2">
+            <a:extLst>
+              <a:ext uri="{28A0092B-C50C-407E-A947-70E740481C1C}">
+                <a14:useLocalDpi xmlns:a14="http://schemas.microsoft.com/office/drawing/2010/main" val="0"/>
+              </a:ext>
+            </a:extLst>
+          </a:blip>
+          <a:stretch>
+            <a:fillRect/>
+          </a:stretch>
+        </p:blipFill>
+        <p:spPr>
+          <a:xfrm>
+            <a:off x="4921136" y="1954791"/>
+            <a:ext cx="6823202" cy="3836409"/>
+          </a:xfrm>
+          <a:prstGeom prst="rect">
+            <a:avLst/>
+          </a:prstGeom>
+        </p:spPr>
+      </p:pic>
     </p:spTree>
     <p:extLst>
       <p:ext uri="{BB962C8B-B14F-4D97-AF65-F5344CB8AC3E}">
-        <p14:creationId xmlns:p14="http://schemas.microsoft.com/office/powerpoint/2010/main" val="1407287428"/>
+        <p14:creationId xmlns:p14="http://schemas.microsoft.com/office/powerpoint/2010/main" val="2734845446"/>
       </p:ext>
     </p:extLst>
   </p:cSld>
